--- a/files/2020/LabVIEW_Advanced.pptx
+++ b/files/2020/LabVIEW_Advanced.pptx
@@ -5,7 +5,7 @@
     <p:sldMasterId id="2147483648" r:id="rId1"/>
   </p:sldMasterIdLst>
   <p:notesMasterIdLst>
-    <p:notesMasterId r:id="rId25"/>
+    <p:notesMasterId r:id="rId46"/>
   </p:notesMasterIdLst>
   <p:sldIdLst>
     <p:sldId id="256" r:id="rId2"/>
@@ -28,9 +28,30 @@
     <p:sldId id="282" r:id="rId19"/>
     <p:sldId id="285" r:id="rId20"/>
     <p:sldId id="324" r:id="rId21"/>
-    <p:sldId id="286" r:id="rId22"/>
-    <p:sldId id="287" r:id="rId23"/>
-    <p:sldId id="275" r:id="rId24"/>
+    <p:sldId id="325" r:id="rId22"/>
+    <p:sldId id="286" r:id="rId23"/>
+    <p:sldId id="287" r:id="rId24"/>
+    <p:sldId id="362" r:id="rId25"/>
+    <p:sldId id="378" r:id="rId26"/>
+    <p:sldId id="306" r:id="rId27"/>
+    <p:sldId id="377" r:id="rId28"/>
+    <p:sldId id="364" r:id="rId29"/>
+    <p:sldId id="365" r:id="rId30"/>
+    <p:sldId id="371" r:id="rId31"/>
+    <p:sldId id="368" r:id="rId32"/>
+    <p:sldId id="370" r:id="rId33"/>
+    <p:sldId id="372" r:id="rId34"/>
+    <p:sldId id="373" r:id="rId35"/>
+    <p:sldId id="374" r:id="rId36"/>
+    <p:sldId id="375" r:id="rId37"/>
+    <p:sldId id="363" r:id="rId38"/>
+    <p:sldId id="307" r:id="rId39"/>
+    <p:sldId id="315" r:id="rId40"/>
+    <p:sldId id="316" r:id="rId41"/>
+    <p:sldId id="311" r:id="rId42"/>
+    <p:sldId id="312" r:id="rId43"/>
+    <p:sldId id="376" r:id="rId44"/>
+    <p:sldId id="275" r:id="rId45"/>
   </p:sldIdLst>
   <p:sldSz cx="12192000" cy="6858000"/>
   <p:notesSz cx="6858000" cy="9144000"/>
@@ -230,7 +251,7 @@
           <a:p>
             <a:fld id="{93091DA9-5012-40B4-BF7C-936F20E7C29F}" type="datetimeFigureOut">
               <a:rPr lang="en-US" smtClean="0"/>
-              <a:t>12/29/2019</a:t>
+              <a:t>12/31/2019</a:t>
             </a:fld>
             <a:endParaRPr lang="en-US"/>
           </a:p>
@@ -918,8 +939,13 @@
           <a:p>
             <a:r>
               <a:rPr lang="en-US" dirty="0"/>
-              <a:t>typedefs</a:t>
-            </a:r>
+              <a:t>Queue</a:t>
+            </a:r>
+            <a:r>
+              <a:rPr lang="en-US" baseline="0" dirty="0"/>
+              <a:t> and FGV</a:t>
+            </a:r>
+            <a:endParaRPr lang="en-US" dirty="0"/>
           </a:p>
         </p:txBody>
       </p:sp>
@@ -940,7 +966,99 @@
           <a:p>
             <a:fld id="{7869CEDA-A88F-405F-B085-0C49B47076E2}" type="slidenum">
               <a:rPr lang="en-US" smtClean="0"/>
-              <a:t>22</a:t>
+              <a:t>21</a:t>
+            </a:fld>
+            <a:endParaRPr lang="en-US" dirty="0"/>
+          </a:p>
+        </p:txBody>
+      </p:sp>
+    </p:spTree>
+    <p:extLst>
+      <p:ext uri="{BB962C8B-B14F-4D97-AF65-F5344CB8AC3E}">
+        <p14:creationId xmlns:p14="http://schemas.microsoft.com/office/powerpoint/2010/main" val="1730913675"/>
+      </p:ext>
+    </p:extLst>
+  </p:cSld>
+  <p:clrMapOvr>
+    <a:masterClrMapping/>
+  </p:clrMapOvr>
+</p:notes>
+</file>
+
+<file path=ppt/notesSlides/notesSlide14.xml><?xml version="1.0" encoding="utf-8"?>
+<p:notes xmlns:a="http://schemas.openxmlformats.org/drawingml/2006/main" xmlns:r="http://schemas.openxmlformats.org/officeDocument/2006/relationships" xmlns:p="http://schemas.openxmlformats.org/presentationml/2006/main">
+  <p:cSld>
+    <p:spTree>
+      <p:nvGrpSpPr>
+        <p:cNvPr id="1" name=""/>
+        <p:cNvGrpSpPr/>
+        <p:nvPr/>
+      </p:nvGrpSpPr>
+      <p:grpSpPr>
+        <a:xfrm>
+          <a:off x="0" y="0"/>
+          <a:ext cx="0" cy="0"/>
+          <a:chOff x="0" y="0"/>
+          <a:chExt cx="0" cy="0"/>
+        </a:xfrm>
+      </p:grpSpPr>
+      <p:sp>
+        <p:nvSpPr>
+          <p:cNvPr id="2" name="Slide Image Placeholder 1"/>
+          <p:cNvSpPr>
+            <a:spLocks noGrp="1" noRot="1" noChangeAspect="1"/>
+          </p:cNvSpPr>
+          <p:nvPr>
+            <p:ph type="sldImg"/>
+          </p:nvPr>
+        </p:nvSpPr>
+        <p:spPr>
+          <a:xfrm>
+            <a:off x="381000" y="685800"/>
+            <a:ext cx="6096000" cy="3429000"/>
+          </a:xfrm>
+        </p:spPr>
+      </p:sp>
+      <p:sp>
+        <p:nvSpPr>
+          <p:cNvPr id="3" name="Notes Placeholder 2"/>
+          <p:cNvSpPr>
+            <a:spLocks noGrp="1"/>
+          </p:cNvSpPr>
+          <p:nvPr>
+            <p:ph type="body" idx="1"/>
+          </p:nvPr>
+        </p:nvSpPr>
+        <p:spPr/>
+        <p:txBody>
+          <a:bodyPr/>
+          <a:lstStyle/>
+          <a:p>
+            <a:r>
+              <a:rPr lang="en-US" dirty="0"/>
+              <a:t>typedefs</a:t>
+            </a:r>
+          </a:p>
+        </p:txBody>
+      </p:sp>
+      <p:sp>
+        <p:nvSpPr>
+          <p:cNvPr id="4" name="Slide Number Placeholder 3"/>
+          <p:cNvSpPr>
+            <a:spLocks noGrp="1"/>
+          </p:cNvSpPr>
+          <p:nvPr>
+            <p:ph type="sldNum" sz="quarter" idx="10"/>
+          </p:nvPr>
+        </p:nvSpPr>
+        <p:spPr/>
+        <p:txBody>
+          <a:bodyPr/>
+          <a:lstStyle/>
+          <a:p>
+            <a:fld id="{7869CEDA-A88F-405F-B085-0C49B47076E2}" type="slidenum">
+              <a:rPr lang="en-US" smtClean="0"/>
+              <a:t>23</a:t>
             </a:fld>
             <a:endParaRPr lang="en-US" dirty="0"/>
           </a:p>
@@ -950,6 +1068,465 @@
     <p:extLst>
       <p:ext uri="{BB962C8B-B14F-4D97-AF65-F5344CB8AC3E}">
         <p14:creationId xmlns:p14="http://schemas.microsoft.com/office/powerpoint/2010/main" val="3094569521"/>
+      </p:ext>
+    </p:extLst>
+  </p:cSld>
+  <p:clrMapOvr>
+    <a:masterClrMapping/>
+  </p:clrMapOvr>
+</p:notes>
+</file>
+
+<file path=ppt/notesSlides/notesSlide15.xml><?xml version="1.0" encoding="utf-8"?>
+<p:notes xmlns:a="http://schemas.openxmlformats.org/drawingml/2006/main" xmlns:r="http://schemas.openxmlformats.org/officeDocument/2006/relationships" xmlns:p="http://schemas.openxmlformats.org/presentationml/2006/main">
+  <p:cSld>
+    <p:spTree>
+      <p:nvGrpSpPr>
+        <p:cNvPr id="1" name=""/>
+        <p:cNvGrpSpPr/>
+        <p:nvPr/>
+      </p:nvGrpSpPr>
+      <p:grpSpPr>
+        <a:xfrm>
+          <a:off x="0" y="0"/>
+          <a:ext cx="0" cy="0"/>
+          <a:chOff x="0" y="0"/>
+          <a:chExt cx="0" cy="0"/>
+        </a:xfrm>
+      </p:grpSpPr>
+      <p:sp>
+        <p:nvSpPr>
+          <p:cNvPr id="2" name="Slide Image Placeholder 1"/>
+          <p:cNvSpPr>
+            <a:spLocks noGrp="1" noRot="1" noChangeAspect="1"/>
+          </p:cNvSpPr>
+          <p:nvPr>
+            <p:ph type="sldImg"/>
+          </p:nvPr>
+        </p:nvSpPr>
+        <p:spPr/>
+      </p:sp>
+      <p:sp>
+        <p:nvSpPr>
+          <p:cNvPr id="3" name="Notes Placeholder 2"/>
+          <p:cNvSpPr>
+            <a:spLocks noGrp="1"/>
+          </p:cNvSpPr>
+          <p:nvPr>
+            <p:ph type="body" idx="1"/>
+          </p:nvPr>
+        </p:nvSpPr>
+        <p:spPr/>
+        <p:txBody>
+          <a:bodyPr/>
+          <a:lstStyle/>
+          <a:p>
+            <a:r>
+              <a:rPr lang="en-US" dirty="0"/>
+              <a:t>To close the feedback loop means to bring information from the output of an action back as an input.</a:t>
+            </a:r>
+          </a:p>
+          <a:p>
+            <a:endParaRPr lang="en-US" dirty="0"/>
+          </a:p>
+          <a:p>
+            <a:endParaRPr lang="en-US" dirty="0"/>
+          </a:p>
+        </p:txBody>
+      </p:sp>
+      <p:sp>
+        <p:nvSpPr>
+          <p:cNvPr id="4" name="Slide Number Placeholder 3"/>
+          <p:cNvSpPr>
+            <a:spLocks noGrp="1"/>
+          </p:cNvSpPr>
+          <p:nvPr>
+            <p:ph type="sldNum" sz="quarter" idx="5"/>
+          </p:nvPr>
+        </p:nvSpPr>
+        <p:spPr/>
+        <p:txBody>
+          <a:bodyPr/>
+          <a:lstStyle/>
+          <a:p>
+            <a:fld id="{7869CEDA-A88F-405F-B085-0C49B47076E2}" type="slidenum">
+              <a:rPr lang="en-US" smtClean="0"/>
+              <a:t>24</a:t>
+            </a:fld>
+            <a:endParaRPr lang="en-US"/>
+          </a:p>
+        </p:txBody>
+      </p:sp>
+    </p:spTree>
+    <p:extLst>
+      <p:ext uri="{BB962C8B-B14F-4D97-AF65-F5344CB8AC3E}">
+        <p14:creationId xmlns:p14="http://schemas.microsoft.com/office/powerpoint/2010/main" val="1668501568"/>
+      </p:ext>
+    </p:extLst>
+  </p:cSld>
+  <p:clrMapOvr>
+    <a:masterClrMapping/>
+  </p:clrMapOvr>
+</p:notes>
+</file>
+
+<file path=ppt/notesSlides/notesSlide16.xml><?xml version="1.0" encoding="utf-8"?>
+<p:notes xmlns:a="http://schemas.openxmlformats.org/drawingml/2006/main" xmlns:r="http://schemas.openxmlformats.org/officeDocument/2006/relationships" xmlns:p="http://schemas.openxmlformats.org/presentationml/2006/main">
+  <p:cSld>
+    <p:spTree>
+      <p:nvGrpSpPr>
+        <p:cNvPr id="1" name=""/>
+        <p:cNvGrpSpPr/>
+        <p:nvPr/>
+      </p:nvGrpSpPr>
+      <p:grpSpPr>
+        <a:xfrm>
+          <a:off x="0" y="0"/>
+          <a:ext cx="0" cy="0"/>
+          <a:chOff x="0" y="0"/>
+          <a:chExt cx="0" cy="0"/>
+        </a:xfrm>
+      </p:grpSpPr>
+      <p:sp>
+        <p:nvSpPr>
+          <p:cNvPr id="2" name="Slide Image Placeholder 1"/>
+          <p:cNvSpPr>
+            <a:spLocks noGrp="1" noRot="1" noChangeAspect="1"/>
+          </p:cNvSpPr>
+          <p:nvPr>
+            <p:ph type="sldImg"/>
+          </p:nvPr>
+        </p:nvSpPr>
+        <p:spPr/>
+      </p:sp>
+      <p:sp>
+        <p:nvSpPr>
+          <p:cNvPr id="3" name="Notes Placeholder 2"/>
+          <p:cNvSpPr>
+            <a:spLocks noGrp="1"/>
+          </p:cNvSpPr>
+          <p:nvPr>
+            <p:ph type="body" idx="1"/>
+          </p:nvPr>
+        </p:nvSpPr>
+        <p:spPr/>
+        <p:txBody>
+          <a:bodyPr/>
+          <a:lstStyle/>
+          <a:p>
+            <a:r>
+              <a:rPr lang="en-US" dirty="0"/>
+              <a:t>Image from: </a:t>
+            </a:r>
+          </a:p>
+          <a:p>
+            <a:r>
+              <a:rPr lang="en-US" dirty="0"/>
+              <a:t>https://www.google.com/url?sa=i&amp;source=imgres&amp;cd=&amp;cad=rja&amp;uact=8&amp;ved=2ahUKEwiJubyf2sXfAhVMaq0KHXaFApAQjxx6BAgBEAI&amp;url=http%3A%2F%2Finterviewquestionanswer.com%2Felectrical-engineering%2Fwhat-are-different-types-of-control-systems&amp;psig=AOvVaw0I1yfTz9-ETIWCxb3uyuvJ&amp;ust=1546195772100247</a:t>
+            </a:r>
+          </a:p>
+        </p:txBody>
+      </p:sp>
+      <p:sp>
+        <p:nvSpPr>
+          <p:cNvPr id="4" name="Slide Number Placeholder 3"/>
+          <p:cNvSpPr>
+            <a:spLocks noGrp="1"/>
+          </p:cNvSpPr>
+          <p:nvPr>
+            <p:ph type="sldNum" sz="quarter" idx="10"/>
+          </p:nvPr>
+        </p:nvSpPr>
+        <p:spPr/>
+        <p:txBody>
+          <a:bodyPr/>
+          <a:lstStyle/>
+          <a:p>
+            <a:fld id="{7869CEDA-A88F-405F-B085-0C49B47076E2}" type="slidenum">
+              <a:rPr lang="en-US" smtClean="0"/>
+              <a:t>26</a:t>
+            </a:fld>
+            <a:endParaRPr lang="en-US"/>
+          </a:p>
+        </p:txBody>
+      </p:sp>
+    </p:spTree>
+    <p:extLst>
+      <p:ext uri="{BB962C8B-B14F-4D97-AF65-F5344CB8AC3E}">
+        <p14:creationId xmlns:p14="http://schemas.microsoft.com/office/powerpoint/2010/main" val="431624336"/>
+      </p:ext>
+    </p:extLst>
+  </p:cSld>
+  <p:clrMapOvr>
+    <a:masterClrMapping/>
+  </p:clrMapOvr>
+</p:notes>
+</file>
+
+<file path=ppt/notesSlides/notesSlide17.xml><?xml version="1.0" encoding="utf-8"?>
+<p:notes xmlns:a="http://schemas.openxmlformats.org/drawingml/2006/main" xmlns:r="http://schemas.openxmlformats.org/officeDocument/2006/relationships" xmlns:p="http://schemas.openxmlformats.org/presentationml/2006/main">
+  <p:cSld>
+    <p:spTree>
+      <p:nvGrpSpPr>
+        <p:cNvPr id="1" name=""/>
+        <p:cNvGrpSpPr/>
+        <p:nvPr/>
+      </p:nvGrpSpPr>
+      <p:grpSpPr>
+        <a:xfrm>
+          <a:off x="0" y="0"/>
+          <a:ext cx="0" cy="0"/>
+          <a:chOff x="0" y="0"/>
+          <a:chExt cx="0" cy="0"/>
+        </a:xfrm>
+      </p:grpSpPr>
+      <p:sp>
+        <p:nvSpPr>
+          <p:cNvPr id="2" name="Slide Image Placeholder 1"/>
+          <p:cNvSpPr>
+            <a:spLocks noGrp="1" noRot="1" noChangeAspect="1"/>
+          </p:cNvSpPr>
+          <p:nvPr>
+            <p:ph type="sldImg"/>
+          </p:nvPr>
+        </p:nvSpPr>
+        <p:spPr/>
+      </p:sp>
+      <p:sp>
+        <p:nvSpPr>
+          <p:cNvPr id="3" name="Notes Placeholder 2"/>
+          <p:cNvSpPr>
+            <a:spLocks noGrp="1"/>
+          </p:cNvSpPr>
+          <p:nvPr>
+            <p:ph type="body" idx="1"/>
+          </p:nvPr>
+        </p:nvSpPr>
+        <p:spPr/>
+        <p:txBody>
+          <a:bodyPr/>
+          <a:lstStyle/>
+          <a:p>
+            <a:r>
+              <a:rPr lang="en-US" dirty="0"/>
+              <a:t>Image from: </a:t>
+            </a:r>
+          </a:p>
+          <a:p>
+            <a:r>
+              <a:rPr lang="en-US" dirty="0"/>
+              <a:t>https://www.google.com/url?sa=i&amp;source=imgres&amp;cd=&amp;cad=rja&amp;uact=8&amp;ved=2ahUKEwiJubyf2sXfAhVMaq0KHXaFApAQjxx6BAgBEAI&amp;url=http%3A%2F%2Finterviewquestionanswer.com%2Felectrical-engineering%2Fwhat-are-different-types-of-control-systems&amp;psig=AOvVaw0I1yfTz9-ETIWCxb3uyuvJ&amp;ust=1546195772100247</a:t>
+            </a:r>
+          </a:p>
+        </p:txBody>
+      </p:sp>
+      <p:sp>
+        <p:nvSpPr>
+          <p:cNvPr id="4" name="Slide Number Placeholder 3"/>
+          <p:cNvSpPr>
+            <a:spLocks noGrp="1"/>
+          </p:cNvSpPr>
+          <p:nvPr>
+            <p:ph type="sldNum" sz="quarter" idx="10"/>
+          </p:nvPr>
+        </p:nvSpPr>
+        <p:spPr/>
+        <p:txBody>
+          <a:bodyPr/>
+          <a:lstStyle/>
+          <a:p>
+            <a:fld id="{7869CEDA-A88F-405F-B085-0C49B47076E2}" type="slidenum">
+              <a:rPr lang="en-US" smtClean="0"/>
+              <a:t>27</a:t>
+            </a:fld>
+            <a:endParaRPr lang="en-US"/>
+          </a:p>
+        </p:txBody>
+      </p:sp>
+    </p:spTree>
+    <p:extLst>
+      <p:ext uri="{BB962C8B-B14F-4D97-AF65-F5344CB8AC3E}">
+        <p14:creationId xmlns:p14="http://schemas.microsoft.com/office/powerpoint/2010/main" val="2639771186"/>
+      </p:ext>
+    </p:extLst>
+  </p:cSld>
+  <p:clrMapOvr>
+    <a:masterClrMapping/>
+  </p:clrMapOvr>
+</p:notes>
+</file>
+
+<file path=ppt/notesSlides/notesSlide18.xml><?xml version="1.0" encoding="utf-8"?>
+<p:notes xmlns:a="http://schemas.openxmlformats.org/drawingml/2006/main" xmlns:r="http://schemas.openxmlformats.org/officeDocument/2006/relationships" xmlns:p="http://schemas.openxmlformats.org/presentationml/2006/main">
+  <p:cSld>
+    <p:spTree>
+      <p:nvGrpSpPr>
+        <p:cNvPr id="1" name=""/>
+        <p:cNvGrpSpPr/>
+        <p:nvPr/>
+      </p:nvGrpSpPr>
+      <p:grpSpPr>
+        <a:xfrm>
+          <a:off x="0" y="0"/>
+          <a:ext cx="0" cy="0"/>
+          <a:chOff x="0" y="0"/>
+          <a:chExt cx="0" cy="0"/>
+        </a:xfrm>
+      </p:grpSpPr>
+      <p:sp>
+        <p:nvSpPr>
+          <p:cNvPr id="2" name="Slide Image Placeholder 1"/>
+          <p:cNvSpPr>
+            <a:spLocks noGrp="1" noRot="1" noChangeAspect="1"/>
+          </p:cNvSpPr>
+          <p:nvPr>
+            <p:ph type="sldImg"/>
+          </p:nvPr>
+        </p:nvSpPr>
+        <p:spPr/>
+      </p:sp>
+      <p:sp>
+        <p:nvSpPr>
+          <p:cNvPr id="3" name="Notes Placeholder 2"/>
+          <p:cNvSpPr>
+            <a:spLocks noGrp="1"/>
+          </p:cNvSpPr>
+          <p:nvPr>
+            <p:ph type="body" idx="1"/>
+          </p:nvPr>
+        </p:nvSpPr>
+        <p:spPr/>
+        <p:txBody>
+          <a:bodyPr/>
+          <a:lstStyle/>
+          <a:p>
+            <a:r>
+              <a:rPr lang="en-US" dirty="0"/>
+              <a:t>Image from: </a:t>
+            </a:r>
+          </a:p>
+          <a:p>
+            <a:r>
+              <a:rPr lang="en-US" dirty="0"/>
+              <a:t>https://www.google.com/url?sa=i&amp;source=imgres&amp;cd=&amp;cad=rja&amp;uact=8&amp;ved=2ahUKEwiJubyf2sXfAhVMaq0KHXaFApAQjxx6BAgBEAI&amp;url=http%3A%2F%2Finterviewquestionanswer.com%2Felectrical-engineering%2Fwhat-are-different-types-of-control-systems&amp;psig=AOvVaw0I1yfTz9-ETIWCxb3uyuvJ&amp;ust=1546195772100247</a:t>
+            </a:r>
+          </a:p>
+        </p:txBody>
+      </p:sp>
+      <p:sp>
+        <p:nvSpPr>
+          <p:cNvPr id="4" name="Slide Number Placeholder 3"/>
+          <p:cNvSpPr>
+            <a:spLocks noGrp="1"/>
+          </p:cNvSpPr>
+          <p:nvPr>
+            <p:ph type="sldNum" sz="quarter" idx="10"/>
+          </p:nvPr>
+        </p:nvSpPr>
+        <p:spPr/>
+        <p:txBody>
+          <a:bodyPr/>
+          <a:lstStyle/>
+          <a:p>
+            <a:fld id="{7869CEDA-A88F-405F-B085-0C49B47076E2}" type="slidenum">
+              <a:rPr lang="en-US" smtClean="0"/>
+              <a:t>28</a:t>
+            </a:fld>
+            <a:endParaRPr lang="en-US"/>
+          </a:p>
+        </p:txBody>
+      </p:sp>
+    </p:spTree>
+    <p:extLst>
+      <p:ext uri="{BB962C8B-B14F-4D97-AF65-F5344CB8AC3E}">
+        <p14:creationId xmlns:p14="http://schemas.microsoft.com/office/powerpoint/2010/main" val="2608369429"/>
+      </p:ext>
+    </p:extLst>
+  </p:cSld>
+  <p:clrMapOvr>
+    <a:masterClrMapping/>
+  </p:clrMapOvr>
+</p:notes>
+</file>
+
+<file path=ppt/notesSlides/notesSlide19.xml><?xml version="1.0" encoding="utf-8"?>
+<p:notes xmlns:a="http://schemas.openxmlformats.org/drawingml/2006/main" xmlns:r="http://schemas.openxmlformats.org/officeDocument/2006/relationships" xmlns:p="http://schemas.openxmlformats.org/presentationml/2006/main">
+  <p:cSld>
+    <p:spTree>
+      <p:nvGrpSpPr>
+        <p:cNvPr id="1" name=""/>
+        <p:cNvGrpSpPr/>
+        <p:nvPr/>
+      </p:nvGrpSpPr>
+      <p:grpSpPr>
+        <a:xfrm>
+          <a:off x="0" y="0"/>
+          <a:ext cx="0" cy="0"/>
+          <a:chOff x="0" y="0"/>
+          <a:chExt cx="0" cy="0"/>
+        </a:xfrm>
+      </p:grpSpPr>
+      <p:sp>
+        <p:nvSpPr>
+          <p:cNvPr id="2" name="Slide Image Placeholder 1"/>
+          <p:cNvSpPr>
+            <a:spLocks noGrp="1" noRot="1" noChangeAspect="1"/>
+          </p:cNvSpPr>
+          <p:nvPr>
+            <p:ph type="sldImg"/>
+          </p:nvPr>
+        </p:nvSpPr>
+        <p:spPr/>
+      </p:sp>
+      <p:sp>
+        <p:nvSpPr>
+          <p:cNvPr id="3" name="Notes Placeholder 2"/>
+          <p:cNvSpPr>
+            <a:spLocks noGrp="1"/>
+          </p:cNvSpPr>
+          <p:nvPr>
+            <p:ph type="body" idx="1"/>
+          </p:nvPr>
+        </p:nvSpPr>
+        <p:spPr/>
+        <p:txBody>
+          <a:bodyPr/>
+          <a:lstStyle/>
+          <a:p>
+            <a:r>
+              <a:rPr lang="en-US" dirty="0"/>
+              <a:t>Example:</a:t>
+            </a:r>
+          </a:p>
+        </p:txBody>
+      </p:sp>
+      <p:sp>
+        <p:nvSpPr>
+          <p:cNvPr id="4" name="Slide Number Placeholder 3"/>
+          <p:cNvSpPr>
+            <a:spLocks noGrp="1"/>
+          </p:cNvSpPr>
+          <p:nvPr>
+            <p:ph type="sldNum" sz="quarter" idx="10"/>
+          </p:nvPr>
+        </p:nvSpPr>
+        <p:spPr/>
+        <p:txBody>
+          <a:bodyPr/>
+          <a:lstStyle/>
+          <a:p>
+            <a:fld id="{7869CEDA-A88F-405F-B085-0C49B47076E2}" type="slidenum">
+              <a:rPr lang="en-US" smtClean="0"/>
+              <a:t>29</a:t>
+            </a:fld>
+            <a:endParaRPr lang="en-US"/>
+          </a:p>
+        </p:txBody>
+      </p:sp>
+    </p:spTree>
+    <p:extLst>
+      <p:ext uri="{BB962C8B-B14F-4D97-AF65-F5344CB8AC3E}">
+        <p14:creationId xmlns:p14="http://schemas.microsoft.com/office/powerpoint/2010/main" val="2310528429"/>
       </p:ext>
     </p:extLst>
   </p:cSld>
@@ -1046,6 +1623,1170 @@
 </p:notes>
 </file>
 
+<file path=ppt/notesSlides/notesSlide20.xml><?xml version="1.0" encoding="utf-8"?>
+<p:notes xmlns:a="http://schemas.openxmlformats.org/drawingml/2006/main" xmlns:r="http://schemas.openxmlformats.org/officeDocument/2006/relationships" xmlns:p="http://schemas.openxmlformats.org/presentationml/2006/main">
+  <p:cSld>
+    <p:spTree>
+      <p:nvGrpSpPr>
+        <p:cNvPr id="1" name=""/>
+        <p:cNvGrpSpPr/>
+        <p:nvPr/>
+      </p:nvGrpSpPr>
+      <p:grpSpPr>
+        <a:xfrm>
+          <a:off x="0" y="0"/>
+          <a:ext cx="0" cy="0"/>
+          <a:chOff x="0" y="0"/>
+          <a:chExt cx="0" cy="0"/>
+        </a:xfrm>
+      </p:grpSpPr>
+      <p:sp>
+        <p:nvSpPr>
+          <p:cNvPr id="2" name="Slide Image Placeholder 1"/>
+          <p:cNvSpPr>
+            <a:spLocks noGrp="1" noRot="1" noChangeAspect="1"/>
+          </p:cNvSpPr>
+          <p:nvPr>
+            <p:ph type="sldImg"/>
+          </p:nvPr>
+        </p:nvSpPr>
+        <p:spPr/>
+      </p:sp>
+      <p:sp>
+        <p:nvSpPr>
+          <p:cNvPr id="3" name="Notes Placeholder 2"/>
+          <p:cNvSpPr>
+            <a:spLocks noGrp="1"/>
+          </p:cNvSpPr>
+          <p:nvPr>
+            <p:ph type="body" idx="1"/>
+          </p:nvPr>
+        </p:nvSpPr>
+        <p:spPr/>
+        <p:txBody>
+          <a:bodyPr/>
+          <a:lstStyle/>
+          <a:p>
+            <a:r>
+              <a:rPr lang="en-US" dirty="0"/>
+              <a:t>I want to move the arm</a:t>
+            </a:r>
+          </a:p>
+        </p:txBody>
+      </p:sp>
+      <p:sp>
+        <p:nvSpPr>
+          <p:cNvPr id="4" name="Slide Number Placeholder 3"/>
+          <p:cNvSpPr>
+            <a:spLocks noGrp="1"/>
+          </p:cNvSpPr>
+          <p:nvPr>
+            <p:ph type="sldNum" sz="quarter" idx="10"/>
+          </p:nvPr>
+        </p:nvSpPr>
+        <p:spPr/>
+        <p:txBody>
+          <a:bodyPr/>
+          <a:lstStyle/>
+          <a:p>
+            <a:fld id="{7869CEDA-A88F-405F-B085-0C49B47076E2}" type="slidenum">
+              <a:rPr lang="en-US" smtClean="0"/>
+              <a:t>30</a:t>
+            </a:fld>
+            <a:endParaRPr lang="en-US"/>
+          </a:p>
+        </p:txBody>
+      </p:sp>
+    </p:spTree>
+    <p:extLst>
+      <p:ext uri="{BB962C8B-B14F-4D97-AF65-F5344CB8AC3E}">
+        <p14:creationId xmlns:p14="http://schemas.microsoft.com/office/powerpoint/2010/main" val="3804447844"/>
+      </p:ext>
+    </p:extLst>
+  </p:cSld>
+  <p:clrMapOvr>
+    <a:masterClrMapping/>
+  </p:clrMapOvr>
+</p:notes>
+</file>
+
+<file path=ppt/notesSlides/notesSlide21.xml><?xml version="1.0" encoding="utf-8"?>
+<p:notes xmlns:a="http://schemas.openxmlformats.org/drawingml/2006/main" xmlns:r="http://schemas.openxmlformats.org/officeDocument/2006/relationships" xmlns:p="http://schemas.openxmlformats.org/presentationml/2006/main">
+  <p:cSld>
+    <p:spTree>
+      <p:nvGrpSpPr>
+        <p:cNvPr id="1" name=""/>
+        <p:cNvGrpSpPr/>
+        <p:nvPr/>
+      </p:nvGrpSpPr>
+      <p:grpSpPr>
+        <a:xfrm>
+          <a:off x="0" y="0"/>
+          <a:ext cx="0" cy="0"/>
+          <a:chOff x="0" y="0"/>
+          <a:chExt cx="0" cy="0"/>
+        </a:xfrm>
+      </p:grpSpPr>
+      <p:sp>
+        <p:nvSpPr>
+          <p:cNvPr id="2" name="Slide Image Placeholder 1"/>
+          <p:cNvSpPr>
+            <a:spLocks noGrp="1" noRot="1" noChangeAspect="1"/>
+          </p:cNvSpPr>
+          <p:nvPr>
+            <p:ph type="sldImg"/>
+          </p:nvPr>
+        </p:nvSpPr>
+        <p:spPr/>
+      </p:sp>
+      <p:sp>
+        <p:nvSpPr>
+          <p:cNvPr id="3" name="Notes Placeholder 2"/>
+          <p:cNvSpPr>
+            <a:spLocks noGrp="1"/>
+          </p:cNvSpPr>
+          <p:nvPr>
+            <p:ph type="body" idx="1"/>
+          </p:nvPr>
+        </p:nvSpPr>
+        <p:spPr/>
+        <p:txBody>
+          <a:bodyPr/>
+          <a:lstStyle/>
+          <a:p>
+            <a:r>
+              <a:rPr lang="en-US" dirty="0"/>
+              <a:t>So, I tell Teleop to move the arm</a:t>
+            </a:r>
+          </a:p>
+        </p:txBody>
+      </p:sp>
+      <p:sp>
+        <p:nvSpPr>
+          <p:cNvPr id="4" name="Slide Number Placeholder 3"/>
+          <p:cNvSpPr>
+            <a:spLocks noGrp="1"/>
+          </p:cNvSpPr>
+          <p:nvPr>
+            <p:ph type="sldNum" sz="quarter" idx="10"/>
+          </p:nvPr>
+        </p:nvSpPr>
+        <p:spPr/>
+        <p:txBody>
+          <a:bodyPr/>
+          <a:lstStyle/>
+          <a:p>
+            <a:fld id="{7869CEDA-A88F-405F-B085-0C49B47076E2}" type="slidenum">
+              <a:rPr lang="en-US" smtClean="0"/>
+              <a:t>31</a:t>
+            </a:fld>
+            <a:endParaRPr lang="en-US"/>
+          </a:p>
+        </p:txBody>
+      </p:sp>
+    </p:spTree>
+    <p:extLst>
+      <p:ext uri="{BB962C8B-B14F-4D97-AF65-F5344CB8AC3E}">
+        <p14:creationId xmlns:p14="http://schemas.microsoft.com/office/powerpoint/2010/main" val="3549663270"/>
+      </p:ext>
+    </p:extLst>
+  </p:cSld>
+  <p:clrMapOvr>
+    <a:masterClrMapping/>
+  </p:clrMapOvr>
+</p:notes>
+</file>
+
+<file path=ppt/notesSlides/notesSlide22.xml><?xml version="1.0" encoding="utf-8"?>
+<p:notes xmlns:a="http://schemas.openxmlformats.org/drawingml/2006/main" xmlns:r="http://schemas.openxmlformats.org/officeDocument/2006/relationships" xmlns:p="http://schemas.openxmlformats.org/presentationml/2006/main">
+  <p:cSld>
+    <p:spTree>
+      <p:nvGrpSpPr>
+        <p:cNvPr id="1" name=""/>
+        <p:cNvGrpSpPr/>
+        <p:nvPr/>
+      </p:nvGrpSpPr>
+      <p:grpSpPr>
+        <a:xfrm>
+          <a:off x="0" y="0"/>
+          <a:ext cx="0" cy="0"/>
+          <a:chOff x="0" y="0"/>
+          <a:chExt cx="0" cy="0"/>
+        </a:xfrm>
+      </p:grpSpPr>
+      <p:sp>
+        <p:nvSpPr>
+          <p:cNvPr id="2" name="Slide Image Placeholder 1"/>
+          <p:cNvSpPr>
+            <a:spLocks noGrp="1" noRot="1" noChangeAspect="1"/>
+          </p:cNvSpPr>
+          <p:nvPr>
+            <p:ph type="sldImg"/>
+          </p:nvPr>
+        </p:nvSpPr>
+        <p:spPr/>
+      </p:sp>
+      <p:sp>
+        <p:nvSpPr>
+          <p:cNvPr id="3" name="Notes Placeholder 2"/>
+          <p:cNvSpPr>
+            <a:spLocks noGrp="1"/>
+          </p:cNvSpPr>
+          <p:nvPr>
+            <p:ph type="body" idx="1"/>
+          </p:nvPr>
+        </p:nvSpPr>
+        <p:spPr/>
+        <p:txBody>
+          <a:bodyPr/>
+          <a:lstStyle/>
+          <a:p>
+            <a:r>
+              <a:rPr lang="en-US" dirty="0"/>
+              <a:t>It tells the motor (motor X) to set to 25%</a:t>
+            </a:r>
+          </a:p>
+          <a:p>
+            <a:endParaRPr lang="en-US" dirty="0"/>
+          </a:p>
+          <a:p>
+            <a:r>
+              <a:rPr lang="en-US" dirty="0"/>
+              <a:t>Did that move the arm at all? Did it move to the position I wanted ??</a:t>
+            </a:r>
+          </a:p>
+          <a:p>
+            <a:endParaRPr lang="en-US" dirty="0"/>
+          </a:p>
+          <a:p>
+            <a:r>
+              <a:rPr lang="en-US" b="1" i="0" dirty="0"/>
+              <a:t>I don’t know at this point</a:t>
+            </a:r>
+          </a:p>
+        </p:txBody>
+      </p:sp>
+      <p:sp>
+        <p:nvSpPr>
+          <p:cNvPr id="4" name="Slide Number Placeholder 3"/>
+          <p:cNvSpPr>
+            <a:spLocks noGrp="1"/>
+          </p:cNvSpPr>
+          <p:nvPr>
+            <p:ph type="sldNum" sz="quarter" idx="10"/>
+          </p:nvPr>
+        </p:nvSpPr>
+        <p:spPr/>
+        <p:txBody>
+          <a:bodyPr/>
+          <a:lstStyle/>
+          <a:p>
+            <a:fld id="{7869CEDA-A88F-405F-B085-0C49B47076E2}" type="slidenum">
+              <a:rPr lang="en-US" smtClean="0"/>
+              <a:t>32</a:t>
+            </a:fld>
+            <a:endParaRPr lang="en-US"/>
+          </a:p>
+        </p:txBody>
+      </p:sp>
+    </p:spTree>
+    <p:extLst>
+      <p:ext uri="{BB962C8B-B14F-4D97-AF65-F5344CB8AC3E}">
+        <p14:creationId xmlns:p14="http://schemas.microsoft.com/office/powerpoint/2010/main" val="1594508171"/>
+      </p:ext>
+    </p:extLst>
+  </p:cSld>
+  <p:clrMapOvr>
+    <a:masterClrMapping/>
+  </p:clrMapOvr>
+</p:notes>
+</file>
+
+<file path=ppt/notesSlides/notesSlide23.xml><?xml version="1.0" encoding="utf-8"?>
+<p:notes xmlns:a="http://schemas.openxmlformats.org/drawingml/2006/main" xmlns:r="http://schemas.openxmlformats.org/officeDocument/2006/relationships" xmlns:p="http://schemas.openxmlformats.org/presentationml/2006/main">
+  <p:cSld>
+    <p:spTree>
+      <p:nvGrpSpPr>
+        <p:cNvPr id="1" name=""/>
+        <p:cNvGrpSpPr/>
+        <p:nvPr/>
+      </p:nvGrpSpPr>
+      <p:grpSpPr>
+        <a:xfrm>
+          <a:off x="0" y="0"/>
+          <a:ext cx="0" cy="0"/>
+          <a:chOff x="0" y="0"/>
+          <a:chExt cx="0" cy="0"/>
+        </a:xfrm>
+      </p:grpSpPr>
+      <p:sp>
+        <p:nvSpPr>
+          <p:cNvPr id="2" name="Slide Image Placeholder 1"/>
+          <p:cNvSpPr>
+            <a:spLocks noGrp="1" noRot="1" noChangeAspect="1"/>
+          </p:cNvSpPr>
+          <p:nvPr>
+            <p:ph type="sldImg"/>
+          </p:nvPr>
+        </p:nvSpPr>
+        <p:spPr/>
+      </p:sp>
+      <p:sp>
+        <p:nvSpPr>
+          <p:cNvPr id="3" name="Notes Placeholder 2"/>
+          <p:cNvSpPr>
+            <a:spLocks noGrp="1"/>
+          </p:cNvSpPr>
+          <p:nvPr>
+            <p:ph type="body" idx="1"/>
+          </p:nvPr>
+        </p:nvSpPr>
+        <p:spPr/>
+        <p:txBody>
+          <a:bodyPr/>
+          <a:lstStyle/>
+          <a:p>
+            <a:r>
+              <a:rPr lang="en-US" dirty="0"/>
+              <a:t>So, let’s put a potentiometer on the arm and change our command to move it to 90 °</a:t>
+            </a:r>
+          </a:p>
+          <a:p>
+            <a:endParaRPr lang="en-US" b="1" i="0" dirty="0"/>
+          </a:p>
+          <a:p>
+            <a:r>
+              <a:rPr lang="en-US" b="0" i="0" dirty="0"/>
+              <a:t>Now, Teleop still says to set the motor power to 25%, but the motor will affect the potentiometer. We can then read that potentiometer in Tele-op to know what the arm did.</a:t>
+            </a:r>
+          </a:p>
+        </p:txBody>
+      </p:sp>
+      <p:sp>
+        <p:nvSpPr>
+          <p:cNvPr id="4" name="Slide Number Placeholder 3"/>
+          <p:cNvSpPr>
+            <a:spLocks noGrp="1"/>
+          </p:cNvSpPr>
+          <p:nvPr>
+            <p:ph type="sldNum" sz="quarter" idx="10"/>
+          </p:nvPr>
+        </p:nvSpPr>
+        <p:spPr/>
+        <p:txBody>
+          <a:bodyPr/>
+          <a:lstStyle/>
+          <a:p>
+            <a:fld id="{7869CEDA-A88F-405F-B085-0C49B47076E2}" type="slidenum">
+              <a:rPr lang="en-US" smtClean="0"/>
+              <a:t>33</a:t>
+            </a:fld>
+            <a:endParaRPr lang="en-US"/>
+          </a:p>
+        </p:txBody>
+      </p:sp>
+    </p:spTree>
+    <p:extLst>
+      <p:ext uri="{BB962C8B-B14F-4D97-AF65-F5344CB8AC3E}">
+        <p14:creationId xmlns:p14="http://schemas.microsoft.com/office/powerpoint/2010/main" val="127221082"/>
+      </p:ext>
+    </p:extLst>
+  </p:cSld>
+  <p:clrMapOvr>
+    <a:masterClrMapping/>
+  </p:clrMapOvr>
+</p:notes>
+</file>
+
+<file path=ppt/notesSlides/notesSlide24.xml><?xml version="1.0" encoding="utf-8"?>
+<p:notes xmlns:a="http://schemas.openxmlformats.org/drawingml/2006/main" xmlns:r="http://schemas.openxmlformats.org/officeDocument/2006/relationships" xmlns:p="http://schemas.openxmlformats.org/presentationml/2006/main">
+  <p:cSld>
+    <p:spTree>
+      <p:nvGrpSpPr>
+        <p:cNvPr id="1" name=""/>
+        <p:cNvGrpSpPr/>
+        <p:nvPr/>
+      </p:nvGrpSpPr>
+      <p:grpSpPr>
+        <a:xfrm>
+          <a:off x="0" y="0"/>
+          <a:ext cx="0" cy="0"/>
+          <a:chOff x="0" y="0"/>
+          <a:chExt cx="0" cy="0"/>
+        </a:xfrm>
+      </p:grpSpPr>
+      <p:sp>
+        <p:nvSpPr>
+          <p:cNvPr id="2" name="Slide Image Placeholder 1"/>
+          <p:cNvSpPr>
+            <a:spLocks noGrp="1" noRot="1" noChangeAspect="1"/>
+          </p:cNvSpPr>
+          <p:nvPr>
+            <p:ph type="sldImg"/>
+          </p:nvPr>
+        </p:nvSpPr>
+        <p:spPr/>
+      </p:sp>
+      <p:sp>
+        <p:nvSpPr>
+          <p:cNvPr id="3" name="Notes Placeholder 2"/>
+          <p:cNvSpPr>
+            <a:spLocks noGrp="1"/>
+          </p:cNvSpPr>
+          <p:nvPr>
+            <p:ph type="body" idx="1"/>
+          </p:nvPr>
+        </p:nvSpPr>
+        <p:spPr/>
+        <p:txBody>
+          <a:bodyPr/>
+          <a:lstStyle/>
+          <a:p>
+            <a:r>
+              <a:rPr lang="en-US" dirty="0"/>
+              <a:t>Which we would diagram something like this (notice that I removed the value the motor is getting set to because this is now a continuous loop of feedback and the motor value may change over time).</a:t>
+            </a:r>
+            <a:endParaRPr lang="en-US" b="0" i="0" dirty="0"/>
+          </a:p>
+        </p:txBody>
+      </p:sp>
+      <p:sp>
+        <p:nvSpPr>
+          <p:cNvPr id="4" name="Slide Number Placeholder 3"/>
+          <p:cNvSpPr>
+            <a:spLocks noGrp="1"/>
+          </p:cNvSpPr>
+          <p:nvPr>
+            <p:ph type="sldNum" sz="quarter" idx="10"/>
+          </p:nvPr>
+        </p:nvSpPr>
+        <p:spPr/>
+        <p:txBody>
+          <a:bodyPr/>
+          <a:lstStyle/>
+          <a:p>
+            <a:fld id="{7869CEDA-A88F-405F-B085-0C49B47076E2}" type="slidenum">
+              <a:rPr lang="en-US" smtClean="0"/>
+              <a:t>34</a:t>
+            </a:fld>
+            <a:endParaRPr lang="en-US"/>
+          </a:p>
+        </p:txBody>
+      </p:sp>
+    </p:spTree>
+    <p:extLst>
+      <p:ext uri="{BB962C8B-B14F-4D97-AF65-F5344CB8AC3E}">
+        <p14:creationId xmlns:p14="http://schemas.microsoft.com/office/powerpoint/2010/main" val="1999280013"/>
+      </p:ext>
+    </p:extLst>
+  </p:cSld>
+  <p:clrMapOvr>
+    <a:masterClrMapping/>
+  </p:clrMapOvr>
+</p:notes>
+</file>
+
+<file path=ppt/notesSlides/notesSlide25.xml><?xml version="1.0" encoding="utf-8"?>
+<p:notes xmlns:a="http://schemas.openxmlformats.org/drawingml/2006/main" xmlns:r="http://schemas.openxmlformats.org/officeDocument/2006/relationships" xmlns:p="http://schemas.openxmlformats.org/presentationml/2006/main">
+  <p:cSld>
+    <p:spTree>
+      <p:nvGrpSpPr>
+        <p:cNvPr id="1" name=""/>
+        <p:cNvGrpSpPr/>
+        <p:nvPr/>
+      </p:nvGrpSpPr>
+      <p:grpSpPr>
+        <a:xfrm>
+          <a:off x="0" y="0"/>
+          <a:ext cx="0" cy="0"/>
+          <a:chOff x="0" y="0"/>
+          <a:chExt cx="0" cy="0"/>
+        </a:xfrm>
+      </p:grpSpPr>
+      <p:sp>
+        <p:nvSpPr>
+          <p:cNvPr id="2" name="Slide Image Placeholder 1"/>
+          <p:cNvSpPr>
+            <a:spLocks noGrp="1" noRot="1" noChangeAspect="1"/>
+          </p:cNvSpPr>
+          <p:nvPr>
+            <p:ph type="sldImg"/>
+          </p:nvPr>
+        </p:nvSpPr>
+        <p:spPr/>
+      </p:sp>
+      <p:sp>
+        <p:nvSpPr>
+          <p:cNvPr id="3" name="Notes Placeholder 2"/>
+          <p:cNvSpPr>
+            <a:spLocks noGrp="1"/>
+          </p:cNvSpPr>
+          <p:nvPr>
+            <p:ph type="body" idx="1"/>
+          </p:nvPr>
+        </p:nvSpPr>
+        <p:spPr/>
+        <p:txBody>
+          <a:bodyPr/>
+          <a:lstStyle/>
+          <a:p>
+            <a:r>
+              <a:rPr lang="en-US" dirty="0"/>
+              <a:t>PID is a methodology of closed loop feedback/control that allows for fast response times.</a:t>
+            </a:r>
+          </a:p>
+        </p:txBody>
+      </p:sp>
+      <p:sp>
+        <p:nvSpPr>
+          <p:cNvPr id="4" name="Slide Number Placeholder 3"/>
+          <p:cNvSpPr>
+            <a:spLocks noGrp="1"/>
+          </p:cNvSpPr>
+          <p:nvPr>
+            <p:ph type="sldNum" sz="quarter" idx="10"/>
+          </p:nvPr>
+        </p:nvSpPr>
+        <p:spPr/>
+        <p:txBody>
+          <a:bodyPr/>
+          <a:lstStyle/>
+          <a:p>
+            <a:fld id="{7869CEDA-A88F-405F-B085-0C49B47076E2}" type="slidenum">
+              <a:rPr lang="en-US" smtClean="0"/>
+              <a:t>35</a:t>
+            </a:fld>
+            <a:endParaRPr lang="en-US"/>
+          </a:p>
+        </p:txBody>
+      </p:sp>
+    </p:spTree>
+    <p:extLst>
+      <p:ext uri="{BB962C8B-B14F-4D97-AF65-F5344CB8AC3E}">
+        <p14:creationId xmlns:p14="http://schemas.microsoft.com/office/powerpoint/2010/main" val="880147626"/>
+      </p:ext>
+    </p:extLst>
+  </p:cSld>
+  <p:clrMapOvr>
+    <a:masterClrMapping/>
+  </p:clrMapOvr>
+</p:notes>
+</file>
+
+<file path=ppt/notesSlides/notesSlide26.xml><?xml version="1.0" encoding="utf-8"?>
+<p:notes xmlns:a="http://schemas.openxmlformats.org/drawingml/2006/main" xmlns:r="http://schemas.openxmlformats.org/officeDocument/2006/relationships" xmlns:p="http://schemas.openxmlformats.org/presentationml/2006/main">
+  <p:cSld>
+    <p:spTree>
+      <p:nvGrpSpPr>
+        <p:cNvPr id="1" name=""/>
+        <p:cNvGrpSpPr/>
+        <p:nvPr/>
+      </p:nvGrpSpPr>
+      <p:grpSpPr>
+        <a:xfrm>
+          <a:off x="0" y="0"/>
+          <a:ext cx="0" cy="0"/>
+          <a:chOff x="0" y="0"/>
+          <a:chExt cx="0" cy="0"/>
+        </a:xfrm>
+      </p:grpSpPr>
+      <p:sp>
+        <p:nvSpPr>
+          <p:cNvPr id="2" name="Slide Image Placeholder 1"/>
+          <p:cNvSpPr>
+            <a:spLocks noGrp="1" noRot="1" noChangeAspect="1"/>
+          </p:cNvSpPr>
+          <p:nvPr>
+            <p:ph type="sldImg"/>
+          </p:nvPr>
+        </p:nvSpPr>
+        <p:spPr/>
+      </p:sp>
+      <p:sp>
+        <p:nvSpPr>
+          <p:cNvPr id="3" name="Notes Placeholder 2"/>
+          <p:cNvSpPr>
+            <a:spLocks noGrp="1"/>
+          </p:cNvSpPr>
+          <p:nvPr>
+            <p:ph type="body" idx="1"/>
+          </p:nvPr>
+        </p:nvSpPr>
+        <p:spPr/>
+        <p:txBody>
+          <a:bodyPr/>
+          <a:lstStyle/>
+          <a:p>
+            <a:r>
+              <a:rPr lang="en-US" dirty="0"/>
+              <a:t>From Wikipedia: </a:t>
+            </a:r>
+            <a:r>
+              <a:rPr lang="en-US" sz="1200" b="0" i="0" kern="1200" dirty="0">
+                <a:solidFill>
+                  <a:schemeClr val="tx1"/>
+                </a:solidFill>
+                <a:effectLst/>
+                <a:latin typeface="+mn-lt"/>
+                <a:ea typeface="+mn-ea"/>
+                <a:cs typeface="+mn-cs"/>
+              </a:rPr>
+              <a:t>A PID controller continuously calculates an </a:t>
+            </a:r>
+            <a:r>
+              <a:rPr lang="en-US" sz="1200" b="0" i="1" kern="1200" dirty="0">
+                <a:solidFill>
+                  <a:schemeClr val="tx1"/>
+                </a:solidFill>
+                <a:effectLst/>
+                <a:latin typeface="+mn-lt"/>
+                <a:ea typeface="+mn-ea"/>
+                <a:cs typeface="+mn-cs"/>
+              </a:rPr>
+              <a:t>error value</a:t>
+            </a:r>
+            <a:r>
+              <a:rPr lang="en-US" sz="1200" b="0" i="0" kern="1200" dirty="0">
+                <a:solidFill>
+                  <a:schemeClr val="tx1"/>
+                </a:solidFill>
+                <a:effectLst/>
+                <a:latin typeface="+mn-lt"/>
+                <a:ea typeface="+mn-ea"/>
+                <a:cs typeface="+mn-cs"/>
+              </a:rPr>
+              <a:t> e(t) as the difference between a desired </a:t>
+            </a:r>
+            <a:r>
+              <a:rPr lang="en-US" sz="1200" b="0" i="0" u="none" strike="noStrike" kern="1200" dirty="0">
+                <a:solidFill>
+                  <a:schemeClr val="tx1"/>
+                </a:solidFill>
+                <a:effectLst/>
+                <a:latin typeface="+mn-lt"/>
+                <a:ea typeface="+mn-ea"/>
+                <a:cs typeface="+mn-cs"/>
+                <a:hlinkClick r:id="rId3" tooltip="Setpoint (control system)"/>
+              </a:rPr>
+              <a:t>setpoint</a:t>
+            </a:r>
+            <a:r>
+              <a:rPr lang="en-US" sz="1200" b="0" i="0" kern="1200" dirty="0">
+                <a:solidFill>
+                  <a:schemeClr val="tx1"/>
+                </a:solidFill>
+                <a:effectLst/>
+                <a:latin typeface="+mn-lt"/>
+                <a:ea typeface="+mn-ea"/>
+                <a:cs typeface="+mn-cs"/>
+              </a:rPr>
+              <a:t> (SP) and a measured </a:t>
+            </a:r>
+            <a:r>
+              <a:rPr lang="en-US" sz="1200" b="0" i="0" u="none" strike="noStrike" kern="1200" dirty="0">
+                <a:solidFill>
+                  <a:schemeClr val="tx1"/>
+                </a:solidFill>
+                <a:effectLst/>
+                <a:latin typeface="+mn-lt"/>
+                <a:ea typeface="+mn-ea"/>
+                <a:cs typeface="+mn-cs"/>
+                <a:hlinkClick r:id="rId4" tooltip="Process variable"/>
+              </a:rPr>
+              <a:t>process variable</a:t>
+            </a:r>
+            <a:r>
+              <a:rPr lang="en-US" sz="1200" b="0" i="0" kern="1200" dirty="0">
+                <a:solidFill>
+                  <a:schemeClr val="tx1"/>
+                </a:solidFill>
+                <a:effectLst/>
+                <a:latin typeface="+mn-lt"/>
+                <a:ea typeface="+mn-ea"/>
+                <a:cs typeface="+mn-cs"/>
+              </a:rPr>
+              <a:t> (PV) and applies a correction based on </a:t>
+            </a:r>
+            <a:r>
+              <a:rPr lang="en-US" sz="1200" b="0" i="0" u="none" strike="noStrike" kern="1200" dirty="0">
+                <a:solidFill>
+                  <a:schemeClr val="tx1"/>
+                </a:solidFill>
+                <a:effectLst/>
+                <a:latin typeface="+mn-lt"/>
+                <a:ea typeface="+mn-ea"/>
+                <a:cs typeface="+mn-cs"/>
+                <a:hlinkClick r:id="rId5" tooltip="Proportional control"/>
+              </a:rPr>
+              <a:t>proportional</a:t>
+            </a:r>
+            <a:r>
+              <a:rPr lang="en-US" sz="1200" b="0" i="0" kern="1200" dirty="0">
+                <a:solidFill>
+                  <a:schemeClr val="tx1"/>
+                </a:solidFill>
+                <a:effectLst/>
+                <a:latin typeface="+mn-lt"/>
+                <a:ea typeface="+mn-ea"/>
+                <a:cs typeface="+mn-cs"/>
+              </a:rPr>
+              <a:t>, </a:t>
+            </a:r>
+            <a:r>
+              <a:rPr lang="en-US" sz="1200" b="0" i="0" u="none" strike="noStrike" kern="1200" dirty="0">
+                <a:solidFill>
+                  <a:schemeClr val="tx1"/>
+                </a:solidFill>
+                <a:effectLst/>
+                <a:latin typeface="+mn-lt"/>
+                <a:ea typeface="+mn-ea"/>
+                <a:cs typeface="+mn-cs"/>
+                <a:hlinkClick r:id="rId6" tooltip="Integral"/>
+              </a:rPr>
+              <a:t>integral</a:t>
+            </a:r>
+            <a:r>
+              <a:rPr lang="en-US" sz="1200" b="0" i="0" kern="1200" dirty="0">
+                <a:solidFill>
+                  <a:schemeClr val="tx1"/>
+                </a:solidFill>
+                <a:effectLst/>
+                <a:latin typeface="+mn-lt"/>
+                <a:ea typeface="+mn-ea"/>
+                <a:cs typeface="+mn-cs"/>
+              </a:rPr>
+              <a:t>, and </a:t>
+            </a:r>
+            <a:r>
+              <a:rPr lang="en-US" sz="1200" b="0" i="0" u="none" strike="noStrike" kern="1200" dirty="0">
+                <a:solidFill>
+                  <a:schemeClr val="tx1"/>
+                </a:solidFill>
+                <a:effectLst/>
+                <a:latin typeface="+mn-lt"/>
+                <a:ea typeface="+mn-ea"/>
+                <a:cs typeface="+mn-cs"/>
+                <a:hlinkClick r:id="rId7" tooltip="Derivative"/>
+              </a:rPr>
+              <a:t>derivative</a:t>
+            </a:r>
+            <a:r>
+              <a:rPr lang="en-US" sz="1200" b="0" i="0" kern="1200" dirty="0">
+                <a:solidFill>
+                  <a:schemeClr val="tx1"/>
+                </a:solidFill>
+                <a:effectLst/>
+                <a:latin typeface="+mn-lt"/>
+                <a:ea typeface="+mn-ea"/>
+                <a:cs typeface="+mn-cs"/>
+              </a:rPr>
+              <a:t> terms (denoted </a:t>
+            </a:r>
+            <a:r>
+              <a:rPr lang="en-US" sz="1200" b="0" i="1" kern="1200" dirty="0">
+                <a:solidFill>
+                  <a:schemeClr val="tx1"/>
+                </a:solidFill>
+                <a:effectLst/>
+                <a:latin typeface="+mn-lt"/>
+                <a:ea typeface="+mn-ea"/>
+                <a:cs typeface="+mn-cs"/>
+              </a:rPr>
+              <a:t>P</a:t>
+            </a:r>
+            <a:r>
+              <a:rPr lang="en-US" sz="1200" b="0" i="0" kern="1200" dirty="0">
+                <a:solidFill>
+                  <a:schemeClr val="tx1"/>
+                </a:solidFill>
+                <a:effectLst/>
+                <a:latin typeface="+mn-lt"/>
+                <a:ea typeface="+mn-ea"/>
+                <a:cs typeface="+mn-cs"/>
+              </a:rPr>
+              <a:t>, </a:t>
+            </a:r>
+            <a:r>
+              <a:rPr lang="en-US" sz="1200" b="0" i="1" kern="1200" dirty="0">
+                <a:solidFill>
+                  <a:schemeClr val="tx1"/>
+                </a:solidFill>
+                <a:effectLst/>
+                <a:latin typeface="+mn-lt"/>
+                <a:ea typeface="+mn-ea"/>
+                <a:cs typeface="+mn-cs"/>
+              </a:rPr>
+              <a:t>I</a:t>
+            </a:r>
+            <a:r>
+              <a:rPr lang="en-US" sz="1200" b="0" i="0" kern="1200" dirty="0">
+                <a:solidFill>
+                  <a:schemeClr val="tx1"/>
+                </a:solidFill>
+                <a:effectLst/>
+                <a:latin typeface="+mn-lt"/>
+                <a:ea typeface="+mn-ea"/>
+                <a:cs typeface="+mn-cs"/>
+              </a:rPr>
+              <a:t>, and </a:t>
+            </a:r>
+            <a:r>
+              <a:rPr lang="en-US" sz="1200" b="0" i="1" kern="1200" dirty="0">
+                <a:solidFill>
+                  <a:schemeClr val="tx1"/>
+                </a:solidFill>
+                <a:effectLst/>
+                <a:latin typeface="+mn-lt"/>
+                <a:ea typeface="+mn-ea"/>
+                <a:cs typeface="+mn-cs"/>
+              </a:rPr>
+              <a:t>D</a:t>
+            </a:r>
+            <a:r>
+              <a:rPr lang="en-US" sz="1200" b="0" i="0" kern="1200" dirty="0">
+                <a:solidFill>
+                  <a:schemeClr val="tx1"/>
+                </a:solidFill>
+                <a:effectLst/>
+                <a:latin typeface="+mn-lt"/>
+                <a:ea typeface="+mn-ea"/>
+                <a:cs typeface="+mn-cs"/>
+              </a:rPr>
+              <a:t> respectively), hence the name.</a:t>
+            </a:r>
+          </a:p>
+          <a:p>
+            <a:endParaRPr lang="en-US" dirty="0"/>
+          </a:p>
+          <a:p>
+            <a:endParaRPr lang="en-US" dirty="0"/>
+          </a:p>
+        </p:txBody>
+      </p:sp>
+      <p:sp>
+        <p:nvSpPr>
+          <p:cNvPr id="4" name="Slide Number Placeholder 3"/>
+          <p:cNvSpPr>
+            <a:spLocks noGrp="1"/>
+          </p:cNvSpPr>
+          <p:nvPr>
+            <p:ph type="sldNum" sz="quarter" idx="10"/>
+          </p:nvPr>
+        </p:nvSpPr>
+        <p:spPr/>
+        <p:txBody>
+          <a:bodyPr/>
+          <a:lstStyle/>
+          <a:p>
+            <a:fld id="{7869CEDA-A88F-405F-B085-0C49B47076E2}" type="slidenum">
+              <a:rPr lang="en-US" smtClean="0"/>
+              <a:t>36</a:t>
+            </a:fld>
+            <a:endParaRPr lang="en-US"/>
+          </a:p>
+        </p:txBody>
+      </p:sp>
+    </p:spTree>
+    <p:extLst>
+      <p:ext uri="{BB962C8B-B14F-4D97-AF65-F5344CB8AC3E}">
+        <p14:creationId xmlns:p14="http://schemas.microsoft.com/office/powerpoint/2010/main" val="3378582256"/>
+      </p:ext>
+    </p:extLst>
+  </p:cSld>
+  <p:clrMapOvr>
+    <a:masterClrMapping/>
+  </p:clrMapOvr>
+</p:notes>
+</file>
+
+<file path=ppt/notesSlides/notesSlide27.xml><?xml version="1.0" encoding="utf-8"?>
+<p:notes xmlns:a="http://schemas.openxmlformats.org/drawingml/2006/main" xmlns:r="http://schemas.openxmlformats.org/officeDocument/2006/relationships" xmlns:p="http://schemas.openxmlformats.org/presentationml/2006/main">
+  <p:cSld>
+    <p:spTree>
+      <p:nvGrpSpPr>
+        <p:cNvPr id="1" name=""/>
+        <p:cNvGrpSpPr/>
+        <p:nvPr/>
+      </p:nvGrpSpPr>
+      <p:grpSpPr>
+        <a:xfrm>
+          <a:off x="0" y="0"/>
+          <a:ext cx="0" cy="0"/>
+          <a:chOff x="0" y="0"/>
+          <a:chExt cx="0" cy="0"/>
+        </a:xfrm>
+      </p:grpSpPr>
+      <p:sp>
+        <p:nvSpPr>
+          <p:cNvPr id="2" name="Slide Image Placeholder 1"/>
+          <p:cNvSpPr>
+            <a:spLocks noGrp="1" noRot="1" noChangeAspect="1"/>
+          </p:cNvSpPr>
+          <p:nvPr>
+            <p:ph type="sldImg"/>
+          </p:nvPr>
+        </p:nvSpPr>
+        <p:spPr/>
+      </p:sp>
+      <p:sp>
+        <p:nvSpPr>
+          <p:cNvPr id="3" name="Notes Placeholder 2"/>
+          <p:cNvSpPr>
+            <a:spLocks noGrp="1"/>
+          </p:cNvSpPr>
+          <p:nvPr>
+            <p:ph type="body" idx="1"/>
+          </p:nvPr>
+        </p:nvSpPr>
+        <p:spPr/>
+        <p:txBody>
+          <a:bodyPr/>
+          <a:lstStyle/>
+          <a:p>
+            <a:r>
+              <a:rPr lang="en-US" dirty="0"/>
+              <a:t>https://en.wikipedia.org/wiki/PID_controller</a:t>
+            </a:r>
+          </a:p>
+          <a:p>
+            <a:r>
+              <a:rPr lang="en-US" dirty="0"/>
+              <a:t>https://www.youtube.com/watch?v=JEpWlTl95Tw</a:t>
+            </a:r>
+          </a:p>
+          <a:p>
+            <a:r>
+              <a:rPr lang="en-US" dirty="0"/>
+              <a:t>https://www.youtube.com/watch?v=UR0hOmjaHp0</a:t>
+            </a:r>
+          </a:p>
+          <a:p>
+            <a:r>
+              <a:rPr lang="en-US" dirty="0"/>
+              <a:t>http://robotics.stackexchange.com/questions/167/what-are-good-strategies-for-tuning-pid-loops</a:t>
+            </a:r>
+          </a:p>
+          <a:p>
+            <a:endParaRPr lang="en-US" dirty="0"/>
+          </a:p>
+        </p:txBody>
+      </p:sp>
+      <p:sp>
+        <p:nvSpPr>
+          <p:cNvPr id="4" name="Slide Number Placeholder 3"/>
+          <p:cNvSpPr>
+            <a:spLocks noGrp="1"/>
+          </p:cNvSpPr>
+          <p:nvPr>
+            <p:ph type="sldNum" sz="quarter" idx="10"/>
+          </p:nvPr>
+        </p:nvSpPr>
+        <p:spPr/>
+        <p:txBody>
+          <a:bodyPr/>
+          <a:lstStyle/>
+          <a:p>
+            <a:fld id="{7869CEDA-A88F-405F-B085-0C49B47076E2}" type="slidenum">
+              <a:rPr lang="en-US" smtClean="0"/>
+              <a:t>37</a:t>
+            </a:fld>
+            <a:endParaRPr lang="en-US"/>
+          </a:p>
+        </p:txBody>
+      </p:sp>
+    </p:spTree>
+    <p:extLst>
+      <p:ext uri="{BB962C8B-B14F-4D97-AF65-F5344CB8AC3E}">
+        <p14:creationId xmlns:p14="http://schemas.microsoft.com/office/powerpoint/2010/main" val="2914033068"/>
+      </p:ext>
+    </p:extLst>
+  </p:cSld>
+  <p:clrMapOvr>
+    <a:masterClrMapping/>
+  </p:clrMapOvr>
+</p:notes>
+</file>
+
+<file path=ppt/notesSlides/notesSlide28.xml><?xml version="1.0" encoding="utf-8"?>
+<p:notes xmlns:a="http://schemas.openxmlformats.org/drawingml/2006/main" xmlns:r="http://schemas.openxmlformats.org/officeDocument/2006/relationships" xmlns:p="http://schemas.openxmlformats.org/presentationml/2006/main">
+  <p:cSld>
+    <p:spTree>
+      <p:nvGrpSpPr>
+        <p:cNvPr id="1" name=""/>
+        <p:cNvGrpSpPr/>
+        <p:nvPr/>
+      </p:nvGrpSpPr>
+      <p:grpSpPr>
+        <a:xfrm>
+          <a:off x="0" y="0"/>
+          <a:ext cx="0" cy="0"/>
+          <a:chOff x="0" y="0"/>
+          <a:chExt cx="0" cy="0"/>
+        </a:xfrm>
+      </p:grpSpPr>
+      <p:sp>
+        <p:nvSpPr>
+          <p:cNvPr id="2" name="Slide Image Placeholder 1"/>
+          <p:cNvSpPr>
+            <a:spLocks noGrp="1" noRot="1" noChangeAspect="1"/>
+          </p:cNvSpPr>
+          <p:nvPr>
+            <p:ph type="sldImg"/>
+          </p:nvPr>
+        </p:nvSpPr>
+        <p:spPr/>
+      </p:sp>
+      <p:sp>
+        <p:nvSpPr>
+          <p:cNvPr id="3" name="Notes Placeholder 2"/>
+          <p:cNvSpPr>
+            <a:spLocks noGrp="1"/>
+          </p:cNvSpPr>
+          <p:nvPr>
+            <p:ph type="body" idx="1"/>
+          </p:nvPr>
+        </p:nvSpPr>
+        <p:spPr/>
+        <p:txBody>
+          <a:bodyPr/>
+          <a:lstStyle/>
+          <a:p>
+            <a:r>
+              <a:rPr lang="en-US" dirty="0"/>
+              <a:t>The proportional </a:t>
+            </a:r>
+          </a:p>
+        </p:txBody>
+      </p:sp>
+      <p:sp>
+        <p:nvSpPr>
+          <p:cNvPr id="4" name="Slide Number Placeholder 3"/>
+          <p:cNvSpPr>
+            <a:spLocks noGrp="1"/>
+          </p:cNvSpPr>
+          <p:nvPr>
+            <p:ph type="sldNum" sz="quarter" idx="10"/>
+          </p:nvPr>
+        </p:nvSpPr>
+        <p:spPr/>
+        <p:txBody>
+          <a:bodyPr/>
+          <a:lstStyle/>
+          <a:p>
+            <a:fld id="{7869CEDA-A88F-405F-B085-0C49B47076E2}" type="slidenum">
+              <a:rPr lang="en-US" smtClean="0"/>
+              <a:t>38</a:t>
+            </a:fld>
+            <a:endParaRPr lang="en-US"/>
+          </a:p>
+        </p:txBody>
+      </p:sp>
+    </p:spTree>
+    <p:extLst>
+      <p:ext uri="{BB962C8B-B14F-4D97-AF65-F5344CB8AC3E}">
+        <p14:creationId xmlns:p14="http://schemas.microsoft.com/office/powerpoint/2010/main" val="443025865"/>
+      </p:ext>
+    </p:extLst>
+  </p:cSld>
+  <p:clrMapOvr>
+    <a:masterClrMapping/>
+  </p:clrMapOvr>
+</p:notes>
+</file>
+
+<file path=ppt/notesSlides/notesSlide29.xml><?xml version="1.0" encoding="utf-8"?>
+<p:notes xmlns:a="http://schemas.openxmlformats.org/drawingml/2006/main" xmlns:r="http://schemas.openxmlformats.org/officeDocument/2006/relationships" xmlns:p="http://schemas.openxmlformats.org/presentationml/2006/main">
+  <p:cSld>
+    <p:spTree>
+      <p:nvGrpSpPr>
+        <p:cNvPr id="1" name=""/>
+        <p:cNvGrpSpPr/>
+        <p:nvPr/>
+      </p:nvGrpSpPr>
+      <p:grpSpPr>
+        <a:xfrm>
+          <a:off x="0" y="0"/>
+          <a:ext cx="0" cy="0"/>
+          <a:chOff x="0" y="0"/>
+          <a:chExt cx="0" cy="0"/>
+        </a:xfrm>
+      </p:grpSpPr>
+      <p:sp>
+        <p:nvSpPr>
+          <p:cNvPr id="2" name="Slide Image Placeholder 1"/>
+          <p:cNvSpPr>
+            <a:spLocks noGrp="1" noRot="1" noChangeAspect="1"/>
+          </p:cNvSpPr>
+          <p:nvPr>
+            <p:ph type="sldImg"/>
+          </p:nvPr>
+        </p:nvSpPr>
+        <p:spPr/>
+      </p:sp>
+      <p:sp>
+        <p:nvSpPr>
+          <p:cNvPr id="3" name="Notes Placeholder 2"/>
+          <p:cNvSpPr>
+            <a:spLocks noGrp="1"/>
+          </p:cNvSpPr>
+          <p:nvPr>
+            <p:ph type="body" idx="1"/>
+          </p:nvPr>
+        </p:nvSpPr>
+        <p:spPr/>
+        <p:txBody>
+          <a:bodyPr/>
+          <a:lstStyle/>
+          <a:p>
+            <a:endParaRPr lang="en-US" dirty="0"/>
+          </a:p>
+          <a:p>
+            <a:endParaRPr lang="en-US" dirty="0"/>
+          </a:p>
+          <a:p>
+            <a:r>
+              <a:rPr lang="en-US" dirty="0"/>
+              <a:t>Note: a small error long enough eventually produces and integral of significant value (exponentially approaching infinity), causing the robot to jump into action and overshoot.</a:t>
+            </a:r>
+          </a:p>
+        </p:txBody>
+      </p:sp>
+      <p:sp>
+        <p:nvSpPr>
+          <p:cNvPr id="4" name="Slide Number Placeholder 3"/>
+          <p:cNvSpPr>
+            <a:spLocks noGrp="1"/>
+          </p:cNvSpPr>
+          <p:nvPr>
+            <p:ph type="sldNum" sz="quarter" idx="10"/>
+          </p:nvPr>
+        </p:nvSpPr>
+        <p:spPr/>
+        <p:txBody>
+          <a:bodyPr/>
+          <a:lstStyle/>
+          <a:p>
+            <a:fld id="{7869CEDA-A88F-405F-B085-0C49B47076E2}" type="slidenum">
+              <a:rPr lang="en-US" smtClean="0"/>
+              <a:t>39</a:t>
+            </a:fld>
+            <a:endParaRPr lang="en-US"/>
+          </a:p>
+        </p:txBody>
+      </p:sp>
+    </p:spTree>
+    <p:extLst>
+      <p:ext uri="{BB962C8B-B14F-4D97-AF65-F5344CB8AC3E}">
+        <p14:creationId xmlns:p14="http://schemas.microsoft.com/office/powerpoint/2010/main" val="2816653046"/>
+      </p:ext>
+    </p:extLst>
+  </p:cSld>
+  <p:clrMapOvr>
+    <a:masterClrMapping/>
+  </p:clrMapOvr>
+</p:notes>
+</file>
+
 <file path=ppt/notesSlides/notesSlide3.xml><?xml version="1.0" encoding="utf-8"?>
 <p:notes xmlns:a="http://schemas.openxmlformats.org/drawingml/2006/main" xmlns:r="http://schemas.openxmlformats.org/officeDocument/2006/relationships" xmlns:p="http://schemas.openxmlformats.org/presentationml/2006/main">
   <p:cSld>
@@ -1121,6 +2862,656 @@
     <p:extLst>
       <p:ext uri="{BB962C8B-B14F-4D97-AF65-F5344CB8AC3E}">
         <p14:creationId xmlns:p14="http://schemas.microsoft.com/office/powerpoint/2010/main" val="2501339083"/>
+      </p:ext>
+    </p:extLst>
+  </p:cSld>
+  <p:clrMapOvr>
+    <a:masterClrMapping/>
+  </p:clrMapOvr>
+</p:notes>
+</file>
+
+<file path=ppt/notesSlides/notesSlide30.xml><?xml version="1.0" encoding="utf-8"?>
+<p:notes xmlns:a="http://schemas.openxmlformats.org/drawingml/2006/main" xmlns:r="http://schemas.openxmlformats.org/officeDocument/2006/relationships" xmlns:p="http://schemas.openxmlformats.org/presentationml/2006/main">
+  <p:cSld>
+    <p:spTree>
+      <p:nvGrpSpPr>
+        <p:cNvPr id="1" name=""/>
+        <p:cNvGrpSpPr/>
+        <p:nvPr/>
+      </p:nvGrpSpPr>
+      <p:grpSpPr>
+        <a:xfrm>
+          <a:off x="0" y="0"/>
+          <a:ext cx="0" cy="0"/>
+          <a:chOff x="0" y="0"/>
+          <a:chExt cx="0" cy="0"/>
+        </a:xfrm>
+      </p:grpSpPr>
+      <p:sp>
+        <p:nvSpPr>
+          <p:cNvPr id="2" name="Slide Image Placeholder 1"/>
+          <p:cNvSpPr>
+            <a:spLocks noGrp="1" noRot="1" noChangeAspect="1"/>
+          </p:cNvSpPr>
+          <p:nvPr>
+            <p:ph type="sldImg"/>
+          </p:nvPr>
+        </p:nvSpPr>
+        <p:spPr/>
+      </p:sp>
+      <p:sp>
+        <p:nvSpPr>
+          <p:cNvPr id="3" name="Notes Placeholder 2"/>
+          <p:cNvSpPr>
+            <a:spLocks noGrp="1"/>
+          </p:cNvSpPr>
+          <p:nvPr>
+            <p:ph type="body" idx="1"/>
+          </p:nvPr>
+        </p:nvSpPr>
+        <p:spPr/>
+        <p:txBody>
+          <a:bodyPr/>
+          <a:lstStyle/>
+          <a:p>
+            <a:r>
+              <a:rPr lang="en-US" dirty="0"/>
+              <a:t>Note: sometimes implemented as d(e)/dt or (in WPI) as e(t) – e(t-1)</a:t>
+            </a:r>
+          </a:p>
+        </p:txBody>
+      </p:sp>
+      <p:sp>
+        <p:nvSpPr>
+          <p:cNvPr id="4" name="Slide Number Placeholder 3"/>
+          <p:cNvSpPr>
+            <a:spLocks noGrp="1"/>
+          </p:cNvSpPr>
+          <p:nvPr>
+            <p:ph type="sldNum" sz="quarter" idx="10"/>
+          </p:nvPr>
+        </p:nvSpPr>
+        <p:spPr/>
+        <p:txBody>
+          <a:bodyPr/>
+          <a:lstStyle/>
+          <a:p>
+            <a:fld id="{7869CEDA-A88F-405F-B085-0C49B47076E2}" type="slidenum">
+              <a:rPr lang="en-US" smtClean="0"/>
+              <a:t>40</a:t>
+            </a:fld>
+            <a:endParaRPr lang="en-US"/>
+          </a:p>
+        </p:txBody>
+      </p:sp>
+    </p:spTree>
+    <p:extLst>
+      <p:ext uri="{BB962C8B-B14F-4D97-AF65-F5344CB8AC3E}">
+        <p14:creationId xmlns:p14="http://schemas.microsoft.com/office/powerpoint/2010/main" val="2131884106"/>
+      </p:ext>
+    </p:extLst>
+  </p:cSld>
+  <p:clrMapOvr>
+    <a:masterClrMapping/>
+  </p:clrMapOvr>
+</p:notes>
+</file>
+
+<file path=ppt/notesSlides/notesSlide31.xml><?xml version="1.0" encoding="utf-8"?>
+<p:notes xmlns:a="http://schemas.openxmlformats.org/drawingml/2006/main" xmlns:r="http://schemas.openxmlformats.org/officeDocument/2006/relationships" xmlns:p="http://schemas.openxmlformats.org/presentationml/2006/main">
+  <p:cSld>
+    <p:spTree>
+      <p:nvGrpSpPr>
+        <p:cNvPr id="1" name=""/>
+        <p:cNvGrpSpPr/>
+        <p:nvPr/>
+      </p:nvGrpSpPr>
+      <p:grpSpPr>
+        <a:xfrm>
+          <a:off x="0" y="0"/>
+          <a:ext cx="0" cy="0"/>
+          <a:chOff x="0" y="0"/>
+          <a:chExt cx="0" cy="0"/>
+        </a:xfrm>
+      </p:grpSpPr>
+      <p:sp>
+        <p:nvSpPr>
+          <p:cNvPr id="2" name="Slide Image Placeholder 1"/>
+          <p:cNvSpPr>
+            <a:spLocks noGrp="1" noRot="1" noChangeAspect="1"/>
+          </p:cNvSpPr>
+          <p:nvPr>
+            <p:ph type="sldImg"/>
+          </p:nvPr>
+        </p:nvSpPr>
+        <p:spPr/>
+      </p:sp>
+      <p:sp>
+        <p:nvSpPr>
+          <p:cNvPr id="3" name="Notes Placeholder 2"/>
+          <p:cNvSpPr>
+            <a:spLocks noGrp="1"/>
+          </p:cNvSpPr>
+          <p:nvPr>
+            <p:ph type="body" idx="1"/>
+          </p:nvPr>
+        </p:nvSpPr>
+        <p:spPr/>
+        <p:txBody>
+          <a:bodyPr/>
+          <a:lstStyle/>
+          <a:p>
+            <a:endParaRPr lang="en-US" dirty="0"/>
+          </a:p>
+        </p:txBody>
+      </p:sp>
+      <p:sp>
+        <p:nvSpPr>
+          <p:cNvPr id="4" name="Slide Number Placeholder 3"/>
+          <p:cNvSpPr>
+            <a:spLocks noGrp="1"/>
+          </p:cNvSpPr>
+          <p:nvPr>
+            <p:ph type="sldNum" sz="quarter" idx="10"/>
+          </p:nvPr>
+        </p:nvSpPr>
+        <p:spPr/>
+        <p:txBody>
+          <a:bodyPr/>
+          <a:lstStyle/>
+          <a:p>
+            <a:fld id="{7869CEDA-A88F-405F-B085-0C49B47076E2}" type="slidenum">
+              <a:rPr lang="en-US" smtClean="0"/>
+              <a:t>41</a:t>
+            </a:fld>
+            <a:endParaRPr lang="en-US"/>
+          </a:p>
+        </p:txBody>
+      </p:sp>
+    </p:spTree>
+    <p:extLst>
+      <p:ext uri="{BB962C8B-B14F-4D97-AF65-F5344CB8AC3E}">
+        <p14:creationId xmlns:p14="http://schemas.microsoft.com/office/powerpoint/2010/main" val="786754570"/>
+      </p:ext>
+    </p:extLst>
+  </p:cSld>
+  <p:clrMapOvr>
+    <a:masterClrMapping/>
+  </p:clrMapOvr>
+</p:notes>
+</file>
+
+<file path=ppt/notesSlides/notesSlide32.xml><?xml version="1.0" encoding="utf-8"?>
+<p:notes xmlns:a="http://schemas.openxmlformats.org/drawingml/2006/main" xmlns:r="http://schemas.openxmlformats.org/officeDocument/2006/relationships" xmlns:p="http://schemas.openxmlformats.org/presentationml/2006/main">
+  <p:cSld>
+    <p:spTree>
+      <p:nvGrpSpPr>
+        <p:cNvPr id="1" name=""/>
+        <p:cNvGrpSpPr/>
+        <p:nvPr/>
+      </p:nvGrpSpPr>
+      <p:grpSpPr>
+        <a:xfrm>
+          <a:off x="0" y="0"/>
+          <a:ext cx="0" cy="0"/>
+          <a:chOff x="0" y="0"/>
+          <a:chExt cx="0" cy="0"/>
+        </a:xfrm>
+      </p:grpSpPr>
+      <p:sp>
+        <p:nvSpPr>
+          <p:cNvPr id="2" name="Slide Image Placeholder 1"/>
+          <p:cNvSpPr>
+            <a:spLocks noGrp="1" noRot="1" noChangeAspect="1"/>
+          </p:cNvSpPr>
+          <p:nvPr>
+            <p:ph type="sldImg"/>
+          </p:nvPr>
+        </p:nvSpPr>
+        <p:spPr/>
+      </p:sp>
+      <p:sp>
+        <p:nvSpPr>
+          <p:cNvPr id="3" name="Notes Placeholder 2"/>
+          <p:cNvSpPr>
+            <a:spLocks noGrp="1"/>
+          </p:cNvSpPr>
+          <p:nvPr>
+            <p:ph type="body" idx="1"/>
+          </p:nvPr>
+        </p:nvSpPr>
+        <p:spPr/>
+        <p:txBody>
+          <a:bodyPr/>
+          <a:lstStyle/>
+          <a:p>
+            <a:r>
+              <a:rPr lang="en-US" dirty="0"/>
+              <a:t>(from WPI):</a:t>
+            </a:r>
+          </a:p>
+          <a:p>
+            <a:r>
+              <a:rPr lang="en-US" dirty="0">
+                <a:hlinkClick r:id="rId3"/>
+              </a:rPr>
+              <a:t>https://www.youtube.com/watch?list=PL8BLGj0RyhMzNXX9gHBosWPRbqqn0gJUQ&amp;v=UOuRx9Ujsog&amp;feature=emb_logo</a:t>
+            </a:r>
+            <a:endParaRPr lang="en-US" dirty="0"/>
+          </a:p>
+          <a:p>
+            <a:endParaRPr lang="en-US" dirty="0"/>
+          </a:p>
+          <a:p>
+            <a:endParaRPr lang="en-US" dirty="0"/>
+          </a:p>
+          <a:p>
+            <a:r>
+              <a:rPr lang="en-US" dirty="0"/>
+              <a:t>(overview of PID):</a:t>
+            </a:r>
+          </a:p>
+          <a:p>
+            <a:r>
+              <a:rPr lang="en-US" u="none" dirty="0">
+                <a:solidFill>
+                  <a:schemeClr val="bg1"/>
+                </a:solidFill>
+              </a:rPr>
+              <a:t> </a:t>
+            </a:r>
+            <a:r>
+              <a:rPr lang="en-US" u="none" dirty="0">
+                <a:solidFill>
+                  <a:schemeClr val="bg1"/>
+                </a:solidFill>
+                <a:hlinkClick r:id="rId4">
+                  <a:extLst>
+                    <a:ext uri="{A12FA001-AC4F-418D-AE19-62706E023703}">
+                      <ahyp:hlinkClr xmlns:ahyp="http://schemas.microsoft.com/office/drawing/2018/hyperlinkcolor" val="tx"/>
+                    </a:ext>
+                  </a:extLst>
+                </a:hlinkClick>
+              </a:rPr>
+              <a:t>https://www.youtube.com/watch?v=JEpWlTl95Tw</a:t>
+            </a:r>
+            <a:endParaRPr lang="en-US" u="none" dirty="0">
+              <a:solidFill>
+                <a:schemeClr val="bg1"/>
+              </a:solidFill>
+            </a:endParaRPr>
+          </a:p>
+          <a:p>
+            <a:pPr marL="0" marR="0" lvl="0" indent="0" algn="l" defTabSz="914400" rtl="0" eaLnBrk="1" fontAlgn="auto" latinLnBrk="0" hangingPunct="1">
+              <a:lnSpc>
+                <a:spcPct val="100000"/>
+              </a:lnSpc>
+              <a:spcBef>
+                <a:spcPts val="0"/>
+              </a:spcBef>
+              <a:spcAft>
+                <a:spcPts val="0"/>
+              </a:spcAft>
+              <a:buClrTx/>
+              <a:buSzTx/>
+              <a:buFontTx/>
+              <a:buNone/>
+              <a:tabLst/>
+              <a:defRPr/>
+            </a:pPr>
+            <a:r>
+              <a:rPr lang="en-US" dirty="0"/>
+              <a:t> https://www.youtube.com/watch?v=UR0hOmjaHp0</a:t>
+            </a:r>
+          </a:p>
+          <a:p>
+            <a:pPr marL="0" marR="0" lvl="0" indent="0" algn="l" defTabSz="914400" rtl="0" eaLnBrk="1" fontAlgn="auto" latinLnBrk="0" hangingPunct="1">
+              <a:lnSpc>
+                <a:spcPct val="100000"/>
+              </a:lnSpc>
+              <a:spcBef>
+                <a:spcPts val="0"/>
+              </a:spcBef>
+              <a:spcAft>
+                <a:spcPts val="0"/>
+              </a:spcAft>
+              <a:buClrTx/>
+              <a:buSzTx/>
+              <a:buFontTx/>
+              <a:buNone/>
+              <a:tabLst/>
+              <a:defRPr/>
+            </a:pPr>
+            <a:endParaRPr lang="en-US" dirty="0"/>
+          </a:p>
+          <a:p>
+            <a:pPr marL="0" marR="0" lvl="0" indent="0" algn="l" defTabSz="914400" rtl="0" eaLnBrk="1" fontAlgn="auto" latinLnBrk="0" hangingPunct="1">
+              <a:lnSpc>
+                <a:spcPct val="100000"/>
+              </a:lnSpc>
+              <a:spcBef>
+                <a:spcPts val="0"/>
+              </a:spcBef>
+              <a:spcAft>
+                <a:spcPts val="0"/>
+              </a:spcAft>
+              <a:buClrTx/>
+              <a:buSzTx/>
+              <a:buFontTx/>
+              <a:buNone/>
+              <a:tabLst/>
+              <a:defRPr/>
+            </a:pPr>
+            <a:r>
+              <a:rPr lang="en-US" dirty="0"/>
+              <a:t>Manual Tuning (and lots of more info):</a:t>
+            </a:r>
+          </a:p>
+          <a:p>
+            <a:pPr marL="0" marR="0" lvl="0" indent="0" algn="l" defTabSz="914400" rtl="0" eaLnBrk="1" fontAlgn="auto" latinLnBrk="0" hangingPunct="1">
+              <a:lnSpc>
+                <a:spcPct val="100000"/>
+              </a:lnSpc>
+              <a:spcBef>
+                <a:spcPts val="0"/>
+              </a:spcBef>
+              <a:spcAft>
+                <a:spcPts val="0"/>
+              </a:spcAft>
+              <a:buClrTx/>
+              <a:buSzTx/>
+              <a:buFontTx/>
+              <a:buNone/>
+              <a:tabLst/>
+              <a:defRPr/>
+            </a:pPr>
+            <a:r>
+              <a:rPr lang="en-US" dirty="0"/>
+              <a:t>http://faculty.mercer.edu/jenkins_he/documents/TuningforPIDControllers.pdf#page=6</a:t>
+            </a:r>
+          </a:p>
+          <a:p>
+            <a:endParaRPr lang="en-US" dirty="0"/>
+          </a:p>
+          <a:p>
+            <a:r>
+              <a:rPr lang="en-US" dirty="0"/>
+              <a:t>http://robotics.stackexchange.com/questions/167/what-are-good-strategies-for-tuning-pid-loops</a:t>
+            </a:r>
+          </a:p>
+          <a:p>
+            <a:r>
+              <a:rPr lang="en-US" dirty="0"/>
+              <a:t>Ziegler-Nichols</a:t>
+            </a:r>
+            <a:r>
+              <a:rPr lang="en-US" baseline="0" dirty="0"/>
+              <a:t>: http://robotsforroboticists.com/pid-control/</a:t>
+            </a:r>
+          </a:p>
+          <a:p>
+            <a:pPr marL="0" marR="0" lvl="0" indent="0" algn="l" defTabSz="914400" rtl="0" eaLnBrk="1" fontAlgn="auto" latinLnBrk="0" hangingPunct="1">
+              <a:lnSpc>
+                <a:spcPct val="100000"/>
+              </a:lnSpc>
+              <a:spcBef>
+                <a:spcPts val="0"/>
+              </a:spcBef>
+              <a:spcAft>
+                <a:spcPts val="0"/>
+              </a:spcAft>
+              <a:buClrTx/>
+              <a:buSzTx/>
+              <a:buFontTx/>
+              <a:buNone/>
+              <a:tabLst/>
+              <a:defRPr/>
+            </a:pPr>
+            <a:endParaRPr lang="en-US" dirty="0"/>
+          </a:p>
+          <a:p>
+            <a:pPr marL="0" marR="0" lvl="0" indent="0" algn="l" defTabSz="914400" rtl="0" eaLnBrk="1" fontAlgn="auto" latinLnBrk="0" hangingPunct="1">
+              <a:lnSpc>
+                <a:spcPct val="100000"/>
+              </a:lnSpc>
+              <a:spcBef>
+                <a:spcPts val="0"/>
+              </a:spcBef>
+              <a:spcAft>
+                <a:spcPts val="0"/>
+              </a:spcAft>
+              <a:buClrTx/>
+              <a:buSzTx/>
+              <a:buFontTx/>
+              <a:buNone/>
+              <a:tabLst/>
+              <a:defRPr/>
+            </a:pPr>
+            <a:r>
+              <a:rPr lang="en-US" dirty="0">
+                <a:hlinkClick r:id="rId5"/>
+              </a:rPr>
+              <a:t>https://frc-pdr.readthedocs.io/en/latest/control/pid_control.html</a:t>
+            </a:r>
+            <a:endParaRPr lang="en-US" dirty="0"/>
+          </a:p>
+          <a:p>
+            <a:pPr marL="0" marR="0" lvl="0" indent="0" algn="l" defTabSz="914400" rtl="0" eaLnBrk="1" fontAlgn="auto" latinLnBrk="0" hangingPunct="1">
+              <a:lnSpc>
+                <a:spcPct val="100000"/>
+              </a:lnSpc>
+              <a:spcBef>
+                <a:spcPts val="0"/>
+              </a:spcBef>
+              <a:spcAft>
+                <a:spcPts val="0"/>
+              </a:spcAft>
+              <a:buClrTx/>
+              <a:buSzTx/>
+              <a:buFontTx/>
+              <a:buNone/>
+              <a:tabLst/>
+              <a:defRPr/>
+            </a:pPr>
+            <a:endParaRPr lang="en-US" dirty="0"/>
+          </a:p>
+          <a:p>
+            <a:pPr marL="0" marR="0" lvl="0" indent="0" algn="l" defTabSz="914400" rtl="0" eaLnBrk="1" fontAlgn="auto" latinLnBrk="0" hangingPunct="1">
+              <a:lnSpc>
+                <a:spcPct val="100000"/>
+              </a:lnSpc>
+              <a:spcBef>
+                <a:spcPts val="0"/>
+              </a:spcBef>
+              <a:spcAft>
+                <a:spcPts val="0"/>
+              </a:spcAft>
+              <a:buClrTx/>
+              <a:buSzTx/>
+              <a:buFontTx/>
+              <a:buNone/>
+              <a:tabLst/>
+              <a:defRPr/>
+            </a:pPr>
+            <a:endParaRPr lang="en-US" dirty="0"/>
+          </a:p>
+          <a:p>
+            <a:pPr marL="0" marR="0" lvl="0" indent="0" algn="l" defTabSz="914400" rtl="0" eaLnBrk="1" fontAlgn="auto" latinLnBrk="0" hangingPunct="1">
+              <a:lnSpc>
+                <a:spcPct val="100000"/>
+              </a:lnSpc>
+              <a:spcBef>
+                <a:spcPts val="0"/>
+              </a:spcBef>
+              <a:spcAft>
+                <a:spcPts val="0"/>
+              </a:spcAft>
+              <a:buClrTx/>
+              <a:buSzTx/>
+              <a:buFontTx/>
+              <a:buNone/>
+              <a:tabLst/>
+              <a:defRPr/>
+            </a:pPr>
+            <a:endParaRPr lang="en-US" dirty="0"/>
+          </a:p>
+          <a:p>
+            <a:pPr marL="0" marR="0" lvl="0" indent="0" algn="l" defTabSz="914400" rtl="0" eaLnBrk="1" fontAlgn="auto" latinLnBrk="0" hangingPunct="1">
+              <a:lnSpc>
+                <a:spcPct val="100000"/>
+              </a:lnSpc>
+              <a:spcBef>
+                <a:spcPts val="0"/>
+              </a:spcBef>
+              <a:spcAft>
+                <a:spcPts val="0"/>
+              </a:spcAft>
+              <a:buClrTx/>
+              <a:buSzTx/>
+              <a:buFontTx/>
+              <a:buNone/>
+              <a:tabLst/>
+              <a:defRPr/>
+            </a:pPr>
+            <a:r>
+              <a:rPr lang="en-US" dirty="0"/>
+              <a:t>http://www.ni.com/white-paper/3782/en/</a:t>
+            </a:r>
+          </a:p>
+          <a:p>
+            <a:endParaRPr lang="en-US" baseline="0" dirty="0"/>
+          </a:p>
+          <a:p>
+            <a:endParaRPr lang="en-US" dirty="0"/>
+          </a:p>
+          <a:p>
+            <a:endParaRPr lang="en-US" dirty="0"/>
+          </a:p>
+        </p:txBody>
+      </p:sp>
+      <p:sp>
+        <p:nvSpPr>
+          <p:cNvPr id="4" name="Slide Number Placeholder 3"/>
+          <p:cNvSpPr>
+            <a:spLocks noGrp="1"/>
+          </p:cNvSpPr>
+          <p:nvPr>
+            <p:ph type="sldNum" sz="quarter" idx="10"/>
+          </p:nvPr>
+        </p:nvSpPr>
+        <p:spPr/>
+        <p:txBody>
+          <a:bodyPr/>
+          <a:lstStyle/>
+          <a:p>
+            <a:fld id="{7869CEDA-A88F-405F-B085-0C49B47076E2}" type="slidenum">
+              <a:rPr lang="en-US" smtClean="0"/>
+              <a:t>42</a:t>
+            </a:fld>
+            <a:endParaRPr lang="en-US"/>
+          </a:p>
+        </p:txBody>
+      </p:sp>
+    </p:spTree>
+    <p:extLst>
+      <p:ext uri="{BB962C8B-B14F-4D97-AF65-F5344CB8AC3E}">
+        <p14:creationId xmlns:p14="http://schemas.microsoft.com/office/powerpoint/2010/main" val="988578008"/>
+      </p:ext>
+    </p:extLst>
+  </p:cSld>
+  <p:clrMapOvr>
+    <a:masterClrMapping/>
+  </p:clrMapOvr>
+</p:notes>
+</file>
+
+<file path=ppt/notesSlides/notesSlide33.xml><?xml version="1.0" encoding="utf-8"?>
+<p:notes xmlns:a="http://schemas.openxmlformats.org/drawingml/2006/main" xmlns:r="http://schemas.openxmlformats.org/officeDocument/2006/relationships" xmlns:p="http://schemas.openxmlformats.org/presentationml/2006/main">
+  <p:cSld>
+    <p:spTree>
+      <p:nvGrpSpPr>
+        <p:cNvPr id="1" name=""/>
+        <p:cNvGrpSpPr/>
+        <p:nvPr/>
+      </p:nvGrpSpPr>
+      <p:grpSpPr>
+        <a:xfrm>
+          <a:off x="0" y="0"/>
+          <a:ext cx="0" cy="0"/>
+          <a:chOff x="0" y="0"/>
+          <a:chExt cx="0" cy="0"/>
+        </a:xfrm>
+      </p:grpSpPr>
+      <p:sp>
+        <p:nvSpPr>
+          <p:cNvPr id="2" name="Slide Image Placeholder 1"/>
+          <p:cNvSpPr>
+            <a:spLocks noGrp="1" noRot="1" noChangeAspect="1"/>
+          </p:cNvSpPr>
+          <p:nvPr>
+            <p:ph type="sldImg"/>
+          </p:nvPr>
+        </p:nvSpPr>
+        <p:spPr/>
+      </p:sp>
+      <p:sp>
+        <p:nvSpPr>
+          <p:cNvPr id="3" name="Notes Placeholder 2"/>
+          <p:cNvSpPr>
+            <a:spLocks noGrp="1"/>
+          </p:cNvSpPr>
+          <p:nvPr>
+            <p:ph type="body" idx="1"/>
+          </p:nvPr>
+        </p:nvSpPr>
+        <p:spPr/>
+        <p:txBody>
+          <a:bodyPr/>
+          <a:lstStyle/>
+          <a:p>
+            <a:r>
+              <a:rPr lang="en-US" dirty="0"/>
+              <a:t>Read the desired angle (a control), and the current angle (from the gyro), bound the output to [-1, 1], us 1 as the </a:t>
+            </a:r>
+            <a:r>
+              <a:rPr lang="en-US" dirty="0" err="1"/>
+              <a:t>the</a:t>
+            </a:r>
+            <a:r>
+              <a:rPr lang="en-US" dirty="0"/>
+              <a:t> proportional constant and .01 as the integral constant – use the result as the steering on Arcade Drive (in effect, a drive straight).</a:t>
+            </a:r>
+          </a:p>
+        </p:txBody>
+      </p:sp>
+      <p:sp>
+        <p:nvSpPr>
+          <p:cNvPr id="4" name="Slide Number Placeholder 3"/>
+          <p:cNvSpPr>
+            <a:spLocks noGrp="1"/>
+          </p:cNvSpPr>
+          <p:nvPr>
+            <p:ph type="sldNum" sz="quarter" idx="5"/>
+          </p:nvPr>
+        </p:nvSpPr>
+        <p:spPr/>
+        <p:txBody>
+          <a:bodyPr/>
+          <a:lstStyle/>
+          <a:p>
+            <a:fld id="{7869CEDA-A88F-405F-B085-0C49B47076E2}" type="slidenum">
+              <a:rPr lang="en-US" smtClean="0"/>
+              <a:t>43</a:t>
+            </a:fld>
+            <a:endParaRPr lang="en-US"/>
+          </a:p>
+        </p:txBody>
+      </p:sp>
+    </p:spTree>
+    <p:extLst>
+      <p:ext uri="{BB962C8B-B14F-4D97-AF65-F5344CB8AC3E}">
+        <p14:creationId xmlns:p14="http://schemas.microsoft.com/office/powerpoint/2010/main" val="1691597272"/>
       </p:ext>
     </p:extLst>
   </p:cSld>
@@ -1829,7 +4220,7 @@
           <a:p>
             <a:fld id="{08007FA6-D051-4DA4-98CE-CD48777DE9E5}" type="datetimeFigureOut">
               <a:rPr lang="en-US" smtClean="0"/>
-              <a:t>12/29/2019</a:t>
+              <a:t>12/31/2019</a:t>
             </a:fld>
             <a:endParaRPr lang="en-US"/>
           </a:p>
@@ -2009,7 +4400,7 @@
           <a:p>
             <a:fld id="{08007FA6-D051-4DA4-98CE-CD48777DE9E5}" type="datetimeFigureOut">
               <a:rPr lang="en-US" smtClean="0"/>
-              <a:t>12/29/2019</a:t>
+              <a:t>12/31/2019</a:t>
             </a:fld>
             <a:endParaRPr lang="en-US"/>
           </a:p>
@@ -2199,7 +4590,7 @@
           <a:p>
             <a:fld id="{08007FA6-D051-4DA4-98CE-CD48777DE9E5}" type="datetimeFigureOut">
               <a:rPr lang="en-US" smtClean="0"/>
-              <a:t>12/29/2019</a:t>
+              <a:t>12/31/2019</a:t>
             </a:fld>
             <a:endParaRPr lang="en-US"/>
           </a:p>
@@ -2379,7 +4770,7 @@
           <a:p>
             <a:fld id="{08007FA6-D051-4DA4-98CE-CD48777DE9E5}" type="datetimeFigureOut">
               <a:rPr lang="en-US" smtClean="0"/>
-              <a:t>12/29/2019</a:t>
+              <a:t>12/31/2019</a:t>
             </a:fld>
             <a:endParaRPr lang="en-US"/>
           </a:p>
@@ -2636,7 +5027,7 @@
           <a:p>
             <a:fld id="{08007FA6-D051-4DA4-98CE-CD48777DE9E5}" type="datetimeFigureOut">
               <a:rPr lang="en-US" smtClean="0"/>
-              <a:t>12/29/2019</a:t>
+              <a:t>12/31/2019</a:t>
             </a:fld>
             <a:endParaRPr lang="en-US"/>
           </a:p>
@@ -2933,7 +5324,7 @@
           <a:p>
             <a:fld id="{08007FA6-D051-4DA4-98CE-CD48777DE9E5}" type="datetimeFigureOut">
               <a:rPr lang="en-US" smtClean="0"/>
-              <a:t>12/29/2019</a:t>
+              <a:t>12/31/2019</a:t>
             </a:fld>
             <a:endParaRPr lang="en-US"/>
           </a:p>
@@ -3364,7 +5755,7 @@
           <a:p>
             <a:fld id="{08007FA6-D051-4DA4-98CE-CD48777DE9E5}" type="datetimeFigureOut">
               <a:rPr lang="en-US" smtClean="0"/>
-              <a:t>12/29/2019</a:t>
+              <a:t>12/31/2019</a:t>
             </a:fld>
             <a:endParaRPr lang="en-US"/>
           </a:p>
@@ -3493,7 +5884,7 @@
           <a:p>
             <a:fld id="{08007FA6-D051-4DA4-98CE-CD48777DE9E5}" type="datetimeFigureOut">
               <a:rPr lang="en-US" smtClean="0"/>
-              <a:t>12/29/2019</a:t>
+              <a:t>12/31/2019</a:t>
             </a:fld>
             <a:endParaRPr lang="en-US"/>
           </a:p>
@@ -3600,7 +5991,7 @@
           <a:p>
             <a:fld id="{08007FA6-D051-4DA4-98CE-CD48777DE9E5}" type="datetimeFigureOut">
               <a:rPr lang="en-US" smtClean="0"/>
-              <a:t>12/29/2019</a:t>
+              <a:t>12/31/2019</a:t>
             </a:fld>
             <a:endParaRPr lang="en-US"/>
           </a:p>
@@ -3887,7 +6278,7 @@
           <a:p>
             <a:fld id="{08007FA6-D051-4DA4-98CE-CD48777DE9E5}" type="datetimeFigureOut">
               <a:rPr lang="en-US" smtClean="0"/>
-              <a:t>12/29/2019</a:t>
+              <a:t>12/31/2019</a:t>
             </a:fld>
             <a:endParaRPr lang="en-US"/>
           </a:p>
@@ -4151,7 +6542,7 @@
           <a:p>
             <a:fld id="{08007FA6-D051-4DA4-98CE-CD48777DE9E5}" type="datetimeFigureOut">
               <a:rPr lang="en-US" smtClean="0"/>
-              <a:t>12/29/2019</a:t>
+              <a:t>12/31/2019</a:t>
             </a:fld>
             <a:endParaRPr lang="en-US"/>
           </a:p>
@@ -4248,6 +6639,58 @@
       </p:grpSpPr>
       <p:sp>
         <p:nvSpPr>
+          <p:cNvPr id="7" name="Rectangle 6">
+            <a:extLst>
+              <a:ext uri="{FF2B5EF4-FFF2-40B4-BE49-F238E27FC236}">
+                <a16:creationId xmlns:a16="http://schemas.microsoft.com/office/drawing/2014/main" id="{9566637E-DA98-4124-B13D-D1574E381DA9}"/>
+              </a:ext>
+            </a:extLst>
+          </p:cNvPr>
+          <p:cNvSpPr/>
+          <p:nvPr userDrawn="1"/>
+        </p:nvSpPr>
+        <p:spPr>
+          <a:xfrm>
+            <a:off x="0" y="0"/>
+            <a:ext cx="12192000" cy="6858000"/>
+          </a:xfrm>
+          <a:prstGeom prst="rect">
+            <a:avLst/>
+          </a:prstGeom>
+          <a:solidFill>
+            <a:srgbClr val="3B5DA3"/>
+          </a:solidFill>
+          <a:ln>
+            <a:noFill/>
+          </a:ln>
+        </p:spPr>
+        <p:style>
+          <a:lnRef idx="2">
+            <a:schemeClr val="accent1">
+              <a:shade val="50000"/>
+            </a:schemeClr>
+          </a:lnRef>
+          <a:fillRef idx="1">
+            <a:schemeClr val="accent1"/>
+          </a:fillRef>
+          <a:effectRef idx="0">
+            <a:schemeClr val="accent1"/>
+          </a:effectRef>
+          <a:fontRef idx="minor">
+            <a:schemeClr val="lt1"/>
+          </a:fontRef>
+        </p:style>
+        <p:txBody>
+          <a:bodyPr rtlCol="0" anchor="ctr"/>
+          <a:lstStyle/>
+          <a:p>
+            <a:pPr algn="ctr"/>
+            <a:endParaRPr lang="en-US"/>
+          </a:p>
+        </p:txBody>
+      </p:sp>
+      <p:sp>
+        <p:nvSpPr>
           <p:cNvPr id="2" name="Title Placeholder 1"/>
           <p:cNvSpPr>
             <a:spLocks noGrp="1"/>
@@ -4374,7 +6817,7 @@
           <a:p>
             <a:fld id="{08007FA6-D051-4DA4-98CE-CD48777DE9E5}" type="datetimeFigureOut">
               <a:rPr lang="en-US" smtClean="0"/>
-              <a:t>12/29/2019</a:t>
+              <a:t>12/31/2019</a:t>
             </a:fld>
             <a:endParaRPr lang="en-US"/>
           </a:p>
@@ -7323,13 +9766,13 @@
   <p:clrMapOvr>
     <a:masterClrMapping/>
   </p:clrMapOvr>
-  <mc:AlternateContent xmlns:mc="http://schemas.openxmlformats.org/markup-compatibility/2006">
-    <mc:Choice xmlns:p14="http://schemas.microsoft.com/office/powerpoint/2010/main" Requires="p14">
+  <mc:AlternateContent xmlns:mc="http://schemas.openxmlformats.org/markup-compatibility/2006" xmlns:p14="http://schemas.microsoft.com/office/powerpoint/2010/main">
+    <mc:Choice Requires="p14">
       <p:transition spd="med" p14:dur="700">
         <p:fade/>
       </p:transition>
     </mc:Choice>
-    <mc:Fallback>
+    <mc:Fallback xmlns="">
       <p:transition spd="med">
         <p:fade/>
       </p:transition>
@@ -7339,6 +9782,196 @@
 </file>
 
 <file path=ppt/slides/slide21.xml><?xml version="1.0" encoding="utf-8"?>
+<p:sld xmlns:a="http://schemas.openxmlformats.org/drawingml/2006/main" xmlns:r="http://schemas.openxmlformats.org/officeDocument/2006/relationships" xmlns:p="http://schemas.openxmlformats.org/presentationml/2006/main">
+  <p:cSld>
+    <p:spTree>
+      <p:nvGrpSpPr>
+        <p:cNvPr id="1" name=""/>
+        <p:cNvGrpSpPr/>
+        <p:nvPr/>
+      </p:nvGrpSpPr>
+      <p:grpSpPr>
+        <a:xfrm>
+          <a:off x="0" y="0"/>
+          <a:ext cx="0" cy="0"/>
+          <a:chOff x="0" y="0"/>
+          <a:chExt cx="0" cy="0"/>
+        </a:xfrm>
+      </p:grpSpPr>
+      <p:sp>
+        <p:nvSpPr>
+          <p:cNvPr id="2" name="Title 1"/>
+          <p:cNvSpPr>
+            <a:spLocks noGrp="1"/>
+          </p:cNvSpPr>
+          <p:nvPr>
+            <p:ph type="title"/>
+          </p:nvPr>
+        </p:nvSpPr>
+        <p:spPr/>
+        <p:txBody>
+          <a:bodyPr/>
+          <a:lstStyle/>
+          <a:p>
+            <a:r>
+              <a:rPr lang="en-US" dirty="0"/>
+              <a:t>Producer Consumer Demo</a:t>
+            </a:r>
+          </a:p>
+        </p:txBody>
+      </p:sp>
+      <p:sp>
+        <p:nvSpPr>
+          <p:cNvPr id="3" name="Content Placeholder 2"/>
+          <p:cNvSpPr>
+            <a:spLocks noGrp="1"/>
+          </p:cNvSpPr>
+          <p:nvPr>
+            <p:ph idx="1"/>
+          </p:nvPr>
+        </p:nvSpPr>
+        <p:spPr>
+          <a:xfrm>
+            <a:off x="609600" y="1219201"/>
+            <a:ext cx="10972800" cy="4906964"/>
+          </a:xfrm>
+        </p:spPr>
+        <p:txBody>
+          <a:bodyPr>
+            <a:noAutofit/>
+          </a:bodyPr>
+          <a:lstStyle/>
+          <a:p>
+            <a:r>
+              <a:rPr lang="en-US" dirty="0"/>
+              <a:t>(side note)</a:t>
+            </a:r>
+          </a:p>
+          <a:p>
+            <a:pPr lvl="1"/>
+            <a:r>
+              <a:rPr lang="en-US" dirty="0"/>
+              <a:t>In Computer Science (and CE, but software specifically), there’s a concept call “separation of concerns”</a:t>
+            </a:r>
+            <a:br>
+              <a:rPr lang="en-US" dirty="0"/>
+            </a:br>
+            <a:r>
+              <a:rPr lang="en-US" dirty="0"/>
+              <a:t>(Wikipedia: </a:t>
+            </a:r>
+            <a:r>
+              <a:rPr lang="en-US" dirty="0">
+                <a:solidFill>
+                  <a:schemeClr val="bg2">
+                    <a:lumMod val="20000"/>
+                    <a:lumOff val="80000"/>
+                  </a:schemeClr>
+                </a:solidFill>
+                <a:hlinkClick r:id="rId3">
+                  <a:extLst>
+                    <a:ext uri="{A12FA001-AC4F-418D-AE19-62706E023703}">
+                      <ahyp:hlinkClr xmlns:ahyp="http://schemas.microsoft.com/office/drawing/2018/hyperlinkcolor" val="tx"/>
+                    </a:ext>
+                  </a:extLst>
+                </a:hlinkClick>
+              </a:rPr>
+              <a:t>link</a:t>
+            </a:r>
+            <a:r>
+              <a:rPr lang="en-US" dirty="0"/>
+              <a:t>)</a:t>
+            </a:r>
+          </a:p>
+          <a:p>
+            <a:pPr lvl="1"/>
+            <a:r>
+              <a:rPr lang="en-US" dirty="0"/>
+              <a:t>[Each segment of code should only deal with a </a:t>
+            </a:r>
+            <a:r>
+              <a:rPr lang="en-US" u="sng" dirty="0"/>
+              <a:t>single</a:t>
+            </a:r>
+            <a:r>
+              <a:rPr lang="en-US" dirty="0"/>
+              <a:t> task] (paraphrased)</a:t>
+            </a:r>
+          </a:p>
+          <a:p>
+            <a:pPr lvl="2"/>
+            <a:r>
+              <a:rPr lang="en-US" dirty="0"/>
+              <a:t>This might be:</a:t>
+            </a:r>
+          </a:p>
+          <a:p>
+            <a:pPr lvl="3"/>
+            <a:r>
+              <a:rPr lang="en-US" dirty="0"/>
+              <a:t>Getting input</a:t>
+            </a:r>
+          </a:p>
+          <a:p>
+            <a:pPr lvl="3"/>
+            <a:r>
+              <a:rPr lang="en-US" dirty="0"/>
+              <a:t>Or controlling the shooter</a:t>
+            </a:r>
+          </a:p>
+          <a:p>
+            <a:pPr marL="114300" indent="0">
+              <a:buNone/>
+            </a:pPr>
+            <a:r>
+              <a:rPr lang="en-US" dirty="0"/>
+              <a:t>This set-up, allows you to separate the task of deciding </a:t>
+            </a:r>
+            <a:r>
+              <a:rPr lang="en-US" u="sng" dirty="0"/>
+              <a:t>what</a:t>
+            </a:r>
+            <a:r>
+              <a:rPr lang="en-US" dirty="0"/>
+              <a:t> to do base on inputs (/auto) and </a:t>
+            </a:r>
+            <a:r>
+              <a:rPr lang="en-US" u="sng" dirty="0"/>
+              <a:t>how</a:t>
+            </a:r>
+            <a:r>
+              <a:rPr lang="en-US" dirty="0"/>
+              <a:t> to do it(/interacting with the hardware)</a:t>
+            </a:r>
+          </a:p>
+        </p:txBody>
+      </p:sp>
+    </p:spTree>
+    <p:extLst>
+      <p:ext uri="{BB962C8B-B14F-4D97-AF65-F5344CB8AC3E}">
+        <p14:creationId xmlns:p14="http://schemas.microsoft.com/office/powerpoint/2010/main" val="2439762765"/>
+      </p:ext>
+    </p:extLst>
+  </p:cSld>
+  <p:clrMapOvr>
+    <a:masterClrMapping/>
+  </p:clrMapOvr>
+  <mc:AlternateContent xmlns:mc="http://schemas.openxmlformats.org/markup-compatibility/2006" xmlns:p14="http://schemas.microsoft.com/office/powerpoint/2010/main">
+    <mc:Choice Requires="p14">
+      <p:transition spd="med" p14:dur="700">
+        <p:fade/>
+      </p:transition>
+    </mc:Choice>
+    <mc:Fallback xmlns="">
+      <p:transition spd="med">
+        <p:fade/>
+      </p:transition>
+    </mc:Fallback>
+  </mc:AlternateContent>
+</p:sld>
+</file>
+
+<file path=ppt/slides/slide22.xml><?xml version="1.0" encoding="utf-8"?>
 <p:sld xmlns:a="http://schemas.openxmlformats.org/drawingml/2006/main" xmlns:r="http://schemas.openxmlformats.org/officeDocument/2006/relationships" xmlns:p="http://schemas.openxmlformats.org/presentationml/2006/main">
   <p:cSld>
     <p:spTree>
@@ -7576,98 +10209,6 @@
 </p:sld>
 </file>
 
-<file path=ppt/slides/slide22.xml><?xml version="1.0" encoding="utf-8"?>
-<p:sld xmlns:a="http://schemas.openxmlformats.org/drawingml/2006/main" xmlns:r="http://schemas.openxmlformats.org/officeDocument/2006/relationships" xmlns:p="http://schemas.openxmlformats.org/presentationml/2006/main">
-  <p:cSld>
-    <p:spTree>
-      <p:nvGrpSpPr>
-        <p:cNvPr id="1" name=""/>
-        <p:cNvGrpSpPr/>
-        <p:nvPr/>
-      </p:nvGrpSpPr>
-      <p:grpSpPr>
-        <a:xfrm>
-          <a:off x="0" y="0"/>
-          <a:ext cx="0" cy="0"/>
-          <a:chOff x="0" y="0"/>
-          <a:chExt cx="0" cy="0"/>
-        </a:xfrm>
-      </p:grpSpPr>
-      <p:sp>
-        <p:nvSpPr>
-          <p:cNvPr id="2" name="Title 1"/>
-          <p:cNvSpPr>
-            <a:spLocks noGrp="1"/>
-          </p:cNvSpPr>
-          <p:nvPr>
-            <p:ph type="title"/>
-          </p:nvPr>
-        </p:nvSpPr>
-        <p:spPr/>
-        <p:txBody>
-          <a:bodyPr/>
-          <a:lstStyle/>
-          <a:p>
-            <a:r>
-              <a:rPr lang="en-US" dirty="0"/>
-              <a:t>Type Def.</a:t>
-            </a:r>
-          </a:p>
-        </p:txBody>
-      </p:sp>
-      <p:sp>
-        <p:nvSpPr>
-          <p:cNvPr id="3" name="Content Placeholder 2"/>
-          <p:cNvSpPr>
-            <a:spLocks noGrp="1"/>
-          </p:cNvSpPr>
-          <p:nvPr>
-            <p:ph idx="1"/>
-          </p:nvPr>
-        </p:nvSpPr>
-        <p:spPr/>
-        <p:txBody>
-          <a:bodyPr/>
-          <a:lstStyle/>
-          <a:p>
-            <a:r>
-              <a:rPr lang="en-US" dirty="0"/>
-              <a:t>Useful for passing data – both controls and indicators</a:t>
-            </a:r>
-          </a:p>
-          <a:p>
-            <a:r>
-              <a:rPr lang="en-US" dirty="0"/>
-              <a:t>Demo</a:t>
-            </a:r>
-          </a:p>
-        </p:txBody>
-      </p:sp>
-    </p:spTree>
-    <p:extLst>
-      <p:ext uri="{BB962C8B-B14F-4D97-AF65-F5344CB8AC3E}">
-        <p14:creationId xmlns:p14="http://schemas.microsoft.com/office/powerpoint/2010/main" val="1789785513"/>
-      </p:ext>
-    </p:extLst>
-  </p:cSld>
-  <p:clrMapOvr>
-    <a:masterClrMapping/>
-  </p:clrMapOvr>
-  <mc:AlternateContent xmlns:mc="http://schemas.openxmlformats.org/markup-compatibility/2006" xmlns:p14="http://schemas.microsoft.com/office/powerpoint/2010/main">
-    <mc:Choice Requires="p14">
-      <p:transition spd="med" p14:dur="700" advTm="0">
-        <p:fade/>
-      </p:transition>
-    </mc:Choice>
-    <mc:Fallback xmlns="">
-      <p:transition spd="med" advTm="0">
-        <p:fade/>
-      </p:transition>
-    </mc:Fallback>
-  </mc:AlternateContent>
-</p:sld>
-</file>
-
 <file path=ppt/slides/slide23.xml><?xml version="1.0" encoding="utf-8"?>
 <p:sld xmlns:a="http://schemas.openxmlformats.org/drawingml/2006/main" xmlns:r="http://schemas.openxmlformats.org/officeDocument/2006/relationships" xmlns:p="http://schemas.openxmlformats.org/presentationml/2006/main">
   <p:cSld>
@@ -7702,7 +10243,7 @@
           <a:p>
             <a:r>
               <a:rPr lang="en-US" dirty="0"/>
-              <a:t>Questions</a:t>
+              <a:t>Type Def.</a:t>
             </a:r>
           </a:p>
         </p:txBody>
@@ -7722,14 +10263,2452 @@
           <a:bodyPr/>
           <a:lstStyle/>
           <a:p>
-            <a:endParaRPr lang="en-US"/>
+            <a:r>
+              <a:rPr lang="en-US" dirty="0"/>
+              <a:t>Useful for passing data – both controls and indicators</a:t>
+            </a:r>
+          </a:p>
+          <a:p>
+            <a:r>
+              <a:rPr lang="en-US" dirty="0"/>
+              <a:t>Demo</a:t>
+            </a:r>
           </a:p>
         </p:txBody>
       </p:sp>
     </p:spTree>
     <p:extLst>
       <p:ext uri="{BB962C8B-B14F-4D97-AF65-F5344CB8AC3E}">
-        <p14:creationId xmlns:p14="http://schemas.microsoft.com/office/powerpoint/2010/main" val="3698870906"/>
+        <p14:creationId xmlns:p14="http://schemas.microsoft.com/office/powerpoint/2010/main" val="1789785513"/>
+      </p:ext>
+    </p:extLst>
+  </p:cSld>
+  <p:clrMapOvr>
+    <a:masterClrMapping/>
+  </p:clrMapOvr>
+  <mc:AlternateContent xmlns:mc="http://schemas.openxmlformats.org/markup-compatibility/2006">
+    <mc:Choice xmlns:p14="http://schemas.microsoft.com/office/powerpoint/2010/main" Requires="p14">
+      <p:transition spd="med" p14:dur="700">
+        <p:fade/>
+      </p:transition>
+    </mc:Choice>
+    <mc:Fallback>
+      <p:transition spd="med">
+        <p:fade/>
+      </p:transition>
+    </mc:Fallback>
+  </mc:AlternateContent>
+</p:sld>
+</file>
+
+<file path=ppt/slides/slide24.xml><?xml version="1.0" encoding="utf-8"?>
+<p:sld xmlns:a="http://schemas.openxmlformats.org/drawingml/2006/main" xmlns:r="http://schemas.openxmlformats.org/officeDocument/2006/relationships" xmlns:p="http://schemas.openxmlformats.org/presentationml/2006/main">
+  <p:cSld>
+    <p:spTree>
+      <p:nvGrpSpPr>
+        <p:cNvPr id="1" name=""/>
+        <p:cNvGrpSpPr/>
+        <p:nvPr/>
+      </p:nvGrpSpPr>
+      <p:grpSpPr>
+        <a:xfrm>
+          <a:off x="0" y="0"/>
+          <a:ext cx="0" cy="0"/>
+          <a:chOff x="0" y="0"/>
+          <a:chExt cx="0" cy="0"/>
+        </a:xfrm>
+      </p:grpSpPr>
+      <p:sp>
+        <p:nvSpPr>
+          <p:cNvPr id="2" name="Title 1">
+            <a:extLst>
+              <a:ext uri="{FF2B5EF4-FFF2-40B4-BE49-F238E27FC236}">
+                <a16:creationId xmlns:a16="http://schemas.microsoft.com/office/drawing/2014/main" id="{2D668C9A-7482-4111-87D5-E2763AC74B07}"/>
+              </a:ext>
+            </a:extLst>
+          </p:cNvPr>
+          <p:cNvSpPr>
+            <a:spLocks noGrp="1"/>
+          </p:cNvSpPr>
+          <p:nvPr>
+            <p:ph type="title"/>
+          </p:nvPr>
+        </p:nvSpPr>
+        <p:spPr/>
+        <p:txBody>
+          <a:bodyPr/>
+          <a:lstStyle/>
+          <a:p>
+            <a:r>
+              <a:rPr lang="en-US" dirty="0"/>
+              <a:t>PID</a:t>
+            </a:r>
+          </a:p>
+        </p:txBody>
+      </p:sp>
+      <p:sp>
+        <p:nvSpPr>
+          <p:cNvPr id="3" name="Text Placeholder 2">
+            <a:extLst>
+              <a:ext uri="{FF2B5EF4-FFF2-40B4-BE49-F238E27FC236}">
+                <a16:creationId xmlns:a16="http://schemas.microsoft.com/office/drawing/2014/main" id="{F4726D2A-1717-4626-86B7-BFC0F43CBF9B}"/>
+              </a:ext>
+            </a:extLst>
+          </p:cNvPr>
+          <p:cNvSpPr>
+            <a:spLocks noGrp="1"/>
+          </p:cNvSpPr>
+          <p:nvPr>
+            <p:ph type="body" idx="1"/>
+          </p:nvPr>
+        </p:nvSpPr>
+        <p:spPr/>
+        <p:txBody>
+          <a:bodyPr/>
+          <a:lstStyle/>
+          <a:p>
+            <a:r>
+              <a:rPr lang="en-US" dirty="0"/>
+              <a:t>Closed loop control through PID</a:t>
+            </a:r>
+          </a:p>
+        </p:txBody>
+      </p:sp>
+    </p:spTree>
+    <p:extLst>
+      <p:ext uri="{BB962C8B-B14F-4D97-AF65-F5344CB8AC3E}">
+        <p14:creationId xmlns:p14="http://schemas.microsoft.com/office/powerpoint/2010/main" val="2722415487"/>
+      </p:ext>
+    </p:extLst>
+  </p:cSld>
+  <p:clrMapOvr>
+    <a:masterClrMapping/>
+  </p:clrMapOvr>
+  <mc:AlternateContent xmlns:mc="http://schemas.openxmlformats.org/markup-compatibility/2006" xmlns:p14="http://schemas.microsoft.com/office/powerpoint/2010/main">
+    <mc:Choice Requires="p14">
+      <p:transition spd="med" p14:dur="700">
+        <p:fade/>
+      </p:transition>
+    </mc:Choice>
+    <mc:Fallback xmlns="">
+      <p:transition spd="med">
+        <p:fade/>
+      </p:transition>
+    </mc:Fallback>
+  </mc:AlternateContent>
+</p:sld>
+</file>
+
+<file path=ppt/slides/slide25.xml><?xml version="1.0" encoding="utf-8"?>
+<p:sld xmlns:a="http://schemas.openxmlformats.org/drawingml/2006/main" xmlns:r="http://schemas.openxmlformats.org/officeDocument/2006/relationships" xmlns:p="http://schemas.openxmlformats.org/presentationml/2006/main">
+  <p:cSld>
+    <p:spTree>
+      <p:nvGrpSpPr>
+        <p:cNvPr id="1" name=""/>
+        <p:cNvGrpSpPr/>
+        <p:nvPr/>
+      </p:nvGrpSpPr>
+      <p:grpSpPr>
+        <a:xfrm>
+          <a:off x="0" y="0"/>
+          <a:ext cx="0" cy="0"/>
+          <a:chOff x="0" y="0"/>
+          <a:chExt cx="0" cy="0"/>
+        </a:xfrm>
+      </p:grpSpPr>
+      <p:sp>
+        <p:nvSpPr>
+          <p:cNvPr id="2" name="Title 1">
+            <a:extLst>
+              <a:ext uri="{FF2B5EF4-FFF2-40B4-BE49-F238E27FC236}">
+                <a16:creationId xmlns:a16="http://schemas.microsoft.com/office/drawing/2014/main" id="{C1DF0968-ED11-4F3A-8BCD-E18FCF43F730}"/>
+              </a:ext>
+            </a:extLst>
+          </p:cNvPr>
+          <p:cNvSpPr>
+            <a:spLocks noGrp="1"/>
+          </p:cNvSpPr>
+          <p:nvPr>
+            <p:ph type="title"/>
+          </p:nvPr>
+        </p:nvSpPr>
+        <p:spPr/>
+        <p:txBody>
+          <a:bodyPr/>
+          <a:lstStyle/>
+          <a:p>
+            <a:r>
+              <a:rPr lang="en-US" dirty="0"/>
+              <a:t>PID</a:t>
+            </a:r>
+          </a:p>
+        </p:txBody>
+      </p:sp>
+      <p:sp>
+        <p:nvSpPr>
+          <p:cNvPr id="3" name="Content Placeholder 2">
+            <a:extLst>
+              <a:ext uri="{FF2B5EF4-FFF2-40B4-BE49-F238E27FC236}">
+                <a16:creationId xmlns:a16="http://schemas.microsoft.com/office/drawing/2014/main" id="{5688B8C4-4A83-45CD-B153-D8A67DB96826}"/>
+              </a:ext>
+            </a:extLst>
+          </p:cNvPr>
+          <p:cNvSpPr>
+            <a:spLocks noGrp="1"/>
+          </p:cNvSpPr>
+          <p:nvPr>
+            <p:ph idx="1"/>
+          </p:nvPr>
+        </p:nvSpPr>
+        <p:spPr/>
+        <p:txBody>
+          <a:bodyPr/>
+          <a:lstStyle/>
+          <a:p>
+            <a:r>
+              <a:rPr lang="en-US" dirty="0"/>
+              <a:t>WPI Video:</a:t>
+            </a:r>
+          </a:p>
+          <a:p>
+            <a:pPr lvl="1"/>
+            <a:r>
+              <a:rPr lang="en-US" dirty="0">
+                <a:hlinkClick r:id="rId2">
+                  <a:extLst>
+                    <a:ext uri="{A12FA001-AC4F-418D-AE19-62706E023703}">
+                      <ahyp:hlinkClr xmlns:ahyp="http://schemas.microsoft.com/office/drawing/2018/hyperlinkcolor" val="tx"/>
+                    </a:ext>
+                  </a:extLst>
+                </a:hlinkClick>
+              </a:rPr>
+              <a:t>https://www.youtube.com/watch?list=PL8BLGj0RyhMzNXX9gHBosWPRbqqn0gJUQ&amp;v=UOuRx9Ujsog&amp;feature=emb_logo</a:t>
+            </a:r>
+            <a:endParaRPr lang="en-US" dirty="0"/>
+          </a:p>
+          <a:p>
+            <a:pPr lvl="1"/>
+            <a:endParaRPr lang="en-US" dirty="0"/>
+          </a:p>
+        </p:txBody>
+      </p:sp>
+    </p:spTree>
+    <p:extLst>
+      <p:ext uri="{BB962C8B-B14F-4D97-AF65-F5344CB8AC3E}">
+        <p14:creationId xmlns:p14="http://schemas.microsoft.com/office/powerpoint/2010/main" val="1479138632"/>
+      </p:ext>
+    </p:extLst>
+  </p:cSld>
+  <p:clrMapOvr>
+    <a:masterClrMapping/>
+  </p:clrMapOvr>
+  <mc:AlternateContent xmlns:mc="http://schemas.openxmlformats.org/markup-compatibility/2006" xmlns:p14="http://schemas.microsoft.com/office/powerpoint/2010/main">
+    <mc:Choice Requires="p14">
+      <p:transition spd="med" p14:dur="700">
+        <p:fade/>
+      </p:transition>
+    </mc:Choice>
+    <mc:Fallback xmlns="">
+      <p:transition spd="med">
+        <p:fade/>
+      </p:transition>
+    </mc:Fallback>
+  </mc:AlternateContent>
+</p:sld>
+</file>
+
+<file path=ppt/slides/slide26.xml><?xml version="1.0" encoding="utf-8"?>
+<p:sld xmlns:a="http://schemas.openxmlformats.org/drawingml/2006/main" xmlns:r="http://schemas.openxmlformats.org/officeDocument/2006/relationships" xmlns:p="http://schemas.openxmlformats.org/presentationml/2006/main">
+  <p:cSld>
+    <p:spTree>
+      <p:nvGrpSpPr>
+        <p:cNvPr id="1" name=""/>
+        <p:cNvGrpSpPr/>
+        <p:nvPr/>
+      </p:nvGrpSpPr>
+      <p:grpSpPr>
+        <a:xfrm>
+          <a:off x="0" y="0"/>
+          <a:ext cx="0" cy="0"/>
+          <a:chOff x="0" y="0"/>
+          <a:chExt cx="0" cy="0"/>
+        </a:xfrm>
+      </p:grpSpPr>
+      <p:sp>
+        <p:nvSpPr>
+          <p:cNvPr id="2" name="Title 1"/>
+          <p:cNvSpPr>
+            <a:spLocks noGrp="1"/>
+          </p:cNvSpPr>
+          <p:nvPr>
+            <p:ph type="title"/>
+          </p:nvPr>
+        </p:nvSpPr>
+        <p:spPr/>
+        <p:txBody>
+          <a:bodyPr/>
+          <a:lstStyle/>
+          <a:p>
+            <a:r>
+              <a:rPr lang="en-US" dirty="0"/>
+              <a:t>Closed Loop Control</a:t>
+            </a:r>
+          </a:p>
+        </p:txBody>
+      </p:sp>
+      <p:sp>
+        <p:nvSpPr>
+          <p:cNvPr id="3" name="Content Placeholder 2"/>
+          <p:cNvSpPr>
+            <a:spLocks noGrp="1"/>
+          </p:cNvSpPr>
+          <p:nvPr>
+            <p:ph idx="1"/>
+          </p:nvPr>
+        </p:nvSpPr>
+        <p:spPr/>
+        <p:txBody>
+          <a:bodyPr/>
+          <a:lstStyle/>
+          <a:p>
+            <a:r>
+              <a:rPr lang="en-US" dirty="0"/>
+              <a:t>Open Loop:</a:t>
+            </a:r>
+          </a:p>
+          <a:p>
+            <a:endParaRPr lang="en-US" dirty="0"/>
+          </a:p>
+        </p:txBody>
+      </p:sp>
+      <p:pic>
+        <p:nvPicPr>
+          <p:cNvPr id="2050" name="Picture 2" descr="Image result for control types">
+            <a:extLst>
+              <a:ext uri="{FF2B5EF4-FFF2-40B4-BE49-F238E27FC236}">
+                <a16:creationId xmlns:a16="http://schemas.microsoft.com/office/drawing/2014/main" id="{BCEDCD2F-026A-4322-8F5A-AF0D43E5E26B}"/>
+              </a:ext>
+            </a:extLst>
+          </p:cNvPr>
+          <p:cNvPicPr>
+            <a:picLocks noChangeAspect="1" noChangeArrowheads="1"/>
+          </p:cNvPicPr>
+          <p:nvPr/>
+        </p:nvPicPr>
+        <p:blipFill rotWithShape="1">
+          <a:blip r:embed="rId3">
+            <a:extLst>
+              <a:ext uri="{28A0092B-C50C-407E-A947-70E740481C1C}">
+                <a14:useLocalDpi xmlns:a14="http://schemas.microsoft.com/office/drawing/2010/main" val="0"/>
+              </a:ext>
+            </a:extLst>
+          </a:blip>
+          <a:srcRect b="51372"/>
+          <a:stretch/>
+        </p:blipFill>
+        <p:spPr bwMode="auto">
+          <a:xfrm>
+            <a:off x="990600" y="2286000"/>
+            <a:ext cx="7162800" cy="2057400"/>
+          </a:xfrm>
+          <a:prstGeom prst="rect">
+            <a:avLst/>
+          </a:prstGeom>
+          <a:noFill/>
+          <a:extLst>
+            <a:ext uri="{909E8E84-426E-40DD-AFC4-6F175D3DCCD1}">
+              <a14:hiddenFill xmlns:a14="http://schemas.microsoft.com/office/drawing/2010/main">
+                <a:solidFill>
+                  <a:srgbClr val="FFFFFF"/>
+                </a:solidFill>
+              </a14:hiddenFill>
+            </a:ext>
+          </a:extLst>
+        </p:spPr>
+      </p:pic>
+    </p:spTree>
+    <p:extLst>
+      <p:ext uri="{BB962C8B-B14F-4D97-AF65-F5344CB8AC3E}">
+        <p14:creationId xmlns:p14="http://schemas.microsoft.com/office/powerpoint/2010/main" val="3785850038"/>
+      </p:ext>
+    </p:extLst>
+  </p:cSld>
+  <p:clrMapOvr>
+    <a:masterClrMapping/>
+  </p:clrMapOvr>
+  <mc:AlternateContent xmlns:mc="http://schemas.openxmlformats.org/markup-compatibility/2006" xmlns:p14="http://schemas.microsoft.com/office/powerpoint/2010/main">
+    <mc:Choice Requires="p14">
+      <p:transition spd="med" p14:dur="700">
+        <p:fade/>
+      </p:transition>
+    </mc:Choice>
+    <mc:Fallback xmlns="">
+      <p:transition spd="med">
+        <p:fade/>
+      </p:transition>
+    </mc:Fallback>
+  </mc:AlternateContent>
+</p:sld>
+</file>
+
+<file path=ppt/slides/slide27.xml><?xml version="1.0" encoding="utf-8"?>
+<p:sld xmlns:a="http://schemas.openxmlformats.org/drawingml/2006/main" xmlns:r="http://schemas.openxmlformats.org/officeDocument/2006/relationships" xmlns:p="http://schemas.openxmlformats.org/presentationml/2006/main">
+  <p:cSld>
+    <p:spTree>
+      <p:nvGrpSpPr>
+        <p:cNvPr id="1" name=""/>
+        <p:cNvGrpSpPr/>
+        <p:nvPr/>
+      </p:nvGrpSpPr>
+      <p:grpSpPr>
+        <a:xfrm>
+          <a:off x="0" y="0"/>
+          <a:ext cx="0" cy="0"/>
+          <a:chOff x="0" y="0"/>
+          <a:chExt cx="0" cy="0"/>
+        </a:xfrm>
+      </p:grpSpPr>
+      <p:sp>
+        <p:nvSpPr>
+          <p:cNvPr id="2" name="Title 1"/>
+          <p:cNvSpPr>
+            <a:spLocks noGrp="1"/>
+          </p:cNvSpPr>
+          <p:nvPr>
+            <p:ph type="title"/>
+          </p:nvPr>
+        </p:nvSpPr>
+        <p:spPr/>
+        <p:txBody>
+          <a:bodyPr/>
+          <a:lstStyle/>
+          <a:p>
+            <a:r>
+              <a:rPr lang="en-US" dirty="0"/>
+              <a:t>Closed Loop Control</a:t>
+            </a:r>
+          </a:p>
+        </p:txBody>
+      </p:sp>
+      <p:sp>
+        <p:nvSpPr>
+          <p:cNvPr id="3" name="Content Placeholder 2"/>
+          <p:cNvSpPr>
+            <a:spLocks noGrp="1"/>
+          </p:cNvSpPr>
+          <p:nvPr>
+            <p:ph idx="1"/>
+          </p:nvPr>
+        </p:nvSpPr>
+        <p:spPr/>
+        <p:txBody>
+          <a:bodyPr/>
+          <a:lstStyle/>
+          <a:p>
+            <a:r>
+              <a:rPr lang="en-US" dirty="0"/>
+              <a:t>Open Loop:</a:t>
+            </a:r>
+          </a:p>
+          <a:p>
+            <a:endParaRPr lang="en-US" dirty="0"/>
+          </a:p>
+        </p:txBody>
+      </p:sp>
+      <p:pic>
+        <p:nvPicPr>
+          <p:cNvPr id="2050" name="Picture 2" descr="Image result for control types">
+            <a:extLst>
+              <a:ext uri="{FF2B5EF4-FFF2-40B4-BE49-F238E27FC236}">
+                <a16:creationId xmlns:a16="http://schemas.microsoft.com/office/drawing/2014/main" id="{BCEDCD2F-026A-4322-8F5A-AF0D43E5E26B}"/>
+              </a:ext>
+            </a:extLst>
+          </p:cNvPr>
+          <p:cNvPicPr>
+            <a:picLocks noChangeAspect="1" noChangeArrowheads="1"/>
+          </p:cNvPicPr>
+          <p:nvPr/>
+        </p:nvPicPr>
+        <p:blipFill rotWithShape="1">
+          <a:blip r:embed="rId3">
+            <a:extLst>
+              <a:ext uri="{28A0092B-C50C-407E-A947-70E740481C1C}">
+                <a14:useLocalDpi xmlns:a14="http://schemas.microsoft.com/office/drawing/2010/main" val="0"/>
+              </a:ext>
+            </a:extLst>
+          </a:blip>
+          <a:srcRect b="51372"/>
+          <a:stretch/>
+        </p:blipFill>
+        <p:spPr bwMode="auto">
+          <a:xfrm>
+            <a:off x="990600" y="2286000"/>
+            <a:ext cx="7162800" cy="2057400"/>
+          </a:xfrm>
+          <a:prstGeom prst="rect">
+            <a:avLst/>
+          </a:prstGeom>
+          <a:noFill/>
+          <a:extLst>
+            <a:ext uri="{909E8E84-426E-40DD-AFC4-6F175D3DCCD1}">
+              <a14:hiddenFill xmlns:a14="http://schemas.microsoft.com/office/drawing/2010/main">
+                <a:solidFill>
+                  <a:srgbClr val="FFFFFF"/>
+                </a:solidFill>
+              </a14:hiddenFill>
+            </a:ext>
+          </a:extLst>
+        </p:spPr>
+      </p:pic>
+      <p:sp>
+        <p:nvSpPr>
+          <p:cNvPr id="4" name="TextBox 3">
+            <a:extLst>
+              <a:ext uri="{FF2B5EF4-FFF2-40B4-BE49-F238E27FC236}">
+                <a16:creationId xmlns:a16="http://schemas.microsoft.com/office/drawing/2014/main" id="{B0180AE6-E54E-420F-9298-5F38F13A4898}"/>
+              </a:ext>
+            </a:extLst>
+          </p:cNvPr>
+          <p:cNvSpPr txBox="1"/>
+          <p:nvPr/>
+        </p:nvSpPr>
+        <p:spPr>
+          <a:xfrm>
+            <a:off x="1295400" y="3657600"/>
+            <a:ext cx="990600" cy="369332"/>
+          </a:xfrm>
+          <a:prstGeom prst="rect">
+            <a:avLst/>
+          </a:prstGeom>
+          <a:noFill/>
+        </p:spPr>
+        <p:txBody>
+          <a:bodyPr wrap="square" rtlCol="0">
+            <a:spAutoFit/>
+          </a:bodyPr>
+          <a:lstStyle/>
+          <a:p>
+            <a:r>
+              <a:rPr lang="en-US" dirty="0">
+                <a:solidFill>
+                  <a:srgbClr val="C00000"/>
+                </a:solidFill>
+              </a:rPr>
+              <a:t>Joystick</a:t>
+            </a:r>
+          </a:p>
+        </p:txBody>
+      </p:sp>
+      <p:cxnSp>
+        <p:nvCxnSpPr>
+          <p:cNvPr id="6" name="Straight Arrow Connector 5">
+            <a:extLst>
+              <a:ext uri="{FF2B5EF4-FFF2-40B4-BE49-F238E27FC236}">
+                <a16:creationId xmlns:a16="http://schemas.microsoft.com/office/drawing/2014/main" id="{18DF8FA1-02C6-41F5-A3EE-6F4ED5230E41}"/>
+              </a:ext>
+            </a:extLst>
+          </p:cNvPr>
+          <p:cNvCxnSpPr/>
+          <p:nvPr/>
+        </p:nvCxnSpPr>
+        <p:spPr>
+          <a:xfrm flipH="1" flipV="1">
+            <a:off x="1600200" y="3048000"/>
+            <a:ext cx="152400" cy="609600"/>
+          </a:xfrm>
+          <a:prstGeom prst="straightConnector1">
+            <a:avLst/>
+          </a:prstGeom>
+          <a:ln w="28575">
+            <a:solidFill>
+              <a:srgbClr val="C00000"/>
+            </a:solidFill>
+            <a:tailEnd type="triangle"/>
+          </a:ln>
+        </p:spPr>
+        <p:style>
+          <a:lnRef idx="1">
+            <a:schemeClr val="accent1"/>
+          </a:lnRef>
+          <a:fillRef idx="0">
+            <a:schemeClr val="accent1"/>
+          </a:fillRef>
+          <a:effectRef idx="0">
+            <a:schemeClr val="accent1"/>
+          </a:effectRef>
+          <a:fontRef idx="minor">
+            <a:schemeClr val="tx1"/>
+          </a:fontRef>
+        </p:style>
+      </p:cxnSp>
+      <p:sp>
+        <p:nvSpPr>
+          <p:cNvPr id="8" name="TextBox 7">
+            <a:extLst>
+              <a:ext uri="{FF2B5EF4-FFF2-40B4-BE49-F238E27FC236}">
+                <a16:creationId xmlns:a16="http://schemas.microsoft.com/office/drawing/2014/main" id="{29808CEA-1E1E-46BC-A43B-0BEC9BFBBFDE}"/>
+              </a:ext>
+            </a:extLst>
+          </p:cNvPr>
+          <p:cNvSpPr txBox="1"/>
+          <p:nvPr/>
+        </p:nvSpPr>
+        <p:spPr>
+          <a:xfrm>
+            <a:off x="2400299" y="3657600"/>
+            <a:ext cx="1104895" cy="369332"/>
+          </a:xfrm>
+          <a:prstGeom prst="rect">
+            <a:avLst/>
+          </a:prstGeom>
+          <a:noFill/>
+        </p:spPr>
+        <p:txBody>
+          <a:bodyPr wrap="square" rtlCol="0">
+            <a:spAutoFit/>
+          </a:bodyPr>
+          <a:lstStyle/>
+          <a:p>
+            <a:r>
+              <a:rPr lang="en-US" dirty="0">
+                <a:solidFill>
+                  <a:srgbClr val="C00000"/>
+                </a:solidFill>
+              </a:rPr>
+              <a:t>Software</a:t>
+            </a:r>
+          </a:p>
+        </p:txBody>
+      </p:sp>
+      <p:cxnSp>
+        <p:nvCxnSpPr>
+          <p:cNvPr id="9" name="Straight Arrow Connector 8">
+            <a:extLst>
+              <a:ext uri="{FF2B5EF4-FFF2-40B4-BE49-F238E27FC236}">
+                <a16:creationId xmlns:a16="http://schemas.microsoft.com/office/drawing/2014/main" id="{EC067AC4-4958-44BA-B0C5-0AB59187CC4D}"/>
+              </a:ext>
+            </a:extLst>
+          </p:cNvPr>
+          <p:cNvCxnSpPr>
+            <a:cxnSpLocks/>
+          </p:cNvCxnSpPr>
+          <p:nvPr/>
+        </p:nvCxnSpPr>
+        <p:spPr>
+          <a:xfrm flipV="1">
+            <a:off x="2857500" y="3276600"/>
+            <a:ext cx="0" cy="381000"/>
+          </a:xfrm>
+          <a:prstGeom prst="straightConnector1">
+            <a:avLst/>
+          </a:prstGeom>
+          <a:ln w="28575">
+            <a:solidFill>
+              <a:srgbClr val="C00000"/>
+            </a:solidFill>
+            <a:tailEnd type="triangle"/>
+          </a:ln>
+        </p:spPr>
+        <p:style>
+          <a:lnRef idx="1">
+            <a:schemeClr val="accent1"/>
+          </a:lnRef>
+          <a:fillRef idx="0">
+            <a:schemeClr val="accent1"/>
+          </a:fillRef>
+          <a:effectRef idx="0">
+            <a:schemeClr val="accent1"/>
+          </a:effectRef>
+          <a:fontRef idx="minor">
+            <a:schemeClr val="tx1"/>
+          </a:fontRef>
+        </p:style>
+      </p:cxnSp>
+      <p:sp>
+        <p:nvSpPr>
+          <p:cNvPr id="11" name="TextBox 10">
+            <a:extLst>
+              <a:ext uri="{FF2B5EF4-FFF2-40B4-BE49-F238E27FC236}">
+                <a16:creationId xmlns:a16="http://schemas.microsoft.com/office/drawing/2014/main" id="{E8F165D4-AC8B-4953-A59B-87BEBF3C4DB7}"/>
+              </a:ext>
+            </a:extLst>
+          </p:cNvPr>
+          <p:cNvSpPr txBox="1"/>
+          <p:nvPr/>
+        </p:nvSpPr>
+        <p:spPr>
+          <a:xfrm>
+            <a:off x="5048248" y="3656542"/>
+            <a:ext cx="1733549" cy="369332"/>
+          </a:xfrm>
+          <a:prstGeom prst="rect">
+            <a:avLst/>
+          </a:prstGeom>
+          <a:noFill/>
+        </p:spPr>
+        <p:txBody>
+          <a:bodyPr wrap="square" rtlCol="0">
+            <a:spAutoFit/>
+          </a:bodyPr>
+          <a:lstStyle/>
+          <a:p>
+            <a:r>
+              <a:rPr lang="en-US" dirty="0">
+                <a:solidFill>
+                  <a:srgbClr val="C00000"/>
+                </a:solidFill>
+              </a:rPr>
+              <a:t>Motor controller</a:t>
+            </a:r>
+          </a:p>
+        </p:txBody>
+      </p:sp>
+      <p:cxnSp>
+        <p:nvCxnSpPr>
+          <p:cNvPr id="12" name="Straight Arrow Connector 11">
+            <a:extLst>
+              <a:ext uri="{FF2B5EF4-FFF2-40B4-BE49-F238E27FC236}">
+                <a16:creationId xmlns:a16="http://schemas.microsoft.com/office/drawing/2014/main" id="{43A05BDF-55FA-48C6-82DF-5612308897FD}"/>
+              </a:ext>
+            </a:extLst>
+          </p:cNvPr>
+          <p:cNvCxnSpPr>
+            <a:cxnSpLocks/>
+          </p:cNvCxnSpPr>
+          <p:nvPr/>
+        </p:nvCxnSpPr>
+        <p:spPr>
+          <a:xfrm flipV="1">
+            <a:off x="5505449" y="3275542"/>
+            <a:ext cx="0" cy="381000"/>
+          </a:xfrm>
+          <a:prstGeom prst="straightConnector1">
+            <a:avLst/>
+          </a:prstGeom>
+          <a:ln w="28575">
+            <a:solidFill>
+              <a:srgbClr val="C00000"/>
+            </a:solidFill>
+            <a:tailEnd type="triangle"/>
+          </a:ln>
+        </p:spPr>
+        <p:style>
+          <a:lnRef idx="1">
+            <a:schemeClr val="accent1"/>
+          </a:lnRef>
+          <a:fillRef idx="0">
+            <a:schemeClr val="accent1"/>
+          </a:fillRef>
+          <a:effectRef idx="0">
+            <a:schemeClr val="accent1"/>
+          </a:effectRef>
+          <a:fontRef idx="minor">
+            <a:schemeClr val="tx1"/>
+          </a:fontRef>
+        </p:style>
+      </p:cxnSp>
+      <p:sp>
+        <p:nvSpPr>
+          <p:cNvPr id="13" name="TextBox 12">
+            <a:extLst>
+              <a:ext uri="{FF2B5EF4-FFF2-40B4-BE49-F238E27FC236}">
+                <a16:creationId xmlns:a16="http://schemas.microsoft.com/office/drawing/2014/main" id="{E91A2B31-2D16-4AD3-AE1F-10A301604F1A}"/>
+              </a:ext>
+            </a:extLst>
+          </p:cNvPr>
+          <p:cNvSpPr txBox="1"/>
+          <p:nvPr/>
+        </p:nvSpPr>
+        <p:spPr>
+          <a:xfrm>
+            <a:off x="6895378" y="3656542"/>
+            <a:ext cx="1181822" cy="369332"/>
+          </a:xfrm>
+          <a:prstGeom prst="rect">
+            <a:avLst/>
+          </a:prstGeom>
+          <a:noFill/>
+        </p:spPr>
+        <p:txBody>
+          <a:bodyPr wrap="square" rtlCol="0">
+            <a:spAutoFit/>
+          </a:bodyPr>
+          <a:lstStyle/>
+          <a:p>
+            <a:r>
+              <a:rPr lang="en-US" dirty="0">
+                <a:solidFill>
+                  <a:srgbClr val="C00000"/>
+                </a:solidFill>
+              </a:rPr>
+              <a:t>Robot arm</a:t>
+            </a:r>
+          </a:p>
+        </p:txBody>
+      </p:sp>
+      <p:cxnSp>
+        <p:nvCxnSpPr>
+          <p:cNvPr id="14" name="Straight Arrow Connector 13">
+            <a:extLst>
+              <a:ext uri="{FF2B5EF4-FFF2-40B4-BE49-F238E27FC236}">
+                <a16:creationId xmlns:a16="http://schemas.microsoft.com/office/drawing/2014/main" id="{027CD709-B887-4F80-92FE-02834A20D59B}"/>
+              </a:ext>
+            </a:extLst>
+          </p:cNvPr>
+          <p:cNvCxnSpPr>
+            <a:cxnSpLocks/>
+          </p:cNvCxnSpPr>
+          <p:nvPr/>
+        </p:nvCxnSpPr>
+        <p:spPr>
+          <a:xfrm flipV="1">
+            <a:off x="7352578" y="3275542"/>
+            <a:ext cx="0" cy="381000"/>
+          </a:xfrm>
+          <a:prstGeom prst="straightConnector1">
+            <a:avLst/>
+          </a:prstGeom>
+          <a:ln w="28575">
+            <a:solidFill>
+              <a:srgbClr val="C00000"/>
+            </a:solidFill>
+            <a:tailEnd type="triangle"/>
+          </a:ln>
+        </p:spPr>
+        <p:style>
+          <a:lnRef idx="1">
+            <a:schemeClr val="accent1"/>
+          </a:lnRef>
+          <a:fillRef idx="0">
+            <a:schemeClr val="accent1"/>
+          </a:fillRef>
+          <a:effectRef idx="0">
+            <a:schemeClr val="accent1"/>
+          </a:effectRef>
+          <a:fontRef idx="minor">
+            <a:schemeClr val="tx1"/>
+          </a:fontRef>
+        </p:style>
+      </p:cxnSp>
+    </p:spTree>
+    <p:extLst>
+      <p:ext uri="{BB962C8B-B14F-4D97-AF65-F5344CB8AC3E}">
+        <p14:creationId xmlns:p14="http://schemas.microsoft.com/office/powerpoint/2010/main" val="2106161587"/>
+      </p:ext>
+    </p:extLst>
+  </p:cSld>
+  <p:clrMapOvr>
+    <a:masterClrMapping/>
+  </p:clrMapOvr>
+  <mc:AlternateContent xmlns:mc="http://schemas.openxmlformats.org/markup-compatibility/2006" xmlns:p14="http://schemas.microsoft.com/office/powerpoint/2010/main">
+    <mc:Choice Requires="p14">
+      <p:transition spd="med" p14:dur="700">
+        <p:fade/>
+      </p:transition>
+    </mc:Choice>
+    <mc:Fallback xmlns="">
+      <p:transition spd="med">
+        <p:fade/>
+      </p:transition>
+    </mc:Fallback>
+  </mc:AlternateContent>
+  <p:timing>
+    <p:tnLst>
+      <p:par>
+        <p:cTn id="1" dur="indefinite" restart="never" nodeType="tmRoot">
+          <p:childTnLst>
+            <p:seq concurrent="1" nextAc="seek">
+              <p:cTn id="2" dur="indefinite" nodeType="mainSeq">
+                <p:childTnLst>
+                  <p:par>
+                    <p:cTn id="3" fill="hold">
+                      <p:stCondLst>
+                        <p:cond delay="indefinite"/>
+                      </p:stCondLst>
+                      <p:childTnLst>
+                        <p:par>
+                          <p:cTn id="4" fill="hold">
+                            <p:stCondLst>
+                              <p:cond delay="0"/>
+                            </p:stCondLst>
+                            <p:childTnLst>
+                              <p:par>
+                                <p:cTn id="5" presetID="10" presetClass="entr" presetSubtype="0" fill="hold" nodeType="clickEffect">
+                                  <p:stCondLst>
+                                    <p:cond delay="0"/>
+                                  </p:stCondLst>
+                                  <p:childTnLst>
+                                    <p:set>
+                                      <p:cBhvr>
+                                        <p:cTn id="6" dur="1" fill="hold">
+                                          <p:stCondLst>
+                                            <p:cond delay="0"/>
+                                          </p:stCondLst>
+                                        </p:cTn>
+                                        <p:tgtEl>
+                                          <p:spTgt spid="9"/>
+                                        </p:tgtEl>
+                                        <p:attrNameLst>
+                                          <p:attrName>style.visibility</p:attrName>
+                                        </p:attrNameLst>
+                                      </p:cBhvr>
+                                      <p:to>
+                                        <p:strVal val="visible"/>
+                                      </p:to>
+                                    </p:set>
+                                    <p:animEffect transition="in" filter="fade">
+                                      <p:cBhvr>
+                                        <p:cTn id="7" dur="500"/>
+                                        <p:tgtEl>
+                                          <p:spTgt spid="9"/>
+                                        </p:tgtEl>
+                                      </p:cBhvr>
+                                    </p:animEffect>
+                                  </p:childTnLst>
+                                </p:cTn>
+                              </p:par>
+                              <p:par>
+                                <p:cTn id="8" presetID="10" presetClass="entr" presetSubtype="0" fill="hold" grpId="0" nodeType="withEffect">
+                                  <p:stCondLst>
+                                    <p:cond delay="0"/>
+                                  </p:stCondLst>
+                                  <p:childTnLst>
+                                    <p:set>
+                                      <p:cBhvr>
+                                        <p:cTn id="9" dur="1" fill="hold">
+                                          <p:stCondLst>
+                                            <p:cond delay="0"/>
+                                          </p:stCondLst>
+                                        </p:cTn>
+                                        <p:tgtEl>
+                                          <p:spTgt spid="8"/>
+                                        </p:tgtEl>
+                                        <p:attrNameLst>
+                                          <p:attrName>style.visibility</p:attrName>
+                                        </p:attrNameLst>
+                                      </p:cBhvr>
+                                      <p:to>
+                                        <p:strVal val="visible"/>
+                                      </p:to>
+                                    </p:set>
+                                    <p:animEffect transition="in" filter="fade">
+                                      <p:cBhvr>
+                                        <p:cTn id="10" dur="500"/>
+                                        <p:tgtEl>
+                                          <p:spTgt spid="8"/>
+                                        </p:tgtEl>
+                                      </p:cBhvr>
+                                    </p:animEffect>
+                                  </p:childTnLst>
+                                </p:cTn>
+                              </p:par>
+                            </p:childTnLst>
+                          </p:cTn>
+                        </p:par>
+                      </p:childTnLst>
+                    </p:cTn>
+                  </p:par>
+                  <p:par>
+                    <p:cTn id="11" fill="hold">
+                      <p:stCondLst>
+                        <p:cond delay="indefinite"/>
+                      </p:stCondLst>
+                      <p:childTnLst>
+                        <p:par>
+                          <p:cTn id="12" fill="hold">
+                            <p:stCondLst>
+                              <p:cond delay="0"/>
+                            </p:stCondLst>
+                            <p:childTnLst>
+                              <p:par>
+                                <p:cTn id="13" presetID="10" presetClass="entr" presetSubtype="0" fill="hold" nodeType="clickEffect">
+                                  <p:stCondLst>
+                                    <p:cond delay="0"/>
+                                  </p:stCondLst>
+                                  <p:childTnLst>
+                                    <p:set>
+                                      <p:cBhvr>
+                                        <p:cTn id="14" dur="1" fill="hold">
+                                          <p:stCondLst>
+                                            <p:cond delay="0"/>
+                                          </p:stCondLst>
+                                        </p:cTn>
+                                        <p:tgtEl>
+                                          <p:spTgt spid="12"/>
+                                        </p:tgtEl>
+                                        <p:attrNameLst>
+                                          <p:attrName>style.visibility</p:attrName>
+                                        </p:attrNameLst>
+                                      </p:cBhvr>
+                                      <p:to>
+                                        <p:strVal val="visible"/>
+                                      </p:to>
+                                    </p:set>
+                                    <p:animEffect transition="in" filter="fade">
+                                      <p:cBhvr>
+                                        <p:cTn id="15" dur="500"/>
+                                        <p:tgtEl>
+                                          <p:spTgt spid="12"/>
+                                        </p:tgtEl>
+                                      </p:cBhvr>
+                                    </p:animEffect>
+                                  </p:childTnLst>
+                                </p:cTn>
+                              </p:par>
+                              <p:par>
+                                <p:cTn id="16" presetID="10" presetClass="entr" presetSubtype="0" fill="hold" grpId="0" nodeType="withEffect">
+                                  <p:stCondLst>
+                                    <p:cond delay="0"/>
+                                  </p:stCondLst>
+                                  <p:childTnLst>
+                                    <p:set>
+                                      <p:cBhvr>
+                                        <p:cTn id="17" dur="1" fill="hold">
+                                          <p:stCondLst>
+                                            <p:cond delay="0"/>
+                                          </p:stCondLst>
+                                        </p:cTn>
+                                        <p:tgtEl>
+                                          <p:spTgt spid="11"/>
+                                        </p:tgtEl>
+                                        <p:attrNameLst>
+                                          <p:attrName>style.visibility</p:attrName>
+                                        </p:attrNameLst>
+                                      </p:cBhvr>
+                                      <p:to>
+                                        <p:strVal val="visible"/>
+                                      </p:to>
+                                    </p:set>
+                                    <p:animEffect transition="in" filter="fade">
+                                      <p:cBhvr>
+                                        <p:cTn id="18" dur="500"/>
+                                        <p:tgtEl>
+                                          <p:spTgt spid="11"/>
+                                        </p:tgtEl>
+                                      </p:cBhvr>
+                                    </p:animEffect>
+                                  </p:childTnLst>
+                                </p:cTn>
+                              </p:par>
+                            </p:childTnLst>
+                          </p:cTn>
+                        </p:par>
+                      </p:childTnLst>
+                    </p:cTn>
+                  </p:par>
+                  <p:par>
+                    <p:cTn id="19" fill="hold">
+                      <p:stCondLst>
+                        <p:cond delay="indefinite"/>
+                      </p:stCondLst>
+                      <p:childTnLst>
+                        <p:par>
+                          <p:cTn id="20" fill="hold">
+                            <p:stCondLst>
+                              <p:cond delay="0"/>
+                            </p:stCondLst>
+                            <p:childTnLst>
+                              <p:par>
+                                <p:cTn id="21" presetID="10" presetClass="entr" presetSubtype="0" fill="hold" nodeType="clickEffect">
+                                  <p:stCondLst>
+                                    <p:cond delay="0"/>
+                                  </p:stCondLst>
+                                  <p:childTnLst>
+                                    <p:set>
+                                      <p:cBhvr>
+                                        <p:cTn id="22" dur="1" fill="hold">
+                                          <p:stCondLst>
+                                            <p:cond delay="0"/>
+                                          </p:stCondLst>
+                                        </p:cTn>
+                                        <p:tgtEl>
+                                          <p:spTgt spid="14"/>
+                                        </p:tgtEl>
+                                        <p:attrNameLst>
+                                          <p:attrName>style.visibility</p:attrName>
+                                        </p:attrNameLst>
+                                      </p:cBhvr>
+                                      <p:to>
+                                        <p:strVal val="visible"/>
+                                      </p:to>
+                                    </p:set>
+                                    <p:animEffect transition="in" filter="fade">
+                                      <p:cBhvr>
+                                        <p:cTn id="23" dur="500"/>
+                                        <p:tgtEl>
+                                          <p:spTgt spid="14"/>
+                                        </p:tgtEl>
+                                      </p:cBhvr>
+                                    </p:animEffect>
+                                  </p:childTnLst>
+                                </p:cTn>
+                              </p:par>
+                              <p:par>
+                                <p:cTn id="24" presetID="10" presetClass="entr" presetSubtype="0" fill="hold" grpId="0" nodeType="withEffect">
+                                  <p:stCondLst>
+                                    <p:cond delay="0"/>
+                                  </p:stCondLst>
+                                  <p:childTnLst>
+                                    <p:set>
+                                      <p:cBhvr>
+                                        <p:cTn id="25" dur="1" fill="hold">
+                                          <p:stCondLst>
+                                            <p:cond delay="0"/>
+                                          </p:stCondLst>
+                                        </p:cTn>
+                                        <p:tgtEl>
+                                          <p:spTgt spid="13"/>
+                                        </p:tgtEl>
+                                        <p:attrNameLst>
+                                          <p:attrName>style.visibility</p:attrName>
+                                        </p:attrNameLst>
+                                      </p:cBhvr>
+                                      <p:to>
+                                        <p:strVal val="visible"/>
+                                      </p:to>
+                                    </p:set>
+                                    <p:animEffect transition="in" filter="fade">
+                                      <p:cBhvr>
+                                        <p:cTn id="26" dur="500"/>
+                                        <p:tgtEl>
+                                          <p:spTgt spid="13"/>
+                                        </p:tgtEl>
+                                      </p:cBhvr>
+                                    </p:animEffect>
+                                  </p:childTnLst>
+                                </p:cTn>
+                              </p:par>
+                            </p:childTnLst>
+                          </p:cTn>
+                        </p:par>
+                      </p:childTnLst>
+                    </p:cTn>
+                  </p:par>
+                </p:childTnLst>
+              </p:cTn>
+              <p:prevCondLst>
+                <p:cond evt="onPrev" delay="0">
+                  <p:tgtEl>
+                    <p:sldTgt/>
+                  </p:tgtEl>
+                </p:cond>
+              </p:prevCondLst>
+              <p:nextCondLst>
+                <p:cond evt="onNext" delay="0">
+                  <p:tgtEl>
+                    <p:sldTgt/>
+                  </p:tgtEl>
+                </p:cond>
+              </p:nextCondLst>
+            </p:seq>
+          </p:childTnLst>
+        </p:cTn>
+      </p:par>
+    </p:tnLst>
+    <p:bldLst>
+      <p:bldP spid="8" grpId="0"/>
+      <p:bldP spid="11" grpId="0"/>
+      <p:bldP spid="13" grpId="0"/>
+    </p:bldLst>
+  </p:timing>
+</p:sld>
+</file>
+
+<file path=ppt/slides/slide28.xml><?xml version="1.0" encoding="utf-8"?>
+<p:sld xmlns:a="http://schemas.openxmlformats.org/drawingml/2006/main" xmlns:r="http://schemas.openxmlformats.org/officeDocument/2006/relationships" xmlns:p="http://schemas.openxmlformats.org/presentationml/2006/main">
+  <p:cSld>
+    <p:spTree>
+      <p:nvGrpSpPr>
+        <p:cNvPr id="1" name=""/>
+        <p:cNvGrpSpPr/>
+        <p:nvPr/>
+      </p:nvGrpSpPr>
+      <p:grpSpPr>
+        <a:xfrm>
+          <a:off x="0" y="0"/>
+          <a:ext cx="0" cy="0"/>
+          <a:chOff x="0" y="0"/>
+          <a:chExt cx="0" cy="0"/>
+        </a:xfrm>
+      </p:grpSpPr>
+      <p:sp>
+        <p:nvSpPr>
+          <p:cNvPr id="2" name="Title 1"/>
+          <p:cNvSpPr>
+            <a:spLocks noGrp="1"/>
+          </p:cNvSpPr>
+          <p:nvPr>
+            <p:ph type="title"/>
+          </p:nvPr>
+        </p:nvSpPr>
+        <p:spPr/>
+        <p:txBody>
+          <a:bodyPr/>
+          <a:lstStyle/>
+          <a:p>
+            <a:r>
+              <a:rPr lang="en-US" dirty="0"/>
+              <a:t>Closed Loop Control</a:t>
+            </a:r>
+          </a:p>
+        </p:txBody>
+      </p:sp>
+      <p:sp>
+        <p:nvSpPr>
+          <p:cNvPr id="3" name="Content Placeholder 2"/>
+          <p:cNvSpPr>
+            <a:spLocks noGrp="1"/>
+          </p:cNvSpPr>
+          <p:nvPr>
+            <p:ph idx="1"/>
+          </p:nvPr>
+        </p:nvSpPr>
+        <p:spPr/>
+        <p:txBody>
+          <a:bodyPr/>
+          <a:lstStyle/>
+          <a:p>
+            <a:r>
+              <a:rPr lang="en-US" dirty="0"/>
+              <a:t>Open Loop</a:t>
+            </a:r>
+          </a:p>
+          <a:p>
+            <a:r>
+              <a:rPr lang="en-US" dirty="0"/>
+              <a:t>Closed Loop</a:t>
+            </a:r>
+          </a:p>
+          <a:p>
+            <a:endParaRPr lang="en-US" dirty="0"/>
+          </a:p>
+        </p:txBody>
+      </p:sp>
+      <p:pic>
+        <p:nvPicPr>
+          <p:cNvPr id="2050" name="Picture 2" descr="Image result for control types">
+            <a:extLst>
+              <a:ext uri="{FF2B5EF4-FFF2-40B4-BE49-F238E27FC236}">
+                <a16:creationId xmlns:a16="http://schemas.microsoft.com/office/drawing/2014/main" id="{BCEDCD2F-026A-4322-8F5A-AF0D43E5E26B}"/>
+              </a:ext>
+            </a:extLst>
+          </p:cNvPr>
+          <p:cNvPicPr>
+            <a:picLocks noChangeAspect="1" noChangeArrowheads="1"/>
+          </p:cNvPicPr>
+          <p:nvPr/>
+        </p:nvPicPr>
+        <p:blipFill rotWithShape="1">
+          <a:blip r:embed="rId3">
+            <a:extLst>
+              <a:ext uri="{28A0092B-C50C-407E-A947-70E740481C1C}">
+                <a14:useLocalDpi xmlns:a14="http://schemas.microsoft.com/office/drawing/2010/main" val="0"/>
+              </a:ext>
+            </a:extLst>
+          </a:blip>
+          <a:srcRect t="50429" b="12900"/>
+          <a:stretch/>
+        </p:blipFill>
+        <p:spPr bwMode="auto">
+          <a:xfrm>
+            <a:off x="1066800" y="2971800"/>
+            <a:ext cx="7162800" cy="1551495"/>
+          </a:xfrm>
+          <a:prstGeom prst="rect">
+            <a:avLst/>
+          </a:prstGeom>
+          <a:noFill/>
+          <a:extLst>
+            <a:ext uri="{909E8E84-426E-40DD-AFC4-6F175D3DCCD1}">
+              <a14:hiddenFill xmlns:a14="http://schemas.microsoft.com/office/drawing/2010/main">
+                <a:solidFill>
+                  <a:srgbClr val="FFFFFF"/>
+                </a:solidFill>
+              </a14:hiddenFill>
+            </a:ext>
+          </a:extLst>
+        </p:spPr>
+      </p:pic>
+      <p:sp>
+        <p:nvSpPr>
+          <p:cNvPr id="4" name="Rectangle 3">
+            <a:extLst>
+              <a:ext uri="{FF2B5EF4-FFF2-40B4-BE49-F238E27FC236}">
+                <a16:creationId xmlns:a16="http://schemas.microsoft.com/office/drawing/2014/main" id="{D0BDDA82-6C91-4F3A-9566-C20B97E02B67}"/>
+              </a:ext>
+            </a:extLst>
+          </p:cNvPr>
+          <p:cNvSpPr/>
+          <p:nvPr/>
+        </p:nvSpPr>
+        <p:spPr>
+          <a:xfrm>
+            <a:off x="1066800" y="4315905"/>
+            <a:ext cx="7162800" cy="1551495"/>
+          </a:xfrm>
+          <a:prstGeom prst="rect">
+            <a:avLst/>
+          </a:prstGeom>
+          <a:solidFill>
+            <a:schemeClr val="tx1"/>
+          </a:solidFill>
+          <a:ln>
+            <a:noFill/>
+          </a:ln>
+        </p:spPr>
+        <p:style>
+          <a:lnRef idx="2">
+            <a:schemeClr val="accent1">
+              <a:shade val="50000"/>
+            </a:schemeClr>
+          </a:lnRef>
+          <a:fillRef idx="1">
+            <a:schemeClr val="accent1"/>
+          </a:fillRef>
+          <a:effectRef idx="0">
+            <a:schemeClr val="accent1"/>
+          </a:effectRef>
+          <a:fontRef idx="minor">
+            <a:schemeClr val="lt1"/>
+          </a:fontRef>
+        </p:style>
+        <p:txBody>
+          <a:bodyPr rtlCol="0" anchor="ctr"/>
+          <a:lstStyle/>
+          <a:p>
+            <a:pPr algn="ctr"/>
+            <a:endParaRPr lang="en-US"/>
+          </a:p>
+        </p:txBody>
+      </p:sp>
+      <p:sp>
+        <p:nvSpPr>
+          <p:cNvPr id="5" name="TextBox 4">
+            <a:extLst>
+              <a:ext uri="{FF2B5EF4-FFF2-40B4-BE49-F238E27FC236}">
+                <a16:creationId xmlns:a16="http://schemas.microsoft.com/office/drawing/2014/main" id="{9F9B6CAA-D7C1-4E39-A618-79D224B7B40C}"/>
+              </a:ext>
+            </a:extLst>
+          </p:cNvPr>
+          <p:cNvSpPr txBox="1"/>
+          <p:nvPr/>
+        </p:nvSpPr>
+        <p:spPr>
+          <a:xfrm>
+            <a:off x="1225112" y="4576266"/>
+            <a:ext cx="990600" cy="369332"/>
+          </a:xfrm>
+          <a:prstGeom prst="rect">
+            <a:avLst/>
+          </a:prstGeom>
+          <a:noFill/>
+        </p:spPr>
+        <p:txBody>
+          <a:bodyPr wrap="square" rtlCol="0">
+            <a:spAutoFit/>
+          </a:bodyPr>
+          <a:lstStyle/>
+          <a:p>
+            <a:r>
+              <a:rPr lang="en-US" dirty="0">
+                <a:solidFill>
+                  <a:srgbClr val="C00000"/>
+                </a:solidFill>
+              </a:rPr>
+              <a:t>Joystick</a:t>
+            </a:r>
+          </a:p>
+        </p:txBody>
+      </p:sp>
+      <p:cxnSp>
+        <p:nvCxnSpPr>
+          <p:cNvPr id="8" name="Straight Arrow Connector 7">
+            <a:extLst>
+              <a:ext uri="{FF2B5EF4-FFF2-40B4-BE49-F238E27FC236}">
+                <a16:creationId xmlns:a16="http://schemas.microsoft.com/office/drawing/2014/main" id="{9F521B93-0770-406B-BCBA-568E0262780B}"/>
+              </a:ext>
+            </a:extLst>
+          </p:cNvPr>
+          <p:cNvCxnSpPr>
+            <a:cxnSpLocks/>
+            <a:stCxn id="7" idx="1"/>
+          </p:cNvCxnSpPr>
+          <p:nvPr/>
+        </p:nvCxnSpPr>
+        <p:spPr>
+          <a:xfrm flipH="1">
+            <a:off x="6705601" y="3314171"/>
+            <a:ext cx="460580" cy="114829"/>
+          </a:xfrm>
+          <a:prstGeom prst="straightConnector1">
+            <a:avLst/>
+          </a:prstGeom>
+          <a:ln w="28575">
+            <a:solidFill>
+              <a:srgbClr val="C00000"/>
+            </a:solidFill>
+            <a:tailEnd type="triangle"/>
+          </a:ln>
+        </p:spPr>
+        <p:style>
+          <a:lnRef idx="1">
+            <a:schemeClr val="accent1"/>
+          </a:lnRef>
+          <a:fillRef idx="0">
+            <a:schemeClr val="accent1"/>
+          </a:fillRef>
+          <a:effectRef idx="0">
+            <a:schemeClr val="accent1"/>
+          </a:effectRef>
+          <a:fontRef idx="minor">
+            <a:schemeClr val="tx1"/>
+          </a:fontRef>
+        </p:style>
+      </p:cxnSp>
+      <p:cxnSp>
+        <p:nvCxnSpPr>
+          <p:cNvPr id="6" name="Straight Arrow Connector 5">
+            <a:extLst>
+              <a:ext uri="{FF2B5EF4-FFF2-40B4-BE49-F238E27FC236}">
+                <a16:creationId xmlns:a16="http://schemas.microsoft.com/office/drawing/2014/main" id="{EBE44DC4-303A-4211-91E4-CEADFE48F7E1}"/>
+              </a:ext>
+            </a:extLst>
+          </p:cNvPr>
+          <p:cNvCxnSpPr>
+            <a:cxnSpLocks/>
+          </p:cNvCxnSpPr>
+          <p:nvPr/>
+        </p:nvCxnSpPr>
+        <p:spPr>
+          <a:xfrm flipH="1" flipV="1">
+            <a:off x="1662834" y="4237354"/>
+            <a:ext cx="1" cy="327246"/>
+          </a:xfrm>
+          <a:prstGeom prst="straightConnector1">
+            <a:avLst/>
+          </a:prstGeom>
+          <a:ln w="28575">
+            <a:solidFill>
+              <a:srgbClr val="C00000"/>
+            </a:solidFill>
+            <a:tailEnd type="triangle"/>
+          </a:ln>
+        </p:spPr>
+        <p:style>
+          <a:lnRef idx="1">
+            <a:schemeClr val="accent1"/>
+          </a:lnRef>
+          <a:fillRef idx="0">
+            <a:schemeClr val="accent1"/>
+          </a:fillRef>
+          <a:effectRef idx="0">
+            <a:schemeClr val="accent1"/>
+          </a:effectRef>
+          <a:fontRef idx="minor">
+            <a:schemeClr val="tx1"/>
+          </a:fontRef>
+        </p:style>
+      </p:cxnSp>
+      <p:sp>
+        <p:nvSpPr>
+          <p:cNvPr id="7" name="TextBox 6">
+            <a:extLst>
+              <a:ext uri="{FF2B5EF4-FFF2-40B4-BE49-F238E27FC236}">
+                <a16:creationId xmlns:a16="http://schemas.microsoft.com/office/drawing/2014/main" id="{A7E71386-D97C-4602-B677-9E58212BA6A2}"/>
+              </a:ext>
+            </a:extLst>
+          </p:cNvPr>
+          <p:cNvSpPr txBox="1"/>
+          <p:nvPr/>
+        </p:nvSpPr>
+        <p:spPr>
+          <a:xfrm>
+            <a:off x="7166181" y="3129505"/>
+            <a:ext cx="1104895" cy="369332"/>
+          </a:xfrm>
+          <a:prstGeom prst="rect">
+            <a:avLst/>
+          </a:prstGeom>
+          <a:noFill/>
+        </p:spPr>
+        <p:txBody>
+          <a:bodyPr wrap="square" rtlCol="0">
+            <a:spAutoFit/>
+          </a:bodyPr>
+          <a:lstStyle/>
+          <a:p>
+            <a:r>
+              <a:rPr lang="en-US" dirty="0">
+                <a:solidFill>
+                  <a:srgbClr val="C00000"/>
+                </a:solidFill>
+              </a:rPr>
+              <a:t>Sensor</a:t>
+            </a:r>
+          </a:p>
+        </p:txBody>
+      </p:sp>
+      <p:sp>
+        <p:nvSpPr>
+          <p:cNvPr id="9" name="TextBox 8">
+            <a:extLst>
+              <a:ext uri="{FF2B5EF4-FFF2-40B4-BE49-F238E27FC236}">
+                <a16:creationId xmlns:a16="http://schemas.microsoft.com/office/drawing/2014/main" id="{41B2282C-FE0B-4A3F-923A-9C9D9C34BCB4}"/>
+              </a:ext>
+            </a:extLst>
+          </p:cNvPr>
+          <p:cNvSpPr txBox="1"/>
+          <p:nvPr/>
+        </p:nvSpPr>
+        <p:spPr>
+          <a:xfrm>
+            <a:off x="2138664" y="4569786"/>
+            <a:ext cx="1733549" cy="369332"/>
+          </a:xfrm>
+          <a:prstGeom prst="rect">
+            <a:avLst/>
+          </a:prstGeom>
+          <a:noFill/>
+        </p:spPr>
+        <p:txBody>
+          <a:bodyPr wrap="square" rtlCol="0">
+            <a:spAutoFit/>
+          </a:bodyPr>
+          <a:lstStyle/>
+          <a:p>
+            <a:r>
+              <a:rPr lang="en-US" dirty="0">
+                <a:solidFill>
+                  <a:srgbClr val="C00000"/>
+                </a:solidFill>
+              </a:rPr>
+              <a:t>“Combined”</a:t>
+            </a:r>
+          </a:p>
+        </p:txBody>
+      </p:sp>
+      <p:sp>
+        <p:nvSpPr>
+          <p:cNvPr id="11" name="TextBox 10">
+            <a:extLst>
+              <a:ext uri="{FF2B5EF4-FFF2-40B4-BE49-F238E27FC236}">
+                <a16:creationId xmlns:a16="http://schemas.microsoft.com/office/drawing/2014/main" id="{47992F89-84D9-493E-9CA7-BC7E4B218745}"/>
+              </a:ext>
+            </a:extLst>
+          </p:cNvPr>
+          <p:cNvSpPr txBox="1"/>
+          <p:nvPr/>
+        </p:nvSpPr>
+        <p:spPr>
+          <a:xfrm>
+            <a:off x="3747908" y="4569786"/>
+            <a:ext cx="1181822" cy="369332"/>
+          </a:xfrm>
+          <a:prstGeom prst="rect">
+            <a:avLst/>
+          </a:prstGeom>
+          <a:noFill/>
+        </p:spPr>
+        <p:txBody>
+          <a:bodyPr wrap="square" rtlCol="0">
+            <a:spAutoFit/>
+          </a:bodyPr>
+          <a:lstStyle/>
+          <a:p>
+            <a:r>
+              <a:rPr lang="en-US" dirty="0">
+                <a:solidFill>
+                  <a:srgbClr val="C00000"/>
+                </a:solidFill>
+              </a:rPr>
+              <a:t>Software</a:t>
+            </a:r>
+          </a:p>
+        </p:txBody>
+      </p:sp>
+      <p:cxnSp>
+        <p:nvCxnSpPr>
+          <p:cNvPr id="10" name="Straight Arrow Connector 9">
+            <a:extLst>
+              <a:ext uri="{FF2B5EF4-FFF2-40B4-BE49-F238E27FC236}">
+                <a16:creationId xmlns:a16="http://schemas.microsoft.com/office/drawing/2014/main" id="{D142F8DB-E274-4E12-9900-BADD82CEC5A7}"/>
+              </a:ext>
+            </a:extLst>
+          </p:cNvPr>
+          <p:cNvCxnSpPr>
+            <a:cxnSpLocks/>
+          </p:cNvCxnSpPr>
+          <p:nvPr/>
+        </p:nvCxnSpPr>
+        <p:spPr>
+          <a:xfrm flipV="1">
+            <a:off x="2464204" y="4237354"/>
+            <a:ext cx="0" cy="381000"/>
+          </a:xfrm>
+          <a:prstGeom prst="straightConnector1">
+            <a:avLst/>
+          </a:prstGeom>
+          <a:ln w="28575">
+            <a:solidFill>
+              <a:srgbClr val="C00000"/>
+            </a:solidFill>
+            <a:tailEnd type="triangle"/>
+          </a:ln>
+        </p:spPr>
+        <p:style>
+          <a:lnRef idx="1">
+            <a:schemeClr val="accent1"/>
+          </a:lnRef>
+          <a:fillRef idx="0">
+            <a:schemeClr val="accent1"/>
+          </a:fillRef>
+          <a:effectRef idx="0">
+            <a:schemeClr val="accent1"/>
+          </a:effectRef>
+          <a:fontRef idx="minor">
+            <a:schemeClr val="tx1"/>
+          </a:fontRef>
+        </p:style>
+      </p:cxnSp>
+      <p:cxnSp>
+        <p:nvCxnSpPr>
+          <p:cNvPr id="12" name="Straight Arrow Connector 11">
+            <a:extLst>
+              <a:ext uri="{FF2B5EF4-FFF2-40B4-BE49-F238E27FC236}">
+                <a16:creationId xmlns:a16="http://schemas.microsoft.com/office/drawing/2014/main" id="{6D07EBFA-A8DC-4964-B5A8-76C124ED4D82}"/>
+              </a:ext>
+            </a:extLst>
+          </p:cNvPr>
+          <p:cNvCxnSpPr>
+            <a:cxnSpLocks/>
+            <a:stCxn id="11" idx="0"/>
+          </p:cNvCxnSpPr>
+          <p:nvPr/>
+        </p:nvCxnSpPr>
+        <p:spPr>
+          <a:xfrm flipV="1">
+            <a:off x="4338819" y="4314769"/>
+            <a:ext cx="0" cy="255017"/>
+          </a:xfrm>
+          <a:prstGeom prst="straightConnector1">
+            <a:avLst/>
+          </a:prstGeom>
+          <a:ln w="28575">
+            <a:solidFill>
+              <a:srgbClr val="C00000"/>
+            </a:solidFill>
+            <a:tailEnd type="triangle"/>
+          </a:ln>
+        </p:spPr>
+        <p:style>
+          <a:lnRef idx="1">
+            <a:schemeClr val="accent1"/>
+          </a:lnRef>
+          <a:fillRef idx="0">
+            <a:schemeClr val="accent1"/>
+          </a:fillRef>
+          <a:effectRef idx="0">
+            <a:schemeClr val="accent1"/>
+          </a:effectRef>
+          <a:fontRef idx="minor">
+            <a:schemeClr val="tx1"/>
+          </a:fontRef>
+        </p:style>
+      </p:cxnSp>
+      <p:pic>
+        <p:nvPicPr>
+          <p:cNvPr id="14" name="Picture 2" descr="Image result for control types">
+            <a:extLst>
+              <a:ext uri="{FF2B5EF4-FFF2-40B4-BE49-F238E27FC236}">
+                <a16:creationId xmlns:a16="http://schemas.microsoft.com/office/drawing/2014/main" id="{D13484E2-5FC1-4F76-A389-7FB9CB3EF9D3}"/>
+              </a:ext>
+            </a:extLst>
+          </p:cNvPr>
+          <p:cNvPicPr>
+            <a:picLocks noChangeAspect="1" noChangeArrowheads="1"/>
+          </p:cNvPicPr>
+          <p:nvPr/>
+        </p:nvPicPr>
+        <p:blipFill rotWithShape="1">
+          <a:blip r:embed="rId3">
+            <a:extLst>
+              <a:ext uri="{28A0092B-C50C-407E-A947-70E740481C1C}">
+                <a14:useLocalDpi xmlns:a14="http://schemas.microsoft.com/office/drawing/2010/main" val="0"/>
+              </a:ext>
+            </a:extLst>
+          </a:blip>
+          <a:srcRect t="90765" b="943"/>
+          <a:stretch/>
+        </p:blipFill>
+        <p:spPr bwMode="auto">
+          <a:xfrm>
+            <a:off x="1066800" y="5768939"/>
+            <a:ext cx="7162800" cy="350831"/>
+          </a:xfrm>
+          <a:prstGeom prst="rect">
+            <a:avLst/>
+          </a:prstGeom>
+          <a:noFill/>
+          <a:extLst>
+            <a:ext uri="{909E8E84-426E-40DD-AFC4-6F175D3DCCD1}">
+              <a14:hiddenFill xmlns:a14="http://schemas.microsoft.com/office/drawing/2010/main">
+                <a:solidFill>
+                  <a:srgbClr val="FFFFFF"/>
+                </a:solidFill>
+              </a14:hiddenFill>
+            </a:ext>
+          </a:extLst>
+        </p:spPr>
+      </p:pic>
+      <p:sp>
+        <p:nvSpPr>
+          <p:cNvPr id="23" name="TextBox 22">
+            <a:extLst>
+              <a:ext uri="{FF2B5EF4-FFF2-40B4-BE49-F238E27FC236}">
+                <a16:creationId xmlns:a16="http://schemas.microsoft.com/office/drawing/2014/main" id="{701FE56C-0652-48CA-B8E5-1996FB094D1F}"/>
+              </a:ext>
+            </a:extLst>
+          </p:cNvPr>
+          <p:cNvSpPr txBox="1"/>
+          <p:nvPr/>
+        </p:nvSpPr>
+        <p:spPr>
+          <a:xfrm>
+            <a:off x="5065189" y="4569786"/>
+            <a:ext cx="1733549" cy="369332"/>
+          </a:xfrm>
+          <a:prstGeom prst="rect">
+            <a:avLst/>
+          </a:prstGeom>
+          <a:noFill/>
+        </p:spPr>
+        <p:txBody>
+          <a:bodyPr wrap="square" rtlCol="0">
+            <a:spAutoFit/>
+          </a:bodyPr>
+          <a:lstStyle/>
+          <a:p>
+            <a:r>
+              <a:rPr lang="en-US" dirty="0">
+                <a:solidFill>
+                  <a:srgbClr val="C00000"/>
+                </a:solidFill>
+              </a:rPr>
+              <a:t>Motor controller</a:t>
+            </a:r>
+          </a:p>
+        </p:txBody>
+      </p:sp>
+      <p:cxnSp>
+        <p:nvCxnSpPr>
+          <p:cNvPr id="24" name="Straight Arrow Connector 23">
+            <a:extLst>
+              <a:ext uri="{FF2B5EF4-FFF2-40B4-BE49-F238E27FC236}">
+                <a16:creationId xmlns:a16="http://schemas.microsoft.com/office/drawing/2014/main" id="{2236B0AE-002A-49E2-8F83-79EA7636DAEA}"/>
+              </a:ext>
+            </a:extLst>
+          </p:cNvPr>
+          <p:cNvCxnSpPr>
+            <a:cxnSpLocks/>
+          </p:cNvCxnSpPr>
+          <p:nvPr/>
+        </p:nvCxnSpPr>
+        <p:spPr>
+          <a:xfrm flipV="1">
+            <a:off x="5522390" y="4314769"/>
+            <a:ext cx="0" cy="255017"/>
+          </a:xfrm>
+          <a:prstGeom prst="straightConnector1">
+            <a:avLst/>
+          </a:prstGeom>
+          <a:ln w="28575">
+            <a:solidFill>
+              <a:srgbClr val="C00000"/>
+            </a:solidFill>
+            <a:tailEnd type="triangle"/>
+          </a:ln>
+        </p:spPr>
+        <p:style>
+          <a:lnRef idx="1">
+            <a:schemeClr val="accent1"/>
+          </a:lnRef>
+          <a:fillRef idx="0">
+            <a:schemeClr val="accent1"/>
+          </a:fillRef>
+          <a:effectRef idx="0">
+            <a:schemeClr val="accent1"/>
+          </a:effectRef>
+          <a:fontRef idx="minor">
+            <a:schemeClr val="tx1"/>
+          </a:fontRef>
+        </p:style>
+      </p:cxnSp>
+      <p:sp>
+        <p:nvSpPr>
+          <p:cNvPr id="25" name="TextBox 24">
+            <a:extLst>
+              <a:ext uri="{FF2B5EF4-FFF2-40B4-BE49-F238E27FC236}">
+                <a16:creationId xmlns:a16="http://schemas.microsoft.com/office/drawing/2014/main" id="{624C04AC-19F4-4970-AE35-41487E3D882D}"/>
+              </a:ext>
+            </a:extLst>
+          </p:cNvPr>
+          <p:cNvSpPr txBox="1"/>
+          <p:nvPr/>
+        </p:nvSpPr>
+        <p:spPr>
+          <a:xfrm>
+            <a:off x="6912319" y="4569786"/>
+            <a:ext cx="1181822" cy="369332"/>
+          </a:xfrm>
+          <a:prstGeom prst="rect">
+            <a:avLst/>
+          </a:prstGeom>
+          <a:noFill/>
+        </p:spPr>
+        <p:txBody>
+          <a:bodyPr wrap="square" rtlCol="0">
+            <a:spAutoFit/>
+          </a:bodyPr>
+          <a:lstStyle/>
+          <a:p>
+            <a:r>
+              <a:rPr lang="en-US" dirty="0">
+                <a:solidFill>
+                  <a:srgbClr val="C00000"/>
+                </a:solidFill>
+              </a:rPr>
+              <a:t>Robot arm</a:t>
+            </a:r>
+          </a:p>
+        </p:txBody>
+      </p:sp>
+      <p:cxnSp>
+        <p:nvCxnSpPr>
+          <p:cNvPr id="26" name="Straight Arrow Connector 25">
+            <a:extLst>
+              <a:ext uri="{FF2B5EF4-FFF2-40B4-BE49-F238E27FC236}">
+                <a16:creationId xmlns:a16="http://schemas.microsoft.com/office/drawing/2014/main" id="{93F394FD-53F8-4651-A3DB-2B2D3F9EF7C5}"/>
+              </a:ext>
+            </a:extLst>
+          </p:cNvPr>
+          <p:cNvCxnSpPr>
+            <a:cxnSpLocks/>
+          </p:cNvCxnSpPr>
+          <p:nvPr/>
+        </p:nvCxnSpPr>
+        <p:spPr>
+          <a:xfrm flipV="1">
+            <a:off x="7369519" y="4314769"/>
+            <a:ext cx="0" cy="255017"/>
+          </a:xfrm>
+          <a:prstGeom prst="straightConnector1">
+            <a:avLst/>
+          </a:prstGeom>
+          <a:ln w="28575">
+            <a:solidFill>
+              <a:srgbClr val="C00000"/>
+            </a:solidFill>
+            <a:tailEnd type="triangle"/>
+          </a:ln>
+        </p:spPr>
+        <p:style>
+          <a:lnRef idx="1">
+            <a:schemeClr val="accent1"/>
+          </a:lnRef>
+          <a:fillRef idx="0">
+            <a:schemeClr val="accent1"/>
+          </a:fillRef>
+          <a:effectRef idx="0">
+            <a:schemeClr val="accent1"/>
+          </a:effectRef>
+          <a:fontRef idx="minor">
+            <a:schemeClr val="tx1"/>
+          </a:fontRef>
+        </p:style>
+      </p:cxnSp>
+    </p:spTree>
+    <p:extLst>
+      <p:ext uri="{BB962C8B-B14F-4D97-AF65-F5344CB8AC3E}">
+        <p14:creationId xmlns:p14="http://schemas.microsoft.com/office/powerpoint/2010/main" val="4012378588"/>
+      </p:ext>
+    </p:extLst>
+  </p:cSld>
+  <p:clrMapOvr>
+    <a:masterClrMapping/>
+  </p:clrMapOvr>
+  <mc:AlternateContent xmlns:mc="http://schemas.openxmlformats.org/markup-compatibility/2006" xmlns:p14="http://schemas.microsoft.com/office/powerpoint/2010/main">
+    <mc:Choice Requires="p14">
+      <p:transition spd="med" p14:dur="700">
+        <p:fade/>
+      </p:transition>
+    </mc:Choice>
+    <mc:Fallback xmlns="">
+      <p:transition spd="med">
+        <p:fade/>
+      </p:transition>
+    </mc:Fallback>
+  </mc:AlternateContent>
+  <p:timing>
+    <p:tnLst>
+      <p:par>
+        <p:cTn id="1" dur="indefinite" restart="never" nodeType="tmRoot">
+          <p:childTnLst>
+            <p:seq concurrent="1" nextAc="seek">
+              <p:cTn id="2" dur="indefinite" nodeType="mainSeq">
+                <p:childTnLst>
+                  <p:par>
+                    <p:cTn id="3" fill="hold">
+                      <p:stCondLst>
+                        <p:cond delay="indefinite"/>
+                      </p:stCondLst>
+                      <p:childTnLst>
+                        <p:par>
+                          <p:cTn id="4" fill="hold">
+                            <p:stCondLst>
+                              <p:cond delay="0"/>
+                            </p:stCondLst>
+                            <p:childTnLst>
+                              <p:par>
+                                <p:cTn id="5" presetID="10" presetClass="entr" presetSubtype="0" fill="hold" nodeType="clickEffect">
+                                  <p:stCondLst>
+                                    <p:cond delay="0"/>
+                                  </p:stCondLst>
+                                  <p:childTnLst>
+                                    <p:set>
+                                      <p:cBhvr>
+                                        <p:cTn id="6" dur="1" fill="hold">
+                                          <p:stCondLst>
+                                            <p:cond delay="0"/>
+                                          </p:stCondLst>
+                                        </p:cTn>
+                                        <p:tgtEl>
+                                          <p:spTgt spid="8"/>
+                                        </p:tgtEl>
+                                        <p:attrNameLst>
+                                          <p:attrName>style.visibility</p:attrName>
+                                        </p:attrNameLst>
+                                      </p:cBhvr>
+                                      <p:to>
+                                        <p:strVal val="visible"/>
+                                      </p:to>
+                                    </p:set>
+                                    <p:animEffect transition="in" filter="fade">
+                                      <p:cBhvr>
+                                        <p:cTn id="7" dur="500"/>
+                                        <p:tgtEl>
+                                          <p:spTgt spid="8"/>
+                                        </p:tgtEl>
+                                      </p:cBhvr>
+                                    </p:animEffect>
+                                  </p:childTnLst>
+                                </p:cTn>
+                              </p:par>
+                              <p:par>
+                                <p:cTn id="8" presetID="10" presetClass="entr" presetSubtype="0" fill="hold" grpId="0" nodeType="withEffect">
+                                  <p:stCondLst>
+                                    <p:cond delay="0"/>
+                                  </p:stCondLst>
+                                  <p:childTnLst>
+                                    <p:set>
+                                      <p:cBhvr>
+                                        <p:cTn id="9" dur="1" fill="hold">
+                                          <p:stCondLst>
+                                            <p:cond delay="0"/>
+                                          </p:stCondLst>
+                                        </p:cTn>
+                                        <p:tgtEl>
+                                          <p:spTgt spid="7"/>
+                                        </p:tgtEl>
+                                        <p:attrNameLst>
+                                          <p:attrName>style.visibility</p:attrName>
+                                        </p:attrNameLst>
+                                      </p:cBhvr>
+                                      <p:to>
+                                        <p:strVal val="visible"/>
+                                      </p:to>
+                                    </p:set>
+                                    <p:animEffect transition="in" filter="fade">
+                                      <p:cBhvr>
+                                        <p:cTn id="10" dur="500"/>
+                                        <p:tgtEl>
+                                          <p:spTgt spid="7"/>
+                                        </p:tgtEl>
+                                      </p:cBhvr>
+                                    </p:animEffect>
+                                  </p:childTnLst>
+                                </p:cTn>
+                              </p:par>
+                            </p:childTnLst>
+                          </p:cTn>
+                        </p:par>
+                      </p:childTnLst>
+                    </p:cTn>
+                  </p:par>
+                  <p:par>
+                    <p:cTn id="11" fill="hold">
+                      <p:stCondLst>
+                        <p:cond delay="indefinite"/>
+                      </p:stCondLst>
+                      <p:childTnLst>
+                        <p:par>
+                          <p:cTn id="12" fill="hold">
+                            <p:stCondLst>
+                              <p:cond delay="0"/>
+                            </p:stCondLst>
+                            <p:childTnLst>
+                              <p:par>
+                                <p:cTn id="13" presetID="10" presetClass="entr" presetSubtype="0" fill="hold" nodeType="clickEffect">
+                                  <p:stCondLst>
+                                    <p:cond delay="0"/>
+                                  </p:stCondLst>
+                                  <p:childTnLst>
+                                    <p:set>
+                                      <p:cBhvr>
+                                        <p:cTn id="14" dur="1" fill="hold">
+                                          <p:stCondLst>
+                                            <p:cond delay="0"/>
+                                          </p:stCondLst>
+                                        </p:cTn>
+                                        <p:tgtEl>
+                                          <p:spTgt spid="10"/>
+                                        </p:tgtEl>
+                                        <p:attrNameLst>
+                                          <p:attrName>style.visibility</p:attrName>
+                                        </p:attrNameLst>
+                                      </p:cBhvr>
+                                      <p:to>
+                                        <p:strVal val="visible"/>
+                                      </p:to>
+                                    </p:set>
+                                    <p:animEffect transition="in" filter="fade">
+                                      <p:cBhvr>
+                                        <p:cTn id="15" dur="500"/>
+                                        <p:tgtEl>
+                                          <p:spTgt spid="10"/>
+                                        </p:tgtEl>
+                                      </p:cBhvr>
+                                    </p:animEffect>
+                                  </p:childTnLst>
+                                </p:cTn>
+                              </p:par>
+                              <p:par>
+                                <p:cTn id="16" presetID="10" presetClass="entr" presetSubtype="0" fill="hold" grpId="0" nodeType="withEffect">
+                                  <p:stCondLst>
+                                    <p:cond delay="0"/>
+                                  </p:stCondLst>
+                                  <p:childTnLst>
+                                    <p:set>
+                                      <p:cBhvr>
+                                        <p:cTn id="17" dur="1" fill="hold">
+                                          <p:stCondLst>
+                                            <p:cond delay="0"/>
+                                          </p:stCondLst>
+                                        </p:cTn>
+                                        <p:tgtEl>
+                                          <p:spTgt spid="9"/>
+                                        </p:tgtEl>
+                                        <p:attrNameLst>
+                                          <p:attrName>style.visibility</p:attrName>
+                                        </p:attrNameLst>
+                                      </p:cBhvr>
+                                      <p:to>
+                                        <p:strVal val="visible"/>
+                                      </p:to>
+                                    </p:set>
+                                    <p:animEffect transition="in" filter="fade">
+                                      <p:cBhvr>
+                                        <p:cTn id="18" dur="500"/>
+                                        <p:tgtEl>
+                                          <p:spTgt spid="9"/>
+                                        </p:tgtEl>
+                                      </p:cBhvr>
+                                    </p:animEffect>
+                                  </p:childTnLst>
+                                </p:cTn>
+                              </p:par>
+                            </p:childTnLst>
+                          </p:cTn>
+                        </p:par>
+                      </p:childTnLst>
+                    </p:cTn>
+                  </p:par>
+                  <p:par>
+                    <p:cTn id="19" fill="hold">
+                      <p:stCondLst>
+                        <p:cond delay="indefinite"/>
+                      </p:stCondLst>
+                      <p:childTnLst>
+                        <p:par>
+                          <p:cTn id="20" fill="hold">
+                            <p:stCondLst>
+                              <p:cond delay="0"/>
+                            </p:stCondLst>
+                            <p:childTnLst>
+                              <p:par>
+                                <p:cTn id="21" presetID="10" presetClass="entr" presetSubtype="0" fill="hold" nodeType="clickEffect">
+                                  <p:stCondLst>
+                                    <p:cond delay="0"/>
+                                  </p:stCondLst>
+                                  <p:childTnLst>
+                                    <p:set>
+                                      <p:cBhvr>
+                                        <p:cTn id="22" dur="1" fill="hold">
+                                          <p:stCondLst>
+                                            <p:cond delay="0"/>
+                                          </p:stCondLst>
+                                        </p:cTn>
+                                        <p:tgtEl>
+                                          <p:spTgt spid="12"/>
+                                        </p:tgtEl>
+                                        <p:attrNameLst>
+                                          <p:attrName>style.visibility</p:attrName>
+                                        </p:attrNameLst>
+                                      </p:cBhvr>
+                                      <p:to>
+                                        <p:strVal val="visible"/>
+                                      </p:to>
+                                    </p:set>
+                                    <p:animEffect transition="in" filter="fade">
+                                      <p:cBhvr>
+                                        <p:cTn id="23" dur="500"/>
+                                        <p:tgtEl>
+                                          <p:spTgt spid="12"/>
+                                        </p:tgtEl>
+                                      </p:cBhvr>
+                                    </p:animEffect>
+                                  </p:childTnLst>
+                                </p:cTn>
+                              </p:par>
+                              <p:par>
+                                <p:cTn id="24" presetID="10" presetClass="entr" presetSubtype="0" fill="hold" grpId="0" nodeType="withEffect">
+                                  <p:stCondLst>
+                                    <p:cond delay="0"/>
+                                  </p:stCondLst>
+                                  <p:childTnLst>
+                                    <p:set>
+                                      <p:cBhvr>
+                                        <p:cTn id="25" dur="1" fill="hold">
+                                          <p:stCondLst>
+                                            <p:cond delay="0"/>
+                                          </p:stCondLst>
+                                        </p:cTn>
+                                        <p:tgtEl>
+                                          <p:spTgt spid="11"/>
+                                        </p:tgtEl>
+                                        <p:attrNameLst>
+                                          <p:attrName>style.visibility</p:attrName>
+                                        </p:attrNameLst>
+                                      </p:cBhvr>
+                                      <p:to>
+                                        <p:strVal val="visible"/>
+                                      </p:to>
+                                    </p:set>
+                                    <p:animEffect transition="in" filter="fade">
+                                      <p:cBhvr>
+                                        <p:cTn id="26" dur="500"/>
+                                        <p:tgtEl>
+                                          <p:spTgt spid="11"/>
+                                        </p:tgtEl>
+                                      </p:cBhvr>
+                                    </p:animEffect>
+                                  </p:childTnLst>
+                                </p:cTn>
+                              </p:par>
+                            </p:childTnLst>
+                          </p:cTn>
+                        </p:par>
+                      </p:childTnLst>
+                    </p:cTn>
+                  </p:par>
+                  <p:par>
+                    <p:cTn id="27" fill="hold">
+                      <p:stCondLst>
+                        <p:cond delay="indefinite"/>
+                      </p:stCondLst>
+                      <p:childTnLst>
+                        <p:par>
+                          <p:cTn id="28" fill="hold">
+                            <p:stCondLst>
+                              <p:cond delay="0"/>
+                            </p:stCondLst>
+                            <p:childTnLst>
+                              <p:par>
+                                <p:cTn id="29" presetID="10" presetClass="entr" presetSubtype="0" fill="hold" nodeType="clickEffect">
+                                  <p:stCondLst>
+                                    <p:cond delay="0"/>
+                                  </p:stCondLst>
+                                  <p:childTnLst>
+                                    <p:set>
+                                      <p:cBhvr>
+                                        <p:cTn id="30" dur="1" fill="hold">
+                                          <p:stCondLst>
+                                            <p:cond delay="0"/>
+                                          </p:stCondLst>
+                                        </p:cTn>
+                                        <p:tgtEl>
+                                          <p:spTgt spid="24"/>
+                                        </p:tgtEl>
+                                        <p:attrNameLst>
+                                          <p:attrName>style.visibility</p:attrName>
+                                        </p:attrNameLst>
+                                      </p:cBhvr>
+                                      <p:to>
+                                        <p:strVal val="visible"/>
+                                      </p:to>
+                                    </p:set>
+                                    <p:animEffect transition="in" filter="fade">
+                                      <p:cBhvr>
+                                        <p:cTn id="31" dur="500"/>
+                                        <p:tgtEl>
+                                          <p:spTgt spid="24"/>
+                                        </p:tgtEl>
+                                      </p:cBhvr>
+                                    </p:animEffect>
+                                  </p:childTnLst>
+                                </p:cTn>
+                              </p:par>
+                              <p:par>
+                                <p:cTn id="32" presetID="10" presetClass="entr" presetSubtype="0" fill="hold" grpId="0" nodeType="withEffect">
+                                  <p:stCondLst>
+                                    <p:cond delay="0"/>
+                                  </p:stCondLst>
+                                  <p:childTnLst>
+                                    <p:set>
+                                      <p:cBhvr>
+                                        <p:cTn id="33" dur="1" fill="hold">
+                                          <p:stCondLst>
+                                            <p:cond delay="0"/>
+                                          </p:stCondLst>
+                                        </p:cTn>
+                                        <p:tgtEl>
+                                          <p:spTgt spid="23"/>
+                                        </p:tgtEl>
+                                        <p:attrNameLst>
+                                          <p:attrName>style.visibility</p:attrName>
+                                        </p:attrNameLst>
+                                      </p:cBhvr>
+                                      <p:to>
+                                        <p:strVal val="visible"/>
+                                      </p:to>
+                                    </p:set>
+                                    <p:animEffect transition="in" filter="fade">
+                                      <p:cBhvr>
+                                        <p:cTn id="34" dur="500"/>
+                                        <p:tgtEl>
+                                          <p:spTgt spid="23"/>
+                                        </p:tgtEl>
+                                      </p:cBhvr>
+                                    </p:animEffect>
+                                  </p:childTnLst>
+                                </p:cTn>
+                              </p:par>
+                            </p:childTnLst>
+                          </p:cTn>
+                        </p:par>
+                      </p:childTnLst>
+                    </p:cTn>
+                  </p:par>
+                  <p:par>
+                    <p:cTn id="35" fill="hold">
+                      <p:stCondLst>
+                        <p:cond delay="indefinite"/>
+                      </p:stCondLst>
+                      <p:childTnLst>
+                        <p:par>
+                          <p:cTn id="36" fill="hold">
+                            <p:stCondLst>
+                              <p:cond delay="0"/>
+                            </p:stCondLst>
+                            <p:childTnLst>
+                              <p:par>
+                                <p:cTn id="37" presetID="10" presetClass="entr" presetSubtype="0" fill="hold" nodeType="clickEffect">
+                                  <p:stCondLst>
+                                    <p:cond delay="0"/>
+                                  </p:stCondLst>
+                                  <p:childTnLst>
+                                    <p:set>
+                                      <p:cBhvr>
+                                        <p:cTn id="38" dur="1" fill="hold">
+                                          <p:stCondLst>
+                                            <p:cond delay="0"/>
+                                          </p:stCondLst>
+                                        </p:cTn>
+                                        <p:tgtEl>
+                                          <p:spTgt spid="26"/>
+                                        </p:tgtEl>
+                                        <p:attrNameLst>
+                                          <p:attrName>style.visibility</p:attrName>
+                                        </p:attrNameLst>
+                                      </p:cBhvr>
+                                      <p:to>
+                                        <p:strVal val="visible"/>
+                                      </p:to>
+                                    </p:set>
+                                    <p:animEffect transition="in" filter="fade">
+                                      <p:cBhvr>
+                                        <p:cTn id="39" dur="500"/>
+                                        <p:tgtEl>
+                                          <p:spTgt spid="26"/>
+                                        </p:tgtEl>
+                                      </p:cBhvr>
+                                    </p:animEffect>
+                                  </p:childTnLst>
+                                </p:cTn>
+                              </p:par>
+                              <p:par>
+                                <p:cTn id="40" presetID="10" presetClass="entr" presetSubtype="0" fill="hold" grpId="0" nodeType="withEffect">
+                                  <p:stCondLst>
+                                    <p:cond delay="0"/>
+                                  </p:stCondLst>
+                                  <p:childTnLst>
+                                    <p:set>
+                                      <p:cBhvr>
+                                        <p:cTn id="41" dur="1" fill="hold">
+                                          <p:stCondLst>
+                                            <p:cond delay="0"/>
+                                          </p:stCondLst>
+                                        </p:cTn>
+                                        <p:tgtEl>
+                                          <p:spTgt spid="25"/>
+                                        </p:tgtEl>
+                                        <p:attrNameLst>
+                                          <p:attrName>style.visibility</p:attrName>
+                                        </p:attrNameLst>
+                                      </p:cBhvr>
+                                      <p:to>
+                                        <p:strVal val="visible"/>
+                                      </p:to>
+                                    </p:set>
+                                    <p:animEffect transition="in" filter="fade">
+                                      <p:cBhvr>
+                                        <p:cTn id="42" dur="500"/>
+                                        <p:tgtEl>
+                                          <p:spTgt spid="25"/>
+                                        </p:tgtEl>
+                                      </p:cBhvr>
+                                    </p:animEffect>
+                                  </p:childTnLst>
+                                </p:cTn>
+                              </p:par>
+                            </p:childTnLst>
+                          </p:cTn>
+                        </p:par>
+                      </p:childTnLst>
+                    </p:cTn>
+                  </p:par>
+                </p:childTnLst>
+              </p:cTn>
+              <p:prevCondLst>
+                <p:cond evt="onPrev" delay="0">
+                  <p:tgtEl>
+                    <p:sldTgt/>
+                  </p:tgtEl>
+                </p:cond>
+              </p:prevCondLst>
+              <p:nextCondLst>
+                <p:cond evt="onNext" delay="0">
+                  <p:tgtEl>
+                    <p:sldTgt/>
+                  </p:tgtEl>
+                </p:cond>
+              </p:nextCondLst>
+            </p:seq>
+          </p:childTnLst>
+        </p:cTn>
+      </p:par>
+    </p:tnLst>
+    <p:bldLst>
+      <p:bldP spid="7" grpId="0"/>
+      <p:bldP spid="9" grpId="0"/>
+      <p:bldP spid="11" grpId="0"/>
+      <p:bldP spid="23" grpId="0"/>
+      <p:bldP spid="25" grpId="0"/>
+    </p:bldLst>
+  </p:timing>
+</p:sld>
+</file>
+
+<file path=ppt/slides/slide29.xml><?xml version="1.0" encoding="utf-8"?>
+<p:sld xmlns:a="http://schemas.openxmlformats.org/drawingml/2006/main" xmlns:r="http://schemas.openxmlformats.org/officeDocument/2006/relationships" xmlns:p="http://schemas.openxmlformats.org/presentationml/2006/main">
+  <p:cSld>
+    <p:spTree>
+      <p:nvGrpSpPr>
+        <p:cNvPr id="1" name=""/>
+        <p:cNvGrpSpPr/>
+        <p:nvPr/>
+      </p:nvGrpSpPr>
+      <p:grpSpPr>
+        <a:xfrm>
+          <a:off x="0" y="0"/>
+          <a:ext cx="0" cy="0"/>
+          <a:chOff x="0" y="0"/>
+          <a:chExt cx="0" cy="0"/>
+        </a:xfrm>
+      </p:grpSpPr>
+      <p:sp>
+        <p:nvSpPr>
+          <p:cNvPr id="2" name="Title 1"/>
+          <p:cNvSpPr>
+            <a:spLocks noGrp="1"/>
+          </p:cNvSpPr>
+          <p:nvPr>
+            <p:ph type="title"/>
+          </p:nvPr>
+        </p:nvSpPr>
+        <p:spPr/>
+        <p:txBody>
+          <a:bodyPr/>
+          <a:lstStyle/>
+          <a:p>
+            <a:r>
+              <a:rPr lang="en-US" dirty="0"/>
+              <a:t>Closed Loop Control</a:t>
+            </a:r>
+          </a:p>
+        </p:txBody>
+      </p:sp>
+      <p:sp>
+        <p:nvSpPr>
+          <p:cNvPr id="3" name="Content Placeholder 2"/>
+          <p:cNvSpPr>
+            <a:spLocks noGrp="1"/>
+          </p:cNvSpPr>
+          <p:nvPr>
+            <p:ph idx="1"/>
+          </p:nvPr>
+        </p:nvSpPr>
+        <p:spPr/>
+        <p:txBody>
+          <a:bodyPr/>
+          <a:lstStyle/>
+          <a:p>
+            <a:r>
+              <a:rPr lang="en-US" dirty="0"/>
+              <a:t>Open Loop</a:t>
+            </a:r>
+          </a:p>
+          <a:p>
+            <a:r>
+              <a:rPr lang="en-US" dirty="0"/>
+              <a:t>Closed Loop</a:t>
+            </a:r>
+          </a:p>
+          <a:p>
+            <a:pPr lvl="1"/>
+            <a:r>
+              <a:rPr lang="en-US" dirty="0"/>
+              <a:t>Example</a:t>
+            </a:r>
+          </a:p>
+          <a:p>
+            <a:endParaRPr lang="en-US" dirty="0"/>
+          </a:p>
+        </p:txBody>
+      </p:sp>
+    </p:spTree>
+    <p:extLst>
+      <p:ext uri="{BB962C8B-B14F-4D97-AF65-F5344CB8AC3E}">
+        <p14:creationId xmlns:p14="http://schemas.microsoft.com/office/powerpoint/2010/main" val="2535477870"/>
       </p:ext>
     </p:extLst>
   </p:cSld>
@@ -7837,6 +12816,3108 @@
 </p:sld>
 </file>
 
+<file path=ppt/slides/slide30.xml><?xml version="1.0" encoding="utf-8"?>
+<p:sld xmlns:a="http://schemas.openxmlformats.org/drawingml/2006/main" xmlns:r="http://schemas.openxmlformats.org/officeDocument/2006/relationships" xmlns:p="http://schemas.openxmlformats.org/presentationml/2006/main">
+  <p:cSld>
+    <p:spTree>
+      <p:nvGrpSpPr>
+        <p:cNvPr id="1" name=""/>
+        <p:cNvGrpSpPr/>
+        <p:nvPr/>
+      </p:nvGrpSpPr>
+      <p:grpSpPr>
+        <a:xfrm>
+          <a:off x="0" y="0"/>
+          <a:ext cx="0" cy="0"/>
+          <a:chOff x="0" y="0"/>
+          <a:chExt cx="0" cy="0"/>
+        </a:xfrm>
+      </p:grpSpPr>
+      <p:sp>
+        <p:nvSpPr>
+          <p:cNvPr id="2" name="Title 1"/>
+          <p:cNvSpPr>
+            <a:spLocks noGrp="1"/>
+          </p:cNvSpPr>
+          <p:nvPr>
+            <p:ph type="title"/>
+          </p:nvPr>
+        </p:nvSpPr>
+        <p:spPr/>
+        <p:txBody>
+          <a:bodyPr/>
+          <a:lstStyle/>
+          <a:p>
+            <a:r>
+              <a:rPr lang="en-US" dirty="0"/>
+              <a:t>Closed Loop Control</a:t>
+            </a:r>
+          </a:p>
+        </p:txBody>
+      </p:sp>
+      <p:sp>
+        <p:nvSpPr>
+          <p:cNvPr id="3" name="Content Placeholder 2"/>
+          <p:cNvSpPr>
+            <a:spLocks noGrp="1"/>
+          </p:cNvSpPr>
+          <p:nvPr>
+            <p:ph idx="1"/>
+          </p:nvPr>
+        </p:nvSpPr>
+        <p:spPr/>
+        <p:txBody>
+          <a:bodyPr/>
+          <a:lstStyle/>
+          <a:p>
+            <a:r>
+              <a:rPr lang="en-US" dirty="0"/>
+              <a:t>Open Loop</a:t>
+            </a:r>
+          </a:p>
+          <a:p>
+            <a:r>
+              <a:rPr lang="en-US" dirty="0"/>
+              <a:t>Closed Loop</a:t>
+            </a:r>
+          </a:p>
+          <a:p>
+            <a:pPr lvl="1"/>
+            <a:r>
+              <a:rPr lang="en-US" dirty="0"/>
+              <a:t>Example</a:t>
+            </a:r>
+          </a:p>
+          <a:p>
+            <a:endParaRPr lang="en-US" dirty="0"/>
+          </a:p>
+        </p:txBody>
+      </p:sp>
+      <p:sp>
+        <p:nvSpPr>
+          <p:cNvPr id="4" name="Rectangle 3">
+            <a:extLst>
+              <a:ext uri="{FF2B5EF4-FFF2-40B4-BE49-F238E27FC236}">
+                <a16:creationId xmlns:a16="http://schemas.microsoft.com/office/drawing/2014/main" id="{D30C2D32-D957-4A83-B144-5AE2102C3BA6}"/>
+              </a:ext>
+            </a:extLst>
+          </p:cNvPr>
+          <p:cNvSpPr/>
+          <p:nvPr/>
+        </p:nvSpPr>
+        <p:spPr>
+          <a:xfrm>
+            <a:off x="609600" y="3681677"/>
+            <a:ext cx="10896600" cy="2574927"/>
+          </a:xfrm>
+          <a:prstGeom prst="rect">
+            <a:avLst/>
+          </a:prstGeom>
+          <a:solidFill>
+            <a:schemeClr val="tx1"/>
+          </a:solidFill>
+          <a:ln>
+            <a:noFill/>
+          </a:ln>
+        </p:spPr>
+        <p:style>
+          <a:lnRef idx="2">
+            <a:schemeClr val="accent1">
+              <a:shade val="50000"/>
+            </a:schemeClr>
+          </a:lnRef>
+          <a:fillRef idx="1">
+            <a:schemeClr val="accent1"/>
+          </a:fillRef>
+          <a:effectRef idx="0">
+            <a:schemeClr val="accent1"/>
+          </a:effectRef>
+          <a:fontRef idx="minor">
+            <a:schemeClr val="lt1"/>
+          </a:fontRef>
+        </p:style>
+        <p:txBody>
+          <a:bodyPr rtlCol="0" anchor="ctr"/>
+          <a:lstStyle/>
+          <a:p>
+            <a:pPr algn="ctr"/>
+            <a:endParaRPr lang="en-US"/>
+          </a:p>
+        </p:txBody>
+      </p:sp>
+      <p:sp>
+        <p:nvSpPr>
+          <p:cNvPr id="5" name="TextBox 4">
+            <a:extLst>
+              <a:ext uri="{FF2B5EF4-FFF2-40B4-BE49-F238E27FC236}">
+                <a16:creationId xmlns:a16="http://schemas.microsoft.com/office/drawing/2014/main" id="{CD5B7853-487C-44C1-8462-F48819A14718}"/>
+              </a:ext>
+            </a:extLst>
+          </p:cNvPr>
+          <p:cNvSpPr txBox="1"/>
+          <p:nvPr/>
+        </p:nvSpPr>
+        <p:spPr>
+          <a:xfrm>
+            <a:off x="1102895" y="4411664"/>
+            <a:ext cx="1905000" cy="1323439"/>
+          </a:xfrm>
+          <a:prstGeom prst="rect">
+            <a:avLst/>
+          </a:prstGeom>
+          <a:noFill/>
+          <a:ln>
+            <a:solidFill>
+              <a:srgbClr val="002060"/>
+            </a:solidFill>
+          </a:ln>
+        </p:spPr>
+        <p:txBody>
+          <a:bodyPr wrap="square" rtlCol="0">
+            <a:spAutoFit/>
+          </a:bodyPr>
+          <a:lstStyle/>
+          <a:p>
+            <a:r>
+              <a:rPr lang="en-US" sz="4000" dirty="0">
+                <a:solidFill>
+                  <a:schemeClr val="bg1"/>
+                </a:solidFill>
+              </a:rPr>
+              <a:t>Move the arm</a:t>
+            </a:r>
+          </a:p>
+        </p:txBody>
+      </p:sp>
+    </p:spTree>
+    <p:extLst>
+      <p:ext uri="{BB962C8B-B14F-4D97-AF65-F5344CB8AC3E}">
+        <p14:creationId xmlns:p14="http://schemas.microsoft.com/office/powerpoint/2010/main" val="1321248836"/>
+      </p:ext>
+    </p:extLst>
+  </p:cSld>
+  <p:clrMapOvr>
+    <a:masterClrMapping/>
+  </p:clrMapOvr>
+  <mc:AlternateContent xmlns:mc="http://schemas.openxmlformats.org/markup-compatibility/2006" xmlns:p14="http://schemas.microsoft.com/office/powerpoint/2010/main">
+    <mc:Choice Requires="p14">
+      <p:transition spd="med" p14:dur="700">
+        <p:fade/>
+      </p:transition>
+    </mc:Choice>
+    <mc:Fallback xmlns="">
+      <p:transition spd="med">
+        <p:fade/>
+      </p:transition>
+    </mc:Fallback>
+  </mc:AlternateContent>
+</p:sld>
+</file>
+
+<file path=ppt/slides/slide31.xml><?xml version="1.0" encoding="utf-8"?>
+<p:sld xmlns:a="http://schemas.openxmlformats.org/drawingml/2006/main" xmlns:r="http://schemas.openxmlformats.org/officeDocument/2006/relationships" xmlns:p="http://schemas.openxmlformats.org/presentationml/2006/main">
+  <p:cSld>
+    <p:spTree>
+      <p:nvGrpSpPr>
+        <p:cNvPr id="1" name=""/>
+        <p:cNvGrpSpPr/>
+        <p:nvPr/>
+      </p:nvGrpSpPr>
+      <p:grpSpPr>
+        <a:xfrm>
+          <a:off x="0" y="0"/>
+          <a:ext cx="0" cy="0"/>
+          <a:chOff x="0" y="0"/>
+          <a:chExt cx="0" cy="0"/>
+        </a:xfrm>
+      </p:grpSpPr>
+      <p:sp>
+        <p:nvSpPr>
+          <p:cNvPr id="2" name="Title 1"/>
+          <p:cNvSpPr>
+            <a:spLocks noGrp="1"/>
+          </p:cNvSpPr>
+          <p:nvPr>
+            <p:ph type="title"/>
+          </p:nvPr>
+        </p:nvSpPr>
+        <p:spPr/>
+        <p:txBody>
+          <a:bodyPr/>
+          <a:lstStyle/>
+          <a:p>
+            <a:r>
+              <a:rPr lang="en-US" dirty="0"/>
+              <a:t>Closed Loop Control</a:t>
+            </a:r>
+          </a:p>
+        </p:txBody>
+      </p:sp>
+      <p:sp>
+        <p:nvSpPr>
+          <p:cNvPr id="3" name="Content Placeholder 2"/>
+          <p:cNvSpPr>
+            <a:spLocks noGrp="1"/>
+          </p:cNvSpPr>
+          <p:nvPr>
+            <p:ph idx="1"/>
+          </p:nvPr>
+        </p:nvSpPr>
+        <p:spPr/>
+        <p:txBody>
+          <a:bodyPr/>
+          <a:lstStyle/>
+          <a:p>
+            <a:r>
+              <a:rPr lang="en-US" dirty="0"/>
+              <a:t>Open Loop</a:t>
+            </a:r>
+          </a:p>
+          <a:p>
+            <a:r>
+              <a:rPr lang="en-US" dirty="0"/>
+              <a:t>Closed Loop</a:t>
+            </a:r>
+          </a:p>
+          <a:p>
+            <a:pPr lvl="1"/>
+            <a:r>
+              <a:rPr lang="en-US" dirty="0"/>
+              <a:t>Example</a:t>
+            </a:r>
+          </a:p>
+          <a:p>
+            <a:endParaRPr lang="en-US" dirty="0"/>
+          </a:p>
+        </p:txBody>
+      </p:sp>
+      <p:sp>
+        <p:nvSpPr>
+          <p:cNvPr id="4" name="Rectangle 3">
+            <a:extLst>
+              <a:ext uri="{FF2B5EF4-FFF2-40B4-BE49-F238E27FC236}">
+                <a16:creationId xmlns:a16="http://schemas.microsoft.com/office/drawing/2014/main" id="{D30C2D32-D957-4A83-B144-5AE2102C3BA6}"/>
+              </a:ext>
+            </a:extLst>
+          </p:cNvPr>
+          <p:cNvSpPr/>
+          <p:nvPr/>
+        </p:nvSpPr>
+        <p:spPr>
+          <a:xfrm>
+            <a:off x="609600" y="3681677"/>
+            <a:ext cx="10896600" cy="2574927"/>
+          </a:xfrm>
+          <a:prstGeom prst="rect">
+            <a:avLst/>
+          </a:prstGeom>
+          <a:solidFill>
+            <a:schemeClr val="tx1"/>
+          </a:solidFill>
+          <a:ln>
+            <a:noFill/>
+          </a:ln>
+        </p:spPr>
+        <p:style>
+          <a:lnRef idx="2">
+            <a:schemeClr val="accent1">
+              <a:shade val="50000"/>
+            </a:schemeClr>
+          </a:lnRef>
+          <a:fillRef idx="1">
+            <a:schemeClr val="accent1"/>
+          </a:fillRef>
+          <a:effectRef idx="0">
+            <a:schemeClr val="accent1"/>
+          </a:effectRef>
+          <a:fontRef idx="minor">
+            <a:schemeClr val="lt1"/>
+          </a:fontRef>
+        </p:style>
+        <p:txBody>
+          <a:bodyPr rtlCol="0" anchor="ctr"/>
+          <a:lstStyle/>
+          <a:p>
+            <a:pPr algn="ctr"/>
+            <a:endParaRPr lang="en-US"/>
+          </a:p>
+        </p:txBody>
+      </p:sp>
+      <p:sp>
+        <p:nvSpPr>
+          <p:cNvPr id="5" name="TextBox 4">
+            <a:extLst>
+              <a:ext uri="{FF2B5EF4-FFF2-40B4-BE49-F238E27FC236}">
+                <a16:creationId xmlns:a16="http://schemas.microsoft.com/office/drawing/2014/main" id="{CD5B7853-487C-44C1-8462-F48819A14718}"/>
+              </a:ext>
+            </a:extLst>
+          </p:cNvPr>
+          <p:cNvSpPr txBox="1"/>
+          <p:nvPr/>
+        </p:nvSpPr>
+        <p:spPr>
+          <a:xfrm>
+            <a:off x="1102895" y="4411664"/>
+            <a:ext cx="1905000" cy="1323439"/>
+          </a:xfrm>
+          <a:prstGeom prst="rect">
+            <a:avLst/>
+          </a:prstGeom>
+          <a:noFill/>
+          <a:ln>
+            <a:solidFill>
+              <a:srgbClr val="002060"/>
+            </a:solidFill>
+          </a:ln>
+        </p:spPr>
+        <p:txBody>
+          <a:bodyPr wrap="square" rtlCol="0">
+            <a:spAutoFit/>
+          </a:bodyPr>
+          <a:lstStyle/>
+          <a:p>
+            <a:r>
+              <a:rPr lang="en-US" sz="4000" dirty="0">
+                <a:solidFill>
+                  <a:schemeClr val="bg1"/>
+                </a:solidFill>
+              </a:rPr>
+              <a:t>Move the arm</a:t>
+            </a:r>
+          </a:p>
+        </p:txBody>
+      </p:sp>
+      <p:cxnSp>
+        <p:nvCxnSpPr>
+          <p:cNvPr id="9" name="Straight Arrow Connector 8">
+            <a:extLst>
+              <a:ext uri="{FF2B5EF4-FFF2-40B4-BE49-F238E27FC236}">
+                <a16:creationId xmlns:a16="http://schemas.microsoft.com/office/drawing/2014/main" id="{8CA92049-18B2-4FE0-865D-6DA26ABE036E}"/>
+              </a:ext>
+            </a:extLst>
+          </p:cNvPr>
+          <p:cNvCxnSpPr>
+            <a:cxnSpLocks/>
+            <a:stCxn id="5" idx="3"/>
+            <a:endCxn id="6" idx="1"/>
+          </p:cNvCxnSpPr>
+          <p:nvPr/>
+        </p:nvCxnSpPr>
+        <p:spPr>
+          <a:xfrm>
+            <a:off x="3007895" y="5021263"/>
+            <a:ext cx="497305" cy="0"/>
+          </a:xfrm>
+          <a:prstGeom prst="straightConnector1">
+            <a:avLst/>
+          </a:prstGeom>
+          <a:ln w="38100">
+            <a:tailEnd type="triangle"/>
+          </a:ln>
+        </p:spPr>
+        <p:style>
+          <a:lnRef idx="1">
+            <a:schemeClr val="accent1"/>
+          </a:lnRef>
+          <a:fillRef idx="0">
+            <a:schemeClr val="accent1"/>
+          </a:fillRef>
+          <a:effectRef idx="0">
+            <a:schemeClr val="accent1"/>
+          </a:effectRef>
+          <a:fontRef idx="minor">
+            <a:schemeClr val="tx1"/>
+          </a:fontRef>
+        </p:style>
+      </p:cxnSp>
+      <p:sp>
+        <p:nvSpPr>
+          <p:cNvPr id="6" name="Rectangle 5">
+            <a:extLst>
+              <a:ext uri="{FF2B5EF4-FFF2-40B4-BE49-F238E27FC236}">
+                <a16:creationId xmlns:a16="http://schemas.microsoft.com/office/drawing/2014/main" id="{6E3BC4F8-1472-492F-BE5C-E3DA0C2B974F}"/>
+              </a:ext>
+            </a:extLst>
+          </p:cNvPr>
+          <p:cNvSpPr/>
+          <p:nvPr/>
+        </p:nvSpPr>
+        <p:spPr>
+          <a:xfrm>
+            <a:off x="3505200" y="4411664"/>
+            <a:ext cx="2133600" cy="1219197"/>
+          </a:xfrm>
+          <a:prstGeom prst="rect">
+            <a:avLst/>
+          </a:prstGeom>
+          <a:solidFill>
+            <a:schemeClr val="tx1"/>
+          </a:solidFill>
+          <a:ln>
+            <a:solidFill>
+              <a:srgbClr val="002060"/>
+            </a:solidFill>
+          </a:ln>
+        </p:spPr>
+        <p:style>
+          <a:lnRef idx="2">
+            <a:schemeClr val="accent1">
+              <a:shade val="50000"/>
+            </a:schemeClr>
+          </a:lnRef>
+          <a:fillRef idx="1">
+            <a:schemeClr val="accent1"/>
+          </a:fillRef>
+          <a:effectRef idx="0">
+            <a:schemeClr val="accent1"/>
+          </a:effectRef>
+          <a:fontRef idx="minor">
+            <a:schemeClr val="lt1"/>
+          </a:fontRef>
+        </p:style>
+        <p:txBody>
+          <a:bodyPr rtlCol="0" anchor="ctr"/>
+          <a:lstStyle/>
+          <a:p>
+            <a:pPr algn="ctr"/>
+            <a:r>
+              <a:rPr lang="en-US" dirty="0">
+                <a:solidFill>
+                  <a:sysClr val="windowText" lastClr="000000"/>
+                </a:solidFill>
+              </a:rPr>
+              <a:t>Tele-op.vi</a:t>
+            </a:r>
+          </a:p>
+        </p:txBody>
+      </p:sp>
+    </p:spTree>
+    <p:extLst>
+      <p:ext uri="{BB962C8B-B14F-4D97-AF65-F5344CB8AC3E}">
+        <p14:creationId xmlns:p14="http://schemas.microsoft.com/office/powerpoint/2010/main" val="3474687926"/>
+      </p:ext>
+    </p:extLst>
+  </p:cSld>
+  <p:clrMapOvr>
+    <a:masterClrMapping/>
+  </p:clrMapOvr>
+  <mc:AlternateContent xmlns:mc="http://schemas.openxmlformats.org/markup-compatibility/2006" xmlns:p14="http://schemas.microsoft.com/office/powerpoint/2010/main">
+    <mc:Choice Requires="p14">
+      <p:transition spd="med" p14:dur="700">
+        <p:fade/>
+      </p:transition>
+    </mc:Choice>
+    <mc:Fallback xmlns="">
+      <p:transition spd="med">
+        <p:fade/>
+      </p:transition>
+    </mc:Fallback>
+  </mc:AlternateContent>
+</p:sld>
+</file>
+
+<file path=ppt/slides/slide32.xml><?xml version="1.0" encoding="utf-8"?>
+<p:sld xmlns:a="http://schemas.openxmlformats.org/drawingml/2006/main" xmlns:r="http://schemas.openxmlformats.org/officeDocument/2006/relationships" xmlns:p="http://schemas.openxmlformats.org/presentationml/2006/main">
+  <p:cSld>
+    <p:spTree>
+      <p:nvGrpSpPr>
+        <p:cNvPr id="1" name=""/>
+        <p:cNvGrpSpPr/>
+        <p:nvPr/>
+      </p:nvGrpSpPr>
+      <p:grpSpPr>
+        <a:xfrm>
+          <a:off x="0" y="0"/>
+          <a:ext cx="0" cy="0"/>
+          <a:chOff x="0" y="0"/>
+          <a:chExt cx="0" cy="0"/>
+        </a:xfrm>
+      </p:grpSpPr>
+      <p:sp>
+        <p:nvSpPr>
+          <p:cNvPr id="2" name="Title 1"/>
+          <p:cNvSpPr>
+            <a:spLocks noGrp="1"/>
+          </p:cNvSpPr>
+          <p:nvPr>
+            <p:ph type="title"/>
+          </p:nvPr>
+        </p:nvSpPr>
+        <p:spPr/>
+        <p:txBody>
+          <a:bodyPr/>
+          <a:lstStyle/>
+          <a:p>
+            <a:r>
+              <a:rPr lang="en-US" dirty="0"/>
+              <a:t>Closed Loop Control</a:t>
+            </a:r>
+          </a:p>
+        </p:txBody>
+      </p:sp>
+      <p:sp>
+        <p:nvSpPr>
+          <p:cNvPr id="3" name="Content Placeholder 2"/>
+          <p:cNvSpPr>
+            <a:spLocks noGrp="1"/>
+          </p:cNvSpPr>
+          <p:nvPr>
+            <p:ph idx="1"/>
+          </p:nvPr>
+        </p:nvSpPr>
+        <p:spPr/>
+        <p:txBody>
+          <a:bodyPr/>
+          <a:lstStyle/>
+          <a:p>
+            <a:r>
+              <a:rPr lang="en-US" dirty="0"/>
+              <a:t>Open Loop</a:t>
+            </a:r>
+          </a:p>
+          <a:p>
+            <a:r>
+              <a:rPr lang="en-US" dirty="0"/>
+              <a:t>Closed Loop</a:t>
+            </a:r>
+          </a:p>
+          <a:p>
+            <a:pPr lvl="1"/>
+            <a:r>
+              <a:rPr lang="en-US" dirty="0"/>
+              <a:t>Example</a:t>
+            </a:r>
+          </a:p>
+          <a:p>
+            <a:endParaRPr lang="en-US" dirty="0"/>
+          </a:p>
+        </p:txBody>
+      </p:sp>
+      <p:sp>
+        <p:nvSpPr>
+          <p:cNvPr id="4" name="Rectangle 3">
+            <a:extLst>
+              <a:ext uri="{FF2B5EF4-FFF2-40B4-BE49-F238E27FC236}">
+                <a16:creationId xmlns:a16="http://schemas.microsoft.com/office/drawing/2014/main" id="{D30C2D32-D957-4A83-B144-5AE2102C3BA6}"/>
+              </a:ext>
+            </a:extLst>
+          </p:cNvPr>
+          <p:cNvSpPr/>
+          <p:nvPr/>
+        </p:nvSpPr>
+        <p:spPr>
+          <a:xfrm>
+            <a:off x="609600" y="3681677"/>
+            <a:ext cx="10896600" cy="2574927"/>
+          </a:xfrm>
+          <a:prstGeom prst="rect">
+            <a:avLst/>
+          </a:prstGeom>
+          <a:solidFill>
+            <a:schemeClr val="tx1"/>
+          </a:solidFill>
+          <a:ln>
+            <a:noFill/>
+          </a:ln>
+        </p:spPr>
+        <p:style>
+          <a:lnRef idx="2">
+            <a:schemeClr val="accent1">
+              <a:shade val="50000"/>
+            </a:schemeClr>
+          </a:lnRef>
+          <a:fillRef idx="1">
+            <a:schemeClr val="accent1"/>
+          </a:fillRef>
+          <a:effectRef idx="0">
+            <a:schemeClr val="accent1"/>
+          </a:effectRef>
+          <a:fontRef idx="minor">
+            <a:schemeClr val="lt1"/>
+          </a:fontRef>
+        </p:style>
+        <p:txBody>
+          <a:bodyPr rtlCol="0" anchor="ctr"/>
+          <a:lstStyle/>
+          <a:p>
+            <a:pPr algn="ctr"/>
+            <a:endParaRPr lang="en-US"/>
+          </a:p>
+        </p:txBody>
+      </p:sp>
+      <p:sp>
+        <p:nvSpPr>
+          <p:cNvPr id="5" name="TextBox 4">
+            <a:extLst>
+              <a:ext uri="{FF2B5EF4-FFF2-40B4-BE49-F238E27FC236}">
+                <a16:creationId xmlns:a16="http://schemas.microsoft.com/office/drawing/2014/main" id="{CD5B7853-487C-44C1-8462-F48819A14718}"/>
+              </a:ext>
+            </a:extLst>
+          </p:cNvPr>
+          <p:cNvSpPr txBox="1"/>
+          <p:nvPr/>
+        </p:nvSpPr>
+        <p:spPr>
+          <a:xfrm>
+            <a:off x="1102895" y="4411664"/>
+            <a:ext cx="1905000" cy="1323439"/>
+          </a:xfrm>
+          <a:prstGeom prst="rect">
+            <a:avLst/>
+          </a:prstGeom>
+          <a:noFill/>
+          <a:ln>
+            <a:solidFill>
+              <a:srgbClr val="002060"/>
+            </a:solidFill>
+          </a:ln>
+        </p:spPr>
+        <p:txBody>
+          <a:bodyPr wrap="square" rtlCol="0">
+            <a:spAutoFit/>
+          </a:bodyPr>
+          <a:lstStyle/>
+          <a:p>
+            <a:r>
+              <a:rPr lang="en-US" sz="4000" dirty="0">
+                <a:solidFill>
+                  <a:schemeClr val="bg1"/>
+                </a:solidFill>
+              </a:rPr>
+              <a:t>Move the arm</a:t>
+            </a:r>
+          </a:p>
+        </p:txBody>
+      </p:sp>
+      <p:cxnSp>
+        <p:nvCxnSpPr>
+          <p:cNvPr id="9" name="Straight Arrow Connector 8">
+            <a:extLst>
+              <a:ext uri="{FF2B5EF4-FFF2-40B4-BE49-F238E27FC236}">
+                <a16:creationId xmlns:a16="http://schemas.microsoft.com/office/drawing/2014/main" id="{8CA92049-18B2-4FE0-865D-6DA26ABE036E}"/>
+              </a:ext>
+            </a:extLst>
+          </p:cNvPr>
+          <p:cNvCxnSpPr>
+            <a:cxnSpLocks/>
+            <a:stCxn id="5" idx="3"/>
+            <a:endCxn id="6" idx="1"/>
+          </p:cNvCxnSpPr>
+          <p:nvPr/>
+        </p:nvCxnSpPr>
+        <p:spPr>
+          <a:xfrm>
+            <a:off x="3007895" y="5021263"/>
+            <a:ext cx="497305" cy="0"/>
+          </a:xfrm>
+          <a:prstGeom prst="straightConnector1">
+            <a:avLst/>
+          </a:prstGeom>
+          <a:ln w="38100">
+            <a:tailEnd type="triangle"/>
+          </a:ln>
+        </p:spPr>
+        <p:style>
+          <a:lnRef idx="1">
+            <a:schemeClr val="accent1"/>
+          </a:lnRef>
+          <a:fillRef idx="0">
+            <a:schemeClr val="accent1"/>
+          </a:fillRef>
+          <a:effectRef idx="0">
+            <a:schemeClr val="accent1"/>
+          </a:effectRef>
+          <a:fontRef idx="minor">
+            <a:schemeClr val="tx1"/>
+          </a:fontRef>
+        </p:style>
+      </p:cxnSp>
+      <p:sp>
+        <p:nvSpPr>
+          <p:cNvPr id="6" name="Rectangle 5">
+            <a:extLst>
+              <a:ext uri="{FF2B5EF4-FFF2-40B4-BE49-F238E27FC236}">
+                <a16:creationId xmlns:a16="http://schemas.microsoft.com/office/drawing/2014/main" id="{6E3BC4F8-1472-492F-BE5C-E3DA0C2B974F}"/>
+              </a:ext>
+            </a:extLst>
+          </p:cNvPr>
+          <p:cNvSpPr/>
+          <p:nvPr/>
+        </p:nvSpPr>
+        <p:spPr>
+          <a:xfrm>
+            <a:off x="3505200" y="4411664"/>
+            <a:ext cx="2133600" cy="1219197"/>
+          </a:xfrm>
+          <a:prstGeom prst="rect">
+            <a:avLst/>
+          </a:prstGeom>
+          <a:solidFill>
+            <a:schemeClr val="tx1"/>
+          </a:solidFill>
+          <a:ln>
+            <a:solidFill>
+              <a:srgbClr val="002060"/>
+            </a:solidFill>
+          </a:ln>
+        </p:spPr>
+        <p:style>
+          <a:lnRef idx="2">
+            <a:schemeClr val="accent1">
+              <a:shade val="50000"/>
+            </a:schemeClr>
+          </a:lnRef>
+          <a:fillRef idx="1">
+            <a:schemeClr val="accent1"/>
+          </a:fillRef>
+          <a:effectRef idx="0">
+            <a:schemeClr val="accent1"/>
+          </a:effectRef>
+          <a:fontRef idx="minor">
+            <a:schemeClr val="lt1"/>
+          </a:fontRef>
+        </p:style>
+        <p:txBody>
+          <a:bodyPr rtlCol="0" anchor="ctr"/>
+          <a:lstStyle/>
+          <a:p>
+            <a:pPr algn="ctr"/>
+            <a:r>
+              <a:rPr lang="en-US" dirty="0">
+                <a:solidFill>
+                  <a:sysClr val="windowText" lastClr="000000"/>
+                </a:solidFill>
+              </a:rPr>
+              <a:t>Tele-op.vi</a:t>
+            </a:r>
+          </a:p>
+        </p:txBody>
+      </p:sp>
+      <p:cxnSp>
+        <p:nvCxnSpPr>
+          <p:cNvPr id="8" name="Straight Arrow Connector 7">
+            <a:extLst>
+              <a:ext uri="{FF2B5EF4-FFF2-40B4-BE49-F238E27FC236}">
+                <a16:creationId xmlns:a16="http://schemas.microsoft.com/office/drawing/2014/main" id="{F696DD4C-BD95-479F-B87B-35DA8902F293}"/>
+              </a:ext>
+            </a:extLst>
+          </p:cNvPr>
+          <p:cNvCxnSpPr>
+            <a:stCxn id="6" idx="3"/>
+          </p:cNvCxnSpPr>
+          <p:nvPr/>
+        </p:nvCxnSpPr>
+        <p:spPr>
+          <a:xfrm>
+            <a:off x="5638800" y="5021263"/>
+            <a:ext cx="457200" cy="0"/>
+          </a:xfrm>
+          <a:prstGeom prst="straightConnector1">
+            <a:avLst/>
+          </a:prstGeom>
+          <a:ln w="38100">
+            <a:tailEnd type="triangle"/>
+          </a:ln>
+        </p:spPr>
+        <p:style>
+          <a:lnRef idx="1">
+            <a:schemeClr val="accent1"/>
+          </a:lnRef>
+          <a:fillRef idx="0">
+            <a:schemeClr val="accent1"/>
+          </a:fillRef>
+          <a:effectRef idx="0">
+            <a:schemeClr val="accent1"/>
+          </a:effectRef>
+          <a:fontRef idx="minor">
+            <a:schemeClr val="tx1"/>
+          </a:fontRef>
+        </p:style>
+      </p:cxnSp>
+      <p:sp>
+        <p:nvSpPr>
+          <p:cNvPr id="10" name="Rectangle 9">
+            <a:extLst>
+              <a:ext uri="{FF2B5EF4-FFF2-40B4-BE49-F238E27FC236}">
+                <a16:creationId xmlns:a16="http://schemas.microsoft.com/office/drawing/2014/main" id="{F80770B2-EA15-40C9-9C13-7DC4132531E7}"/>
+              </a:ext>
+            </a:extLst>
+          </p:cNvPr>
+          <p:cNvSpPr/>
+          <p:nvPr/>
+        </p:nvSpPr>
+        <p:spPr>
+          <a:xfrm>
+            <a:off x="6116055" y="4411673"/>
+            <a:ext cx="2133600" cy="1219177"/>
+          </a:xfrm>
+          <a:prstGeom prst="rect">
+            <a:avLst/>
+          </a:prstGeom>
+          <a:solidFill>
+            <a:schemeClr val="tx1"/>
+          </a:solidFill>
+          <a:ln>
+            <a:solidFill>
+              <a:srgbClr val="002060"/>
+            </a:solidFill>
+          </a:ln>
+        </p:spPr>
+        <p:style>
+          <a:lnRef idx="2">
+            <a:schemeClr val="accent1">
+              <a:shade val="50000"/>
+            </a:schemeClr>
+          </a:lnRef>
+          <a:fillRef idx="1">
+            <a:schemeClr val="accent1"/>
+          </a:fillRef>
+          <a:effectRef idx="0">
+            <a:schemeClr val="accent1"/>
+          </a:effectRef>
+          <a:fontRef idx="minor">
+            <a:schemeClr val="lt1"/>
+          </a:fontRef>
+        </p:style>
+        <p:txBody>
+          <a:bodyPr rtlCol="0" anchor="ctr"/>
+          <a:lstStyle/>
+          <a:p>
+            <a:pPr algn="ctr"/>
+            <a:r>
+              <a:rPr lang="en-US" dirty="0">
+                <a:solidFill>
+                  <a:sysClr val="windowText" lastClr="000000"/>
+                </a:solidFill>
+              </a:rPr>
+              <a:t>Motor X = .25</a:t>
+            </a:r>
+          </a:p>
+        </p:txBody>
+      </p:sp>
+    </p:spTree>
+    <p:extLst>
+      <p:ext uri="{BB962C8B-B14F-4D97-AF65-F5344CB8AC3E}">
+        <p14:creationId xmlns:p14="http://schemas.microsoft.com/office/powerpoint/2010/main" val="1802357251"/>
+      </p:ext>
+    </p:extLst>
+  </p:cSld>
+  <p:clrMapOvr>
+    <a:masterClrMapping/>
+  </p:clrMapOvr>
+  <mc:AlternateContent xmlns:mc="http://schemas.openxmlformats.org/markup-compatibility/2006" xmlns:p14="http://schemas.microsoft.com/office/powerpoint/2010/main">
+    <mc:Choice Requires="p14">
+      <p:transition spd="med" p14:dur="700">
+        <p:fade/>
+      </p:transition>
+    </mc:Choice>
+    <mc:Fallback xmlns="">
+      <p:transition spd="med">
+        <p:fade/>
+      </p:transition>
+    </mc:Fallback>
+  </mc:AlternateContent>
+</p:sld>
+</file>
+
+<file path=ppt/slides/slide33.xml><?xml version="1.0" encoding="utf-8"?>
+<p:sld xmlns:a="http://schemas.openxmlformats.org/drawingml/2006/main" xmlns:r="http://schemas.openxmlformats.org/officeDocument/2006/relationships" xmlns:p="http://schemas.openxmlformats.org/presentationml/2006/main">
+  <p:cSld>
+    <p:spTree>
+      <p:nvGrpSpPr>
+        <p:cNvPr id="1" name=""/>
+        <p:cNvGrpSpPr/>
+        <p:nvPr/>
+      </p:nvGrpSpPr>
+      <p:grpSpPr>
+        <a:xfrm>
+          <a:off x="0" y="0"/>
+          <a:ext cx="0" cy="0"/>
+          <a:chOff x="0" y="0"/>
+          <a:chExt cx="0" cy="0"/>
+        </a:xfrm>
+      </p:grpSpPr>
+      <p:sp>
+        <p:nvSpPr>
+          <p:cNvPr id="2" name="Title 1"/>
+          <p:cNvSpPr>
+            <a:spLocks noGrp="1"/>
+          </p:cNvSpPr>
+          <p:nvPr>
+            <p:ph type="title"/>
+          </p:nvPr>
+        </p:nvSpPr>
+        <p:spPr/>
+        <p:txBody>
+          <a:bodyPr/>
+          <a:lstStyle/>
+          <a:p>
+            <a:r>
+              <a:rPr lang="en-US" dirty="0"/>
+              <a:t>Closed Loop Control</a:t>
+            </a:r>
+          </a:p>
+        </p:txBody>
+      </p:sp>
+      <p:sp>
+        <p:nvSpPr>
+          <p:cNvPr id="3" name="Content Placeholder 2"/>
+          <p:cNvSpPr>
+            <a:spLocks noGrp="1"/>
+          </p:cNvSpPr>
+          <p:nvPr>
+            <p:ph idx="1"/>
+          </p:nvPr>
+        </p:nvSpPr>
+        <p:spPr/>
+        <p:txBody>
+          <a:bodyPr/>
+          <a:lstStyle/>
+          <a:p>
+            <a:r>
+              <a:rPr lang="en-US" dirty="0"/>
+              <a:t>Open Loop</a:t>
+            </a:r>
+          </a:p>
+          <a:p>
+            <a:r>
+              <a:rPr lang="en-US" dirty="0"/>
+              <a:t>Closed Loop</a:t>
+            </a:r>
+          </a:p>
+          <a:p>
+            <a:pPr lvl="1"/>
+            <a:r>
+              <a:rPr lang="en-US" dirty="0"/>
+              <a:t>Example</a:t>
+            </a:r>
+          </a:p>
+          <a:p>
+            <a:endParaRPr lang="en-US" dirty="0"/>
+          </a:p>
+        </p:txBody>
+      </p:sp>
+      <p:sp>
+        <p:nvSpPr>
+          <p:cNvPr id="4" name="Rectangle 3">
+            <a:extLst>
+              <a:ext uri="{FF2B5EF4-FFF2-40B4-BE49-F238E27FC236}">
+                <a16:creationId xmlns:a16="http://schemas.microsoft.com/office/drawing/2014/main" id="{D30C2D32-D957-4A83-B144-5AE2102C3BA6}"/>
+              </a:ext>
+            </a:extLst>
+          </p:cNvPr>
+          <p:cNvSpPr/>
+          <p:nvPr/>
+        </p:nvSpPr>
+        <p:spPr>
+          <a:xfrm>
+            <a:off x="609600" y="3681677"/>
+            <a:ext cx="10896600" cy="2574927"/>
+          </a:xfrm>
+          <a:prstGeom prst="rect">
+            <a:avLst/>
+          </a:prstGeom>
+          <a:solidFill>
+            <a:schemeClr val="tx1"/>
+          </a:solidFill>
+          <a:ln>
+            <a:noFill/>
+          </a:ln>
+        </p:spPr>
+        <p:style>
+          <a:lnRef idx="2">
+            <a:schemeClr val="accent1">
+              <a:shade val="50000"/>
+            </a:schemeClr>
+          </a:lnRef>
+          <a:fillRef idx="1">
+            <a:schemeClr val="accent1"/>
+          </a:fillRef>
+          <a:effectRef idx="0">
+            <a:schemeClr val="accent1"/>
+          </a:effectRef>
+          <a:fontRef idx="minor">
+            <a:schemeClr val="lt1"/>
+          </a:fontRef>
+        </p:style>
+        <p:txBody>
+          <a:bodyPr rtlCol="0" anchor="ctr"/>
+          <a:lstStyle/>
+          <a:p>
+            <a:pPr algn="ctr"/>
+            <a:endParaRPr lang="en-US"/>
+          </a:p>
+        </p:txBody>
+      </p:sp>
+      <p:sp>
+        <p:nvSpPr>
+          <p:cNvPr id="5" name="TextBox 4">
+            <a:extLst>
+              <a:ext uri="{FF2B5EF4-FFF2-40B4-BE49-F238E27FC236}">
+                <a16:creationId xmlns:a16="http://schemas.microsoft.com/office/drawing/2014/main" id="{CD5B7853-487C-44C1-8462-F48819A14718}"/>
+              </a:ext>
+            </a:extLst>
+          </p:cNvPr>
+          <p:cNvSpPr txBox="1"/>
+          <p:nvPr/>
+        </p:nvSpPr>
+        <p:spPr>
+          <a:xfrm>
+            <a:off x="1092868" y="4051767"/>
+            <a:ext cx="1905000" cy="1938992"/>
+          </a:xfrm>
+          <a:prstGeom prst="rect">
+            <a:avLst/>
+          </a:prstGeom>
+          <a:noFill/>
+          <a:ln>
+            <a:solidFill>
+              <a:srgbClr val="002060"/>
+            </a:solidFill>
+          </a:ln>
+        </p:spPr>
+        <p:txBody>
+          <a:bodyPr wrap="square" rtlCol="0">
+            <a:spAutoFit/>
+          </a:bodyPr>
+          <a:lstStyle/>
+          <a:p>
+            <a:r>
+              <a:rPr lang="en-US" sz="4000" dirty="0">
+                <a:solidFill>
+                  <a:schemeClr val="bg1"/>
+                </a:solidFill>
+              </a:rPr>
+              <a:t>Set Arm Position to 90 °</a:t>
+            </a:r>
+          </a:p>
+        </p:txBody>
+      </p:sp>
+      <p:cxnSp>
+        <p:nvCxnSpPr>
+          <p:cNvPr id="9" name="Straight Arrow Connector 8">
+            <a:extLst>
+              <a:ext uri="{FF2B5EF4-FFF2-40B4-BE49-F238E27FC236}">
+                <a16:creationId xmlns:a16="http://schemas.microsoft.com/office/drawing/2014/main" id="{8CA92049-18B2-4FE0-865D-6DA26ABE036E}"/>
+              </a:ext>
+            </a:extLst>
+          </p:cNvPr>
+          <p:cNvCxnSpPr>
+            <a:cxnSpLocks/>
+            <a:stCxn id="5" idx="3"/>
+            <a:endCxn id="6" idx="1"/>
+          </p:cNvCxnSpPr>
+          <p:nvPr/>
+        </p:nvCxnSpPr>
+        <p:spPr>
+          <a:xfrm>
+            <a:off x="2997868" y="5021263"/>
+            <a:ext cx="507332" cy="0"/>
+          </a:xfrm>
+          <a:prstGeom prst="straightConnector1">
+            <a:avLst/>
+          </a:prstGeom>
+          <a:ln w="38100">
+            <a:tailEnd type="triangle"/>
+          </a:ln>
+        </p:spPr>
+        <p:style>
+          <a:lnRef idx="1">
+            <a:schemeClr val="accent1"/>
+          </a:lnRef>
+          <a:fillRef idx="0">
+            <a:schemeClr val="accent1"/>
+          </a:fillRef>
+          <a:effectRef idx="0">
+            <a:schemeClr val="accent1"/>
+          </a:effectRef>
+          <a:fontRef idx="minor">
+            <a:schemeClr val="tx1"/>
+          </a:fontRef>
+        </p:style>
+      </p:cxnSp>
+      <p:sp>
+        <p:nvSpPr>
+          <p:cNvPr id="6" name="Rectangle 5">
+            <a:extLst>
+              <a:ext uri="{FF2B5EF4-FFF2-40B4-BE49-F238E27FC236}">
+                <a16:creationId xmlns:a16="http://schemas.microsoft.com/office/drawing/2014/main" id="{6E3BC4F8-1472-492F-BE5C-E3DA0C2B974F}"/>
+              </a:ext>
+            </a:extLst>
+          </p:cNvPr>
+          <p:cNvSpPr/>
+          <p:nvPr/>
+        </p:nvSpPr>
+        <p:spPr>
+          <a:xfrm>
+            <a:off x="3505200" y="4411664"/>
+            <a:ext cx="2133600" cy="1219197"/>
+          </a:xfrm>
+          <a:prstGeom prst="rect">
+            <a:avLst/>
+          </a:prstGeom>
+          <a:solidFill>
+            <a:schemeClr val="tx1"/>
+          </a:solidFill>
+          <a:ln>
+            <a:solidFill>
+              <a:srgbClr val="002060"/>
+            </a:solidFill>
+          </a:ln>
+        </p:spPr>
+        <p:style>
+          <a:lnRef idx="2">
+            <a:schemeClr val="accent1">
+              <a:shade val="50000"/>
+            </a:schemeClr>
+          </a:lnRef>
+          <a:fillRef idx="1">
+            <a:schemeClr val="accent1"/>
+          </a:fillRef>
+          <a:effectRef idx="0">
+            <a:schemeClr val="accent1"/>
+          </a:effectRef>
+          <a:fontRef idx="minor">
+            <a:schemeClr val="lt1"/>
+          </a:fontRef>
+        </p:style>
+        <p:txBody>
+          <a:bodyPr rtlCol="0" anchor="ctr"/>
+          <a:lstStyle/>
+          <a:p>
+            <a:pPr algn="ctr"/>
+            <a:r>
+              <a:rPr lang="en-US" dirty="0">
+                <a:solidFill>
+                  <a:sysClr val="windowText" lastClr="000000"/>
+                </a:solidFill>
+              </a:rPr>
+              <a:t>Tele-op.vi</a:t>
+            </a:r>
+          </a:p>
+        </p:txBody>
+      </p:sp>
+      <p:cxnSp>
+        <p:nvCxnSpPr>
+          <p:cNvPr id="8" name="Straight Arrow Connector 7">
+            <a:extLst>
+              <a:ext uri="{FF2B5EF4-FFF2-40B4-BE49-F238E27FC236}">
+                <a16:creationId xmlns:a16="http://schemas.microsoft.com/office/drawing/2014/main" id="{F696DD4C-BD95-479F-B87B-35DA8902F293}"/>
+              </a:ext>
+            </a:extLst>
+          </p:cNvPr>
+          <p:cNvCxnSpPr>
+            <a:stCxn id="6" idx="3"/>
+          </p:cNvCxnSpPr>
+          <p:nvPr/>
+        </p:nvCxnSpPr>
+        <p:spPr>
+          <a:xfrm>
+            <a:off x="5638800" y="5021263"/>
+            <a:ext cx="457200" cy="0"/>
+          </a:xfrm>
+          <a:prstGeom prst="straightConnector1">
+            <a:avLst/>
+          </a:prstGeom>
+          <a:ln w="38100">
+            <a:tailEnd type="triangle"/>
+          </a:ln>
+        </p:spPr>
+        <p:style>
+          <a:lnRef idx="1">
+            <a:schemeClr val="accent1"/>
+          </a:lnRef>
+          <a:fillRef idx="0">
+            <a:schemeClr val="accent1"/>
+          </a:fillRef>
+          <a:effectRef idx="0">
+            <a:schemeClr val="accent1"/>
+          </a:effectRef>
+          <a:fontRef idx="minor">
+            <a:schemeClr val="tx1"/>
+          </a:fontRef>
+        </p:style>
+      </p:cxnSp>
+      <p:sp>
+        <p:nvSpPr>
+          <p:cNvPr id="10" name="Rectangle 9">
+            <a:extLst>
+              <a:ext uri="{FF2B5EF4-FFF2-40B4-BE49-F238E27FC236}">
+                <a16:creationId xmlns:a16="http://schemas.microsoft.com/office/drawing/2014/main" id="{F80770B2-EA15-40C9-9C13-7DC4132531E7}"/>
+              </a:ext>
+            </a:extLst>
+          </p:cNvPr>
+          <p:cNvSpPr/>
+          <p:nvPr/>
+        </p:nvSpPr>
+        <p:spPr>
+          <a:xfrm>
+            <a:off x="6116055" y="4411673"/>
+            <a:ext cx="2133600" cy="1219177"/>
+          </a:xfrm>
+          <a:prstGeom prst="rect">
+            <a:avLst/>
+          </a:prstGeom>
+          <a:solidFill>
+            <a:schemeClr val="tx1"/>
+          </a:solidFill>
+          <a:ln>
+            <a:solidFill>
+              <a:srgbClr val="002060"/>
+            </a:solidFill>
+          </a:ln>
+        </p:spPr>
+        <p:style>
+          <a:lnRef idx="2">
+            <a:schemeClr val="accent1">
+              <a:shade val="50000"/>
+            </a:schemeClr>
+          </a:lnRef>
+          <a:fillRef idx="1">
+            <a:schemeClr val="accent1"/>
+          </a:fillRef>
+          <a:effectRef idx="0">
+            <a:schemeClr val="accent1"/>
+          </a:effectRef>
+          <a:fontRef idx="minor">
+            <a:schemeClr val="lt1"/>
+          </a:fontRef>
+        </p:style>
+        <p:txBody>
+          <a:bodyPr rtlCol="0" anchor="ctr"/>
+          <a:lstStyle/>
+          <a:p>
+            <a:pPr algn="ctr"/>
+            <a:r>
+              <a:rPr lang="en-US" dirty="0">
+                <a:solidFill>
+                  <a:sysClr val="windowText" lastClr="000000"/>
+                </a:solidFill>
+              </a:rPr>
+              <a:t>Motor X = .25</a:t>
+            </a:r>
+          </a:p>
+        </p:txBody>
+      </p:sp>
+      <p:sp>
+        <p:nvSpPr>
+          <p:cNvPr id="11" name="Rectangle 10">
+            <a:extLst>
+              <a:ext uri="{FF2B5EF4-FFF2-40B4-BE49-F238E27FC236}">
+                <a16:creationId xmlns:a16="http://schemas.microsoft.com/office/drawing/2014/main" id="{B3201273-7B7E-4E6D-A0E0-6135EE832DB3}"/>
+              </a:ext>
+            </a:extLst>
+          </p:cNvPr>
+          <p:cNvSpPr/>
+          <p:nvPr/>
+        </p:nvSpPr>
+        <p:spPr>
+          <a:xfrm>
+            <a:off x="8534400" y="4411664"/>
+            <a:ext cx="1828800" cy="1219177"/>
+          </a:xfrm>
+          <a:prstGeom prst="rect">
+            <a:avLst/>
+          </a:prstGeom>
+          <a:solidFill>
+            <a:schemeClr val="tx1"/>
+          </a:solidFill>
+          <a:ln>
+            <a:solidFill>
+              <a:srgbClr val="002060"/>
+            </a:solidFill>
+          </a:ln>
+        </p:spPr>
+        <p:style>
+          <a:lnRef idx="2">
+            <a:schemeClr val="accent1">
+              <a:shade val="50000"/>
+            </a:schemeClr>
+          </a:lnRef>
+          <a:fillRef idx="1">
+            <a:schemeClr val="accent1"/>
+          </a:fillRef>
+          <a:effectRef idx="0">
+            <a:schemeClr val="accent1"/>
+          </a:effectRef>
+          <a:fontRef idx="minor">
+            <a:schemeClr val="lt1"/>
+          </a:fontRef>
+        </p:style>
+        <p:txBody>
+          <a:bodyPr rtlCol="0" anchor="ctr"/>
+          <a:lstStyle/>
+          <a:p>
+            <a:pPr algn="ctr"/>
+            <a:r>
+              <a:rPr lang="en-US" dirty="0">
+                <a:solidFill>
+                  <a:sysClr val="windowText" lastClr="000000"/>
+                </a:solidFill>
+              </a:rPr>
+              <a:t>Potentiometer</a:t>
+            </a:r>
+          </a:p>
+        </p:txBody>
+      </p:sp>
+      <p:cxnSp>
+        <p:nvCxnSpPr>
+          <p:cNvPr id="13" name="Straight Arrow Connector 12">
+            <a:extLst>
+              <a:ext uri="{FF2B5EF4-FFF2-40B4-BE49-F238E27FC236}">
+                <a16:creationId xmlns:a16="http://schemas.microsoft.com/office/drawing/2014/main" id="{5A705F69-0C63-46F5-BF0C-009D0DCAADBB}"/>
+              </a:ext>
+            </a:extLst>
+          </p:cNvPr>
+          <p:cNvCxnSpPr>
+            <a:stCxn id="10" idx="3"/>
+            <a:endCxn id="11" idx="1"/>
+          </p:cNvCxnSpPr>
+          <p:nvPr/>
+        </p:nvCxnSpPr>
+        <p:spPr>
+          <a:xfrm flipV="1">
+            <a:off x="8249655" y="5021253"/>
+            <a:ext cx="284745" cy="9"/>
+          </a:xfrm>
+          <a:prstGeom prst="straightConnector1">
+            <a:avLst/>
+          </a:prstGeom>
+          <a:ln w="38100">
+            <a:tailEnd type="triangle"/>
+          </a:ln>
+        </p:spPr>
+        <p:style>
+          <a:lnRef idx="1">
+            <a:schemeClr val="accent1"/>
+          </a:lnRef>
+          <a:fillRef idx="0">
+            <a:schemeClr val="accent1"/>
+          </a:fillRef>
+          <a:effectRef idx="0">
+            <a:schemeClr val="accent1"/>
+          </a:effectRef>
+          <a:fontRef idx="minor">
+            <a:schemeClr val="tx1"/>
+          </a:fontRef>
+        </p:style>
+      </p:cxnSp>
+    </p:spTree>
+    <p:extLst>
+      <p:ext uri="{BB962C8B-B14F-4D97-AF65-F5344CB8AC3E}">
+        <p14:creationId xmlns:p14="http://schemas.microsoft.com/office/powerpoint/2010/main" val="1718960498"/>
+      </p:ext>
+    </p:extLst>
+  </p:cSld>
+  <p:clrMapOvr>
+    <a:masterClrMapping/>
+  </p:clrMapOvr>
+  <mc:AlternateContent xmlns:mc="http://schemas.openxmlformats.org/markup-compatibility/2006" xmlns:p14="http://schemas.microsoft.com/office/powerpoint/2010/main">
+    <mc:Choice Requires="p14">
+      <p:transition spd="med" p14:dur="700">
+        <p:fade/>
+      </p:transition>
+    </mc:Choice>
+    <mc:Fallback xmlns="">
+      <p:transition spd="med">
+        <p:fade/>
+      </p:transition>
+    </mc:Fallback>
+  </mc:AlternateContent>
+</p:sld>
+</file>
+
+<file path=ppt/slides/slide34.xml><?xml version="1.0" encoding="utf-8"?>
+<p:sld xmlns:a="http://schemas.openxmlformats.org/drawingml/2006/main" xmlns:r="http://schemas.openxmlformats.org/officeDocument/2006/relationships" xmlns:p="http://schemas.openxmlformats.org/presentationml/2006/main">
+  <p:cSld>
+    <p:spTree>
+      <p:nvGrpSpPr>
+        <p:cNvPr id="1" name=""/>
+        <p:cNvGrpSpPr/>
+        <p:nvPr/>
+      </p:nvGrpSpPr>
+      <p:grpSpPr>
+        <a:xfrm>
+          <a:off x="0" y="0"/>
+          <a:ext cx="0" cy="0"/>
+          <a:chOff x="0" y="0"/>
+          <a:chExt cx="0" cy="0"/>
+        </a:xfrm>
+      </p:grpSpPr>
+      <p:sp>
+        <p:nvSpPr>
+          <p:cNvPr id="2" name="Title 1"/>
+          <p:cNvSpPr>
+            <a:spLocks noGrp="1"/>
+          </p:cNvSpPr>
+          <p:nvPr>
+            <p:ph type="title"/>
+          </p:nvPr>
+        </p:nvSpPr>
+        <p:spPr/>
+        <p:txBody>
+          <a:bodyPr/>
+          <a:lstStyle/>
+          <a:p>
+            <a:r>
+              <a:rPr lang="en-US" dirty="0"/>
+              <a:t>Closed Loop Control</a:t>
+            </a:r>
+          </a:p>
+        </p:txBody>
+      </p:sp>
+      <p:sp>
+        <p:nvSpPr>
+          <p:cNvPr id="3" name="Content Placeholder 2"/>
+          <p:cNvSpPr>
+            <a:spLocks noGrp="1"/>
+          </p:cNvSpPr>
+          <p:nvPr>
+            <p:ph idx="1"/>
+          </p:nvPr>
+        </p:nvSpPr>
+        <p:spPr/>
+        <p:txBody>
+          <a:bodyPr/>
+          <a:lstStyle/>
+          <a:p>
+            <a:r>
+              <a:rPr lang="en-US" dirty="0"/>
+              <a:t>Open Loop</a:t>
+            </a:r>
+          </a:p>
+          <a:p>
+            <a:r>
+              <a:rPr lang="en-US" dirty="0"/>
+              <a:t>Closed Loop</a:t>
+            </a:r>
+          </a:p>
+          <a:p>
+            <a:pPr lvl="1"/>
+            <a:r>
+              <a:rPr lang="en-US" dirty="0"/>
+              <a:t>Example</a:t>
+            </a:r>
+          </a:p>
+          <a:p>
+            <a:endParaRPr lang="en-US" dirty="0"/>
+          </a:p>
+        </p:txBody>
+      </p:sp>
+      <p:sp>
+        <p:nvSpPr>
+          <p:cNvPr id="4" name="Rectangle 3">
+            <a:extLst>
+              <a:ext uri="{FF2B5EF4-FFF2-40B4-BE49-F238E27FC236}">
+                <a16:creationId xmlns:a16="http://schemas.microsoft.com/office/drawing/2014/main" id="{D30C2D32-D957-4A83-B144-5AE2102C3BA6}"/>
+              </a:ext>
+            </a:extLst>
+          </p:cNvPr>
+          <p:cNvSpPr/>
+          <p:nvPr/>
+        </p:nvSpPr>
+        <p:spPr>
+          <a:xfrm>
+            <a:off x="609600" y="3681677"/>
+            <a:ext cx="10896600" cy="2574927"/>
+          </a:xfrm>
+          <a:prstGeom prst="rect">
+            <a:avLst/>
+          </a:prstGeom>
+          <a:solidFill>
+            <a:schemeClr val="tx1"/>
+          </a:solidFill>
+          <a:ln>
+            <a:noFill/>
+          </a:ln>
+        </p:spPr>
+        <p:style>
+          <a:lnRef idx="2">
+            <a:schemeClr val="accent1">
+              <a:shade val="50000"/>
+            </a:schemeClr>
+          </a:lnRef>
+          <a:fillRef idx="1">
+            <a:schemeClr val="accent1"/>
+          </a:fillRef>
+          <a:effectRef idx="0">
+            <a:schemeClr val="accent1"/>
+          </a:effectRef>
+          <a:fontRef idx="minor">
+            <a:schemeClr val="lt1"/>
+          </a:fontRef>
+        </p:style>
+        <p:txBody>
+          <a:bodyPr rtlCol="0" anchor="ctr"/>
+          <a:lstStyle/>
+          <a:p>
+            <a:pPr algn="ctr"/>
+            <a:endParaRPr lang="en-US"/>
+          </a:p>
+        </p:txBody>
+      </p:sp>
+      <p:sp>
+        <p:nvSpPr>
+          <p:cNvPr id="5" name="TextBox 4">
+            <a:extLst>
+              <a:ext uri="{FF2B5EF4-FFF2-40B4-BE49-F238E27FC236}">
+                <a16:creationId xmlns:a16="http://schemas.microsoft.com/office/drawing/2014/main" id="{CD5B7853-487C-44C1-8462-F48819A14718}"/>
+              </a:ext>
+            </a:extLst>
+          </p:cNvPr>
+          <p:cNvSpPr txBox="1"/>
+          <p:nvPr/>
+        </p:nvSpPr>
+        <p:spPr>
+          <a:xfrm>
+            <a:off x="1092868" y="4051767"/>
+            <a:ext cx="1905000" cy="1938992"/>
+          </a:xfrm>
+          <a:prstGeom prst="rect">
+            <a:avLst/>
+          </a:prstGeom>
+          <a:noFill/>
+          <a:ln>
+            <a:solidFill>
+              <a:srgbClr val="002060"/>
+            </a:solidFill>
+          </a:ln>
+        </p:spPr>
+        <p:txBody>
+          <a:bodyPr wrap="square" rtlCol="0">
+            <a:spAutoFit/>
+          </a:bodyPr>
+          <a:lstStyle/>
+          <a:p>
+            <a:r>
+              <a:rPr lang="en-US" sz="4000" dirty="0">
+                <a:solidFill>
+                  <a:schemeClr val="bg1"/>
+                </a:solidFill>
+              </a:rPr>
+              <a:t>Set Arm Position to 90 °</a:t>
+            </a:r>
+          </a:p>
+        </p:txBody>
+      </p:sp>
+      <p:cxnSp>
+        <p:nvCxnSpPr>
+          <p:cNvPr id="9" name="Straight Arrow Connector 8">
+            <a:extLst>
+              <a:ext uri="{FF2B5EF4-FFF2-40B4-BE49-F238E27FC236}">
+                <a16:creationId xmlns:a16="http://schemas.microsoft.com/office/drawing/2014/main" id="{8CA92049-18B2-4FE0-865D-6DA26ABE036E}"/>
+              </a:ext>
+            </a:extLst>
+          </p:cNvPr>
+          <p:cNvCxnSpPr>
+            <a:cxnSpLocks/>
+            <a:stCxn id="5" idx="3"/>
+            <a:endCxn id="6" idx="1"/>
+          </p:cNvCxnSpPr>
+          <p:nvPr/>
+        </p:nvCxnSpPr>
+        <p:spPr>
+          <a:xfrm>
+            <a:off x="2997868" y="5021263"/>
+            <a:ext cx="507332" cy="0"/>
+          </a:xfrm>
+          <a:prstGeom prst="straightConnector1">
+            <a:avLst/>
+          </a:prstGeom>
+          <a:ln w="38100">
+            <a:tailEnd type="triangle"/>
+          </a:ln>
+        </p:spPr>
+        <p:style>
+          <a:lnRef idx="1">
+            <a:schemeClr val="accent1"/>
+          </a:lnRef>
+          <a:fillRef idx="0">
+            <a:schemeClr val="accent1"/>
+          </a:fillRef>
+          <a:effectRef idx="0">
+            <a:schemeClr val="accent1"/>
+          </a:effectRef>
+          <a:fontRef idx="minor">
+            <a:schemeClr val="tx1"/>
+          </a:fontRef>
+        </p:style>
+      </p:cxnSp>
+      <p:sp>
+        <p:nvSpPr>
+          <p:cNvPr id="6" name="Rectangle 5">
+            <a:extLst>
+              <a:ext uri="{FF2B5EF4-FFF2-40B4-BE49-F238E27FC236}">
+                <a16:creationId xmlns:a16="http://schemas.microsoft.com/office/drawing/2014/main" id="{6E3BC4F8-1472-492F-BE5C-E3DA0C2B974F}"/>
+              </a:ext>
+            </a:extLst>
+          </p:cNvPr>
+          <p:cNvSpPr/>
+          <p:nvPr/>
+        </p:nvSpPr>
+        <p:spPr>
+          <a:xfrm>
+            <a:off x="3505200" y="4411664"/>
+            <a:ext cx="2133600" cy="1219197"/>
+          </a:xfrm>
+          <a:prstGeom prst="rect">
+            <a:avLst/>
+          </a:prstGeom>
+          <a:solidFill>
+            <a:schemeClr val="tx1"/>
+          </a:solidFill>
+          <a:ln>
+            <a:solidFill>
+              <a:srgbClr val="002060"/>
+            </a:solidFill>
+          </a:ln>
+        </p:spPr>
+        <p:style>
+          <a:lnRef idx="2">
+            <a:schemeClr val="accent1">
+              <a:shade val="50000"/>
+            </a:schemeClr>
+          </a:lnRef>
+          <a:fillRef idx="1">
+            <a:schemeClr val="accent1"/>
+          </a:fillRef>
+          <a:effectRef idx="0">
+            <a:schemeClr val="accent1"/>
+          </a:effectRef>
+          <a:fontRef idx="minor">
+            <a:schemeClr val="lt1"/>
+          </a:fontRef>
+        </p:style>
+        <p:txBody>
+          <a:bodyPr rtlCol="0" anchor="ctr"/>
+          <a:lstStyle/>
+          <a:p>
+            <a:pPr algn="ctr"/>
+            <a:r>
+              <a:rPr lang="en-US" dirty="0">
+                <a:solidFill>
+                  <a:sysClr val="windowText" lastClr="000000"/>
+                </a:solidFill>
+              </a:rPr>
+              <a:t>Tele-op.vi</a:t>
+            </a:r>
+          </a:p>
+        </p:txBody>
+      </p:sp>
+      <p:cxnSp>
+        <p:nvCxnSpPr>
+          <p:cNvPr id="8" name="Straight Arrow Connector 7">
+            <a:extLst>
+              <a:ext uri="{FF2B5EF4-FFF2-40B4-BE49-F238E27FC236}">
+                <a16:creationId xmlns:a16="http://schemas.microsoft.com/office/drawing/2014/main" id="{F696DD4C-BD95-479F-B87B-35DA8902F293}"/>
+              </a:ext>
+            </a:extLst>
+          </p:cNvPr>
+          <p:cNvCxnSpPr>
+            <a:stCxn id="6" idx="3"/>
+          </p:cNvCxnSpPr>
+          <p:nvPr/>
+        </p:nvCxnSpPr>
+        <p:spPr>
+          <a:xfrm>
+            <a:off x="5638800" y="5021263"/>
+            <a:ext cx="457200" cy="0"/>
+          </a:xfrm>
+          <a:prstGeom prst="straightConnector1">
+            <a:avLst/>
+          </a:prstGeom>
+          <a:ln w="38100">
+            <a:tailEnd type="triangle"/>
+          </a:ln>
+        </p:spPr>
+        <p:style>
+          <a:lnRef idx="1">
+            <a:schemeClr val="accent1"/>
+          </a:lnRef>
+          <a:fillRef idx="0">
+            <a:schemeClr val="accent1"/>
+          </a:fillRef>
+          <a:effectRef idx="0">
+            <a:schemeClr val="accent1"/>
+          </a:effectRef>
+          <a:fontRef idx="minor">
+            <a:schemeClr val="tx1"/>
+          </a:fontRef>
+        </p:style>
+      </p:cxnSp>
+      <p:sp>
+        <p:nvSpPr>
+          <p:cNvPr id="10" name="Rectangle 9">
+            <a:extLst>
+              <a:ext uri="{FF2B5EF4-FFF2-40B4-BE49-F238E27FC236}">
+                <a16:creationId xmlns:a16="http://schemas.microsoft.com/office/drawing/2014/main" id="{F80770B2-EA15-40C9-9C13-7DC4132531E7}"/>
+              </a:ext>
+            </a:extLst>
+          </p:cNvPr>
+          <p:cNvSpPr/>
+          <p:nvPr/>
+        </p:nvSpPr>
+        <p:spPr>
+          <a:xfrm>
+            <a:off x="6116055" y="4411673"/>
+            <a:ext cx="2133600" cy="1219177"/>
+          </a:xfrm>
+          <a:prstGeom prst="rect">
+            <a:avLst/>
+          </a:prstGeom>
+          <a:solidFill>
+            <a:schemeClr val="tx1"/>
+          </a:solidFill>
+          <a:ln>
+            <a:solidFill>
+              <a:srgbClr val="002060"/>
+            </a:solidFill>
+          </a:ln>
+        </p:spPr>
+        <p:style>
+          <a:lnRef idx="2">
+            <a:schemeClr val="accent1">
+              <a:shade val="50000"/>
+            </a:schemeClr>
+          </a:lnRef>
+          <a:fillRef idx="1">
+            <a:schemeClr val="accent1"/>
+          </a:fillRef>
+          <a:effectRef idx="0">
+            <a:schemeClr val="accent1"/>
+          </a:effectRef>
+          <a:fontRef idx="minor">
+            <a:schemeClr val="lt1"/>
+          </a:fontRef>
+        </p:style>
+        <p:txBody>
+          <a:bodyPr rtlCol="0" anchor="ctr"/>
+          <a:lstStyle/>
+          <a:p>
+            <a:pPr algn="ctr"/>
+            <a:r>
+              <a:rPr lang="en-US" dirty="0">
+                <a:solidFill>
+                  <a:sysClr val="windowText" lastClr="000000"/>
+                </a:solidFill>
+              </a:rPr>
+              <a:t>Motor X</a:t>
+            </a:r>
+          </a:p>
+        </p:txBody>
+      </p:sp>
+      <p:sp>
+        <p:nvSpPr>
+          <p:cNvPr id="11" name="Rectangle 10">
+            <a:extLst>
+              <a:ext uri="{FF2B5EF4-FFF2-40B4-BE49-F238E27FC236}">
+                <a16:creationId xmlns:a16="http://schemas.microsoft.com/office/drawing/2014/main" id="{B3201273-7B7E-4E6D-A0E0-6135EE832DB3}"/>
+              </a:ext>
+            </a:extLst>
+          </p:cNvPr>
+          <p:cNvSpPr/>
+          <p:nvPr/>
+        </p:nvSpPr>
+        <p:spPr>
+          <a:xfrm>
+            <a:off x="8534400" y="4411664"/>
+            <a:ext cx="1828800" cy="1219177"/>
+          </a:xfrm>
+          <a:prstGeom prst="rect">
+            <a:avLst/>
+          </a:prstGeom>
+          <a:solidFill>
+            <a:schemeClr val="tx1"/>
+          </a:solidFill>
+          <a:ln>
+            <a:solidFill>
+              <a:srgbClr val="002060"/>
+            </a:solidFill>
+          </a:ln>
+        </p:spPr>
+        <p:style>
+          <a:lnRef idx="2">
+            <a:schemeClr val="accent1">
+              <a:shade val="50000"/>
+            </a:schemeClr>
+          </a:lnRef>
+          <a:fillRef idx="1">
+            <a:schemeClr val="accent1"/>
+          </a:fillRef>
+          <a:effectRef idx="0">
+            <a:schemeClr val="accent1"/>
+          </a:effectRef>
+          <a:fontRef idx="minor">
+            <a:schemeClr val="lt1"/>
+          </a:fontRef>
+        </p:style>
+        <p:txBody>
+          <a:bodyPr rtlCol="0" anchor="ctr"/>
+          <a:lstStyle/>
+          <a:p>
+            <a:pPr algn="ctr"/>
+            <a:r>
+              <a:rPr lang="en-US" dirty="0">
+                <a:solidFill>
+                  <a:sysClr val="windowText" lastClr="000000"/>
+                </a:solidFill>
+              </a:rPr>
+              <a:t>Potentiometer</a:t>
+            </a:r>
+          </a:p>
+        </p:txBody>
+      </p:sp>
+      <p:cxnSp>
+        <p:nvCxnSpPr>
+          <p:cNvPr id="13" name="Straight Arrow Connector 12">
+            <a:extLst>
+              <a:ext uri="{FF2B5EF4-FFF2-40B4-BE49-F238E27FC236}">
+                <a16:creationId xmlns:a16="http://schemas.microsoft.com/office/drawing/2014/main" id="{5A705F69-0C63-46F5-BF0C-009D0DCAADBB}"/>
+              </a:ext>
+            </a:extLst>
+          </p:cNvPr>
+          <p:cNvCxnSpPr>
+            <a:stCxn id="10" idx="3"/>
+            <a:endCxn id="11" idx="1"/>
+          </p:cNvCxnSpPr>
+          <p:nvPr/>
+        </p:nvCxnSpPr>
+        <p:spPr>
+          <a:xfrm flipV="1">
+            <a:off x="8249655" y="5021253"/>
+            <a:ext cx="284745" cy="9"/>
+          </a:xfrm>
+          <a:prstGeom prst="straightConnector1">
+            <a:avLst/>
+          </a:prstGeom>
+          <a:ln w="38100">
+            <a:tailEnd type="triangle"/>
+          </a:ln>
+        </p:spPr>
+        <p:style>
+          <a:lnRef idx="1">
+            <a:schemeClr val="accent1"/>
+          </a:lnRef>
+          <a:fillRef idx="0">
+            <a:schemeClr val="accent1"/>
+          </a:fillRef>
+          <a:effectRef idx="0">
+            <a:schemeClr val="accent1"/>
+          </a:effectRef>
+          <a:fontRef idx="minor">
+            <a:schemeClr val="tx1"/>
+          </a:fontRef>
+        </p:style>
+      </p:cxnSp>
+      <p:cxnSp>
+        <p:nvCxnSpPr>
+          <p:cNvPr id="12" name="Connector: Elbow 11">
+            <a:extLst>
+              <a:ext uri="{FF2B5EF4-FFF2-40B4-BE49-F238E27FC236}">
+                <a16:creationId xmlns:a16="http://schemas.microsoft.com/office/drawing/2014/main" id="{8652A86A-22CF-4DF1-A2FB-6B77E24B22DC}"/>
+              </a:ext>
+            </a:extLst>
+          </p:cNvPr>
+          <p:cNvCxnSpPr>
+            <a:stCxn id="11" idx="0"/>
+            <a:endCxn id="6" idx="0"/>
+          </p:cNvCxnSpPr>
+          <p:nvPr/>
+        </p:nvCxnSpPr>
+        <p:spPr>
+          <a:xfrm rot="16200000" flipV="1">
+            <a:off x="7010400" y="1973264"/>
+            <a:ext cx="12700" cy="4876800"/>
+          </a:xfrm>
+          <a:prstGeom prst="bentConnector3">
+            <a:avLst>
+              <a:gd name="adj1" fmla="val 1800000"/>
+            </a:avLst>
+          </a:prstGeom>
+          <a:ln w="38100">
+            <a:tailEnd type="triangle"/>
+          </a:ln>
+        </p:spPr>
+        <p:style>
+          <a:lnRef idx="1">
+            <a:schemeClr val="accent1"/>
+          </a:lnRef>
+          <a:fillRef idx="0">
+            <a:schemeClr val="accent1"/>
+          </a:fillRef>
+          <a:effectRef idx="0">
+            <a:schemeClr val="accent1"/>
+          </a:effectRef>
+          <a:fontRef idx="minor">
+            <a:schemeClr val="tx1"/>
+          </a:fontRef>
+        </p:style>
+      </p:cxnSp>
+      <p:sp>
+        <p:nvSpPr>
+          <p:cNvPr id="14" name="TextBox 13">
+            <a:extLst>
+              <a:ext uri="{FF2B5EF4-FFF2-40B4-BE49-F238E27FC236}">
+                <a16:creationId xmlns:a16="http://schemas.microsoft.com/office/drawing/2014/main" id="{A2D075A5-AE2E-4BDF-8F45-F7C324D0CA2F}"/>
+              </a:ext>
+            </a:extLst>
+          </p:cNvPr>
+          <p:cNvSpPr txBox="1"/>
+          <p:nvPr/>
+        </p:nvSpPr>
+        <p:spPr>
+          <a:xfrm>
+            <a:off x="6251575" y="3845260"/>
+            <a:ext cx="1524000" cy="369332"/>
+          </a:xfrm>
+          <a:prstGeom prst="rect">
+            <a:avLst/>
+          </a:prstGeom>
+          <a:noFill/>
+        </p:spPr>
+        <p:txBody>
+          <a:bodyPr wrap="square" rtlCol="0">
+            <a:spAutoFit/>
+          </a:bodyPr>
+          <a:lstStyle/>
+          <a:p>
+            <a:r>
+              <a:rPr lang="en-US" dirty="0">
+                <a:solidFill>
+                  <a:schemeClr val="bg1"/>
+                </a:solidFill>
+              </a:rPr>
+              <a:t>(arm position)</a:t>
+            </a:r>
+          </a:p>
+        </p:txBody>
+      </p:sp>
+    </p:spTree>
+    <p:extLst>
+      <p:ext uri="{BB962C8B-B14F-4D97-AF65-F5344CB8AC3E}">
+        <p14:creationId xmlns:p14="http://schemas.microsoft.com/office/powerpoint/2010/main" val="3854922676"/>
+      </p:ext>
+    </p:extLst>
+  </p:cSld>
+  <p:clrMapOvr>
+    <a:masterClrMapping/>
+  </p:clrMapOvr>
+  <mc:AlternateContent xmlns:mc="http://schemas.openxmlformats.org/markup-compatibility/2006" xmlns:p14="http://schemas.microsoft.com/office/powerpoint/2010/main">
+    <mc:Choice Requires="p14">
+      <p:transition spd="med" p14:dur="700">
+        <p:fade/>
+      </p:transition>
+    </mc:Choice>
+    <mc:Fallback xmlns="">
+      <p:transition spd="med">
+        <p:fade/>
+      </p:transition>
+    </mc:Fallback>
+  </mc:AlternateContent>
+</p:sld>
+</file>
+
+<file path=ppt/slides/slide35.xml><?xml version="1.0" encoding="utf-8"?>
+<p:sld xmlns:a="http://schemas.openxmlformats.org/drawingml/2006/main" xmlns:r="http://schemas.openxmlformats.org/officeDocument/2006/relationships" xmlns:p="http://schemas.openxmlformats.org/presentationml/2006/main">
+  <p:cSld>
+    <p:spTree>
+      <p:nvGrpSpPr>
+        <p:cNvPr id="1" name=""/>
+        <p:cNvGrpSpPr/>
+        <p:nvPr/>
+      </p:nvGrpSpPr>
+      <p:grpSpPr>
+        <a:xfrm>
+          <a:off x="0" y="0"/>
+          <a:ext cx="0" cy="0"/>
+          <a:chOff x="0" y="0"/>
+          <a:chExt cx="0" cy="0"/>
+        </a:xfrm>
+      </p:grpSpPr>
+      <p:sp>
+        <p:nvSpPr>
+          <p:cNvPr id="2" name="Title 1"/>
+          <p:cNvSpPr>
+            <a:spLocks noGrp="1"/>
+          </p:cNvSpPr>
+          <p:nvPr>
+            <p:ph type="title"/>
+          </p:nvPr>
+        </p:nvSpPr>
+        <p:spPr/>
+        <p:txBody>
+          <a:bodyPr/>
+          <a:lstStyle/>
+          <a:p>
+            <a:r>
+              <a:rPr lang="en-US" dirty="0"/>
+              <a:t>Closed Loop Control - PID</a:t>
+            </a:r>
+          </a:p>
+        </p:txBody>
+      </p:sp>
+      <p:sp>
+        <p:nvSpPr>
+          <p:cNvPr id="3" name="Content Placeholder 2"/>
+          <p:cNvSpPr>
+            <a:spLocks noGrp="1"/>
+          </p:cNvSpPr>
+          <p:nvPr>
+            <p:ph idx="1"/>
+          </p:nvPr>
+        </p:nvSpPr>
+        <p:spPr/>
+        <p:txBody>
+          <a:bodyPr/>
+          <a:lstStyle/>
+          <a:p>
+            <a:r>
+              <a:rPr lang="en-US" dirty="0"/>
+              <a:t>PID stand for:</a:t>
+            </a:r>
+          </a:p>
+          <a:p>
+            <a:pPr lvl="1"/>
+            <a:r>
+              <a:rPr lang="en-US" dirty="0"/>
+              <a:t>Proportional</a:t>
+            </a:r>
+          </a:p>
+          <a:p>
+            <a:pPr lvl="1"/>
+            <a:r>
+              <a:rPr lang="en-US" dirty="0"/>
+              <a:t>Integral</a:t>
+            </a:r>
+          </a:p>
+          <a:p>
+            <a:pPr lvl="1"/>
+            <a:r>
+              <a:rPr lang="en-US" dirty="0"/>
+              <a:t>Derivative</a:t>
+            </a:r>
+          </a:p>
+          <a:p>
+            <a:endParaRPr lang="en-US" dirty="0"/>
+          </a:p>
+        </p:txBody>
+      </p:sp>
+      <p:sp>
+        <p:nvSpPr>
+          <p:cNvPr id="4" name="Rectangle 3">
+            <a:extLst>
+              <a:ext uri="{FF2B5EF4-FFF2-40B4-BE49-F238E27FC236}">
+                <a16:creationId xmlns:a16="http://schemas.microsoft.com/office/drawing/2014/main" id="{D30C2D32-D957-4A83-B144-5AE2102C3BA6}"/>
+              </a:ext>
+            </a:extLst>
+          </p:cNvPr>
+          <p:cNvSpPr/>
+          <p:nvPr/>
+        </p:nvSpPr>
+        <p:spPr>
+          <a:xfrm>
+            <a:off x="609600" y="3884724"/>
+            <a:ext cx="10896600" cy="2574927"/>
+          </a:xfrm>
+          <a:prstGeom prst="rect">
+            <a:avLst/>
+          </a:prstGeom>
+          <a:solidFill>
+            <a:schemeClr val="tx1"/>
+          </a:solidFill>
+          <a:ln>
+            <a:noFill/>
+          </a:ln>
+        </p:spPr>
+        <p:style>
+          <a:lnRef idx="2">
+            <a:schemeClr val="accent1">
+              <a:shade val="50000"/>
+            </a:schemeClr>
+          </a:lnRef>
+          <a:fillRef idx="1">
+            <a:schemeClr val="accent1"/>
+          </a:fillRef>
+          <a:effectRef idx="0">
+            <a:schemeClr val="accent1"/>
+          </a:effectRef>
+          <a:fontRef idx="minor">
+            <a:schemeClr val="lt1"/>
+          </a:fontRef>
+        </p:style>
+        <p:txBody>
+          <a:bodyPr rtlCol="0" anchor="ctr"/>
+          <a:lstStyle/>
+          <a:p>
+            <a:pPr algn="ctr"/>
+            <a:endParaRPr lang="en-US"/>
+          </a:p>
+        </p:txBody>
+      </p:sp>
+      <p:sp>
+        <p:nvSpPr>
+          <p:cNvPr id="5" name="TextBox 4">
+            <a:extLst>
+              <a:ext uri="{FF2B5EF4-FFF2-40B4-BE49-F238E27FC236}">
+                <a16:creationId xmlns:a16="http://schemas.microsoft.com/office/drawing/2014/main" id="{CD5B7853-487C-44C1-8462-F48819A14718}"/>
+              </a:ext>
+            </a:extLst>
+          </p:cNvPr>
+          <p:cNvSpPr txBox="1"/>
+          <p:nvPr/>
+        </p:nvSpPr>
+        <p:spPr>
+          <a:xfrm>
+            <a:off x="1092868" y="4051767"/>
+            <a:ext cx="1905000" cy="1938992"/>
+          </a:xfrm>
+          <a:prstGeom prst="rect">
+            <a:avLst/>
+          </a:prstGeom>
+          <a:noFill/>
+          <a:ln>
+            <a:solidFill>
+              <a:srgbClr val="002060"/>
+            </a:solidFill>
+          </a:ln>
+        </p:spPr>
+        <p:txBody>
+          <a:bodyPr wrap="square" rtlCol="0">
+            <a:spAutoFit/>
+          </a:bodyPr>
+          <a:lstStyle/>
+          <a:p>
+            <a:r>
+              <a:rPr lang="en-US" sz="4000" dirty="0">
+                <a:solidFill>
+                  <a:schemeClr val="bg1"/>
+                </a:solidFill>
+              </a:rPr>
+              <a:t>Set Arm Position to 90 °</a:t>
+            </a:r>
+          </a:p>
+        </p:txBody>
+      </p:sp>
+      <p:cxnSp>
+        <p:nvCxnSpPr>
+          <p:cNvPr id="9" name="Straight Arrow Connector 8">
+            <a:extLst>
+              <a:ext uri="{FF2B5EF4-FFF2-40B4-BE49-F238E27FC236}">
+                <a16:creationId xmlns:a16="http://schemas.microsoft.com/office/drawing/2014/main" id="{8CA92049-18B2-4FE0-865D-6DA26ABE036E}"/>
+              </a:ext>
+            </a:extLst>
+          </p:cNvPr>
+          <p:cNvCxnSpPr>
+            <a:cxnSpLocks/>
+            <a:stCxn id="5" idx="3"/>
+            <a:endCxn id="6" idx="1"/>
+          </p:cNvCxnSpPr>
+          <p:nvPr/>
+        </p:nvCxnSpPr>
+        <p:spPr>
+          <a:xfrm>
+            <a:off x="2997868" y="5021263"/>
+            <a:ext cx="507332" cy="0"/>
+          </a:xfrm>
+          <a:prstGeom prst="straightConnector1">
+            <a:avLst/>
+          </a:prstGeom>
+          <a:ln w="38100">
+            <a:tailEnd type="triangle"/>
+          </a:ln>
+        </p:spPr>
+        <p:style>
+          <a:lnRef idx="1">
+            <a:schemeClr val="accent1"/>
+          </a:lnRef>
+          <a:fillRef idx="0">
+            <a:schemeClr val="accent1"/>
+          </a:fillRef>
+          <a:effectRef idx="0">
+            <a:schemeClr val="accent1"/>
+          </a:effectRef>
+          <a:fontRef idx="minor">
+            <a:schemeClr val="tx1"/>
+          </a:fontRef>
+        </p:style>
+      </p:cxnSp>
+      <p:sp>
+        <p:nvSpPr>
+          <p:cNvPr id="6" name="Rectangle 5">
+            <a:extLst>
+              <a:ext uri="{FF2B5EF4-FFF2-40B4-BE49-F238E27FC236}">
+                <a16:creationId xmlns:a16="http://schemas.microsoft.com/office/drawing/2014/main" id="{6E3BC4F8-1472-492F-BE5C-E3DA0C2B974F}"/>
+              </a:ext>
+            </a:extLst>
+          </p:cNvPr>
+          <p:cNvSpPr/>
+          <p:nvPr/>
+        </p:nvSpPr>
+        <p:spPr>
+          <a:xfrm>
+            <a:off x="3505200" y="4411664"/>
+            <a:ext cx="2133600" cy="1219197"/>
+          </a:xfrm>
+          <a:prstGeom prst="rect">
+            <a:avLst/>
+          </a:prstGeom>
+          <a:solidFill>
+            <a:schemeClr val="tx1"/>
+          </a:solidFill>
+          <a:ln>
+            <a:solidFill>
+              <a:srgbClr val="002060"/>
+            </a:solidFill>
+          </a:ln>
+        </p:spPr>
+        <p:style>
+          <a:lnRef idx="2">
+            <a:schemeClr val="accent1">
+              <a:shade val="50000"/>
+            </a:schemeClr>
+          </a:lnRef>
+          <a:fillRef idx="1">
+            <a:schemeClr val="accent1"/>
+          </a:fillRef>
+          <a:effectRef idx="0">
+            <a:schemeClr val="accent1"/>
+          </a:effectRef>
+          <a:fontRef idx="minor">
+            <a:schemeClr val="lt1"/>
+          </a:fontRef>
+        </p:style>
+        <p:txBody>
+          <a:bodyPr rtlCol="0" anchor="ctr"/>
+          <a:lstStyle/>
+          <a:p>
+            <a:pPr algn="ctr"/>
+            <a:r>
+              <a:rPr lang="en-US" dirty="0">
+                <a:solidFill>
+                  <a:sysClr val="windowText" lastClr="000000"/>
+                </a:solidFill>
+              </a:rPr>
+              <a:t>Tele-op.vi</a:t>
+            </a:r>
+          </a:p>
+        </p:txBody>
+      </p:sp>
+      <p:cxnSp>
+        <p:nvCxnSpPr>
+          <p:cNvPr id="8" name="Straight Arrow Connector 7">
+            <a:extLst>
+              <a:ext uri="{FF2B5EF4-FFF2-40B4-BE49-F238E27FC236}">
+                <a16:creationId xmlns:a16="http://schemas.microsoft.com/office/drawing/2014/main" id="{F696DD4C-BD95-479F-B87B-35DA8902F293}"/>
+              </a:ext>
+            </a:extLst>
+          </p:cNvPr>
+          <p:cNvCxnSpPr>
+            <a:stCxn id="6" idx="3"/>
+          </p:cNvCxnSpPr>
+          <p:nvPr/>
+        </p:nvCxnSpPr>
+        <p:spPr>
+          <a:xfrm>
+            <a:off x="5638800" y="5021263"/>
+            <a:ext cx="457200" cy="0"/>
+          </a:xfrm>
+          <a:prstGeom prst="straightConnector1">
+            <a:avLst/>
+          </a:prstGeom>
+          <a:ln w="38100">
+            <a:tailEnd type="triangle"/>
+          </a:ln>
+        </p:spPr>
+        <p:style>
+          <a:lnRef idx="1">
+            <a:schemeClr val="accent1"/>
+          </a:lnRef>
+          <a:fillRef idx="0">
+            <a:schemeClr val="accent1"/>
+          </a:fillRef>
+          <a:effectRef idx="0">
+            <a:schemeClr val="accent1"/>
+          </a:effectRef>
+          <a:fontRef idx="minor">
+            <a:schemeClr val="tx1"/>
+          </a:fontRef>
+        </p:style>
+      </p:cxnSp>
+      <p:sp>
+        <p:nvSpPr>
+          <p:cNvPr id="10" name="Rectangle 9">
+            <a:extLst>
+              <a:ext uri="{FF2B5EF4-FFF2-40B4-BE49-F238E27FC236}">
+                <a16:creationId xmlns:a16="http://schemas.microsoft.com/office/drawing/2014/main" id="{F80770B2-EA15-40C9-9C13-7DC4132531E7}"/>
+              </a:ext>
+            </a:extLst>
+          </p:cNvPr>
+          <p:cNvSpPr/>
+          <p:nvPr/>
+        </p:nvSpPr>
+        <p:spPr>
+          <a:xfrm>
+            <a:off x="6116055" y="4411673"/>
+            <a:ext cx="2133600" cy="1219177"/>
+          </a:xfrm>
+          <a:prstGeom prst="rect">
+            <a:avLst/>
+          </a:prstGeom>
+          <a:solidFill>
+            <a:schemeClr val="tx1"/>
+          </a:solidFill>
+          <a:ln>
+            <a:solidFill>
+              <a:srgbClr val="002060"/>
+            </a:solidFill>
+          </a:ln>
+        </p:spPr>
+        <p:style>
+          <a:lnRef idx="2">
+            <a:schemeClr val="accent1">
+              <a:shade val="50000"/>
+            </a:schemeClr>
+          </a:lnRef>
+          <a:fillRef idx="1">
+            <a:schemeClr val="accent1"/>
+          </a:fillRef>
+          <a:effectRef idx="0">
+            <a:schemeClr val="accent1"/>
+          </a:effectRef>
+          <a:fontRef idx="minor">
+            <a:schemeClr val="lt1"/>
+          </a:fontRef>
+        </p:style>
+        <p:txBody>
+          <a:bodyPr rtlCol="0" anchor="ctr"/>
+          <a:lstStyle/>
+          <a:p>
+            <a:pPr algn="ctr"/>
+            <a:r>
+              <a:rPr lang="en-US" dirty="0">
+                <a:solidFill>
+                  <a:sysClr val="windowText" lastClr="000000"/>
+                </a:solidFill>
+              </a:rPr>
+              <a:t>Motor X</a:t>
+            </a:r>
+          </a:p>
+        </p:txBody>
+      </p:sp>
+      <p:sp>
+        <p:nvSpPr>
+          <p:cNvPr id="11" name="Rectangle 10">
+            <a:extLst>
+              <a:ext uri="{FF2B5EF4-FFF2-40B4-BE49-F238E27FC236}">
+                <a16:creationId xmlns:a16="http://schemas.microsoft.com/office/drawing/2014/main" id="{B3201273-7B7E-4E6D-A0E0-6135EE832DB3}"/>
+              </a:ext>
+            </a:extLst>
+          </p:cNvPr>
+          <p:cNvSpPr/>
+          <p:nvPr/>
+        </p:nvSpPr>
+        <p:spPr>
+          <a:xfrm>
+            <a:off x="8534400" y="4411664"/>
+            <a:ext cx="1828800" cy="1219177"/>
+          </a:xfrm>
+          <a:prstGeom prst="rect">
+            <a:avLst/>
+          </a:prstGeom>
+          <a:solidFill>
+            <a:schemeClr val="tx1"/>
+          </a:solidFill>
+          <a:ln>
+            <a:solidFill>
+              <a:srgbClr val="002060"/>
+            </a:solidFill>
+          </a:ln>
+        </p:spPr>
+        <p:style>
+          <a:lnRef idx="2">
+            <a:schemeClr val="accent1">
+              <a:shade val="50000"/>
+            </a:schemeClr>
+          </a:lnRef>
+          <a:fillRef idx="1">
+            <a:schemeClr val="accent1"/>
+          </a:fillRef>
+          <a:effectRef idx="0">
+            <a:schemeClr val="accent1"/>
+          </a:effectRef>
+          <a:fontRef idx="minor">
+            <a:schemeClr val="lt1"/>
+          </a:fontRef>
+        </p:style>
+        <p:txBody>
+          <a:bodyPr rtlCol="0" anchor="ctr"/>
+          <a:lstStyle/>
+          <a:p>
+            <a:pPr algn="ctr"/>
+            <a:r>
+              <a:rPr lang="en-US" dirty="0">
+                <a:solidFill>
+                  <a:sysClr val="windowText" lastClr="000000"/>
+                </a:solidFill>
+              </a:rPr>
+              <a:t>Potentiometer</a:t>
+            </a:r>
+          </a:p>
+        </p:txBody>
+      </p:sp>
+      <p:cxnSp>
+        <p:nvCxnSpPr>
+          <p:cNvPr id="13" name="Straight Arrow Connector 12">
+            <a:extLst>
+              <a:ext uri="{FF2B5EF4-FFF2-40B4-BE49-F238E27FC236}">
+                <a16:creationId xmlns:a16="http://schemas.microsoft.com/office/drawing/2014/main" id="{5A705F69-0C63-46F5-BF0C-009D0DCAADBB}"/>
+              </a:ext>
+            </a:extLst>
+          </p:cNvPr>
+          <p:cNvCxnSpPr>
+            <a:stCxn id="10" idx="3"/>
+            <a:endCxn id="11" idx="1"/>
+          </p:cNvCxnSpPr>
+          <p:nvPr/>
+        </p:nvCxnSpPr>
+        <p:spPr>
+          <a:xfrm flipV="1">
+            <a:off x="8249655" y="5021253"/>
+            <a:ext cx="284745" cy="9"/>
+          </a:xfrm>
+          <a:prstGeom prst="straightConnector1">
+            <a:avLst/>
+          </a:prstGeom>
+          <a:ln w="38100">
+            <a:tailEnd type="triangle"/>
+          </a:ln>
+        </p:spPr>
+        <p:style>
+          <a:lnRef idx="1">
+            <a:schemeClr val="accent1"/>
+          </a:lnRef>
+          <a:fillRef idx="0">
+            <a:schemeClr val="accent1"/>
+          </a:fillRef>
+          <a:effectRef idx="0">
+            <a:schemeClr val="accent1"/>
+          </a:effectRef>
+          <a:fontRef idx="minor">
+            <a:schemeClr val="tx1"/>
+          </a:fontRef>
+        </p:style>
+      </p:cxnSp>
+      <p:cxnSp>
+        <p:nvCxnSpPr>
+          <p:cNvPr id="12" name="Connector: Elbow 11">
+            <a:extLst>
+              <a:ext uri="{FF2B5EF4-FFF2-40B4-BE49-F238E27FC236}">
+                <a16:creationId xmlns:a16="http://schemas.microsoft.com/office/drawing/2014/main" id="{8652A86A-22CF-4DF1-A2FB-6B77E24B22DC}"/>
+              </a:ext>
+            </a:extLst>
+          </p:cNvPr>
+          <p:cNvCxnSpPr>
+            <a:stCxn id="11" idx="0"/>
+            <a:endCxn id="6" idx="0"/>
+          </p:cNvCxnSpPr>
+          <p:nvPr/>
+        </p:nvCxnSpPr>
+        <p:spPr>
+          <a:xfrm rot="16200000" flipV="1">
+            <a:off x="7010400" y="1973264"/>
+            <a:ext cx="12700" cy="4876800"/>
+          </a:xfrm>
+          <a:prstGeom prst="bentConnector3">
+            <a:avLst>
+              <a:gd name="adj1" fmla="val 1800000"/>
+            </a:avLst>
+          </a:prstGeom>
+          <a:ln w="38100">
+            <a:tailEnd type="triangle"/>
+          </a:ln>
+        </p:spPr>
+        <p:style>
+          <a:lnRef idx="1">
+            <a:schemeClr val="accent1"/>
+          </a:lnRef>
+          <a:fillRef idx="0">
+            <a:schemeClr val="accent1"/>
+          </a:fillRef>
+          <a:effectRef idx="0">
+            <a:schemeClr val="accent1"/>
+          </a:effectRef>
+          <a:fontRef idx="minor">
+            <a:schemeClr val="tx1"/>
+          </a:fontRef>
+        </p:style>
+      </p:cxnSp>
+      <p:sp>
+        <p:nvSpPr>
+          <p:cNvPr id="14" name="TextBox 13">
+            <a:extLst>
+              <a:ext uri="{FF2B5EF4-FFF2-40B4-BE49-F238E27FC236}">
+                <a16:creationId xmlns:a16="http://schemas.microsoft.com/office/drawing/2014/main" id="{A2D075A5-AE2E-4BDF-8F45-F7C324D0CA2F}"/>
+              </a:ext>
+            </a:extLst>
+          </p:cNvPr>
+          <p:cNvSpPr txBox="1"/>
+          <p:nvPr/>
+        </p:nvSpPr>
+        <p:spPr>
+          <a:xfrm>
+            <a:off x="6251575" y="3845260"/>
+            <a:ext cx="1524000" cy="369332"/>
+          </a:xfrm>
+          <a:prstGeom prst="rect">
+            <a:avLst/>
+          </a:prstGeom>
+          <a:noFill/>
+        </p:spPr>
+        <p:txBody>
+          <a:bodyPr wrap="square" rtlCol="0">
+            <a:spAutoFit/>
+          </a:bodyPr>
+          <a:lstStyle/>
+          <a:p>
+            <a:r>
+              <a:rPr lang="en-US" dirty="0">
+                <a:solidFill>
+                  <a:schemeClr val="bg1"/>
+                </a:solidFill>
+              </a:rPr>
+              <a:t>(arm position)</a:t>
+            </a:r>
+          </a:p>
+        </p:txBody>
+      </p:sp>
+    </p:spTree>
+    <p:extLst>
+      <p:ext uri="{BB962C8B-B14F-4D97-AF65-F5344CB8AC3E}">
+        <p14:creationId xmlns:p14="http://schemas.microsoft.com/office/powerpoint/2010/main" val="2451630365"/>
+      </p:ext>
+    </p:extLst>
+  </p:cSld>
+  <p:clrMapOvr>
+    <a:masterClrMapping/>
+  </p:clrMapOvr>
+  <mc:AlternateContent xmlns:mc="http://schemas.openxmlformats.org/markup-compatibility/2006" xmlns:p14="http://schemas.microsoft.com/office/powerpoint/2010/main">
+    <mc:Choice Requires="p14">
+      <p:transition spd="med" p14:dur="700">
+        <p:fade/>
+      </p:transition>
+    </mc:Choice>
+    <mc:Fallback xmlns="">
+      <p:transition spd="med">
+        <p:fade/>
+      </p:transition>
+    </mc:Fallback>
+  </mc:AlternateContent>
+</p:sld>
+</file>
+
+<file path=ppt/slides/slide36.xml><?xml version="1.0" encoding="utf-8"?>
+<p:sld xmlns:a="http://schemas.openxmlformats.org/drawingml/2006/main" xmlns:r="http://schemas.openxmlformats.org/officeDocument/2006/relationships" xmlns:p="http://schemas.openxmlformats.org/presentationml/2006/main">
+  <p:cSld>
+    <p:spTree>
+      <p:nvGrpSpPr>
+        <p:cNvPr id="1" name=""/>
+        <p:cNvGrpSpPr/>
+        <p:nvPr/>
+      </p:nvGrpSpPr>
+      <p:grpSpPr>
+        <a:xfrm>
+          <a:off x="0" y="0"/>
+          <a:ext cx="0" cy="0"/>
+          <a:chOff x="0" y="0"/>
+          <a:chExt cx="0" cy="0"/>
+        </a:xfrm>
+      </p:grpSpPr>
+      <p:sp>
+        <p:nvSpPr>
+          <p:cNvPr id="2" name="Title 1"/>
+          <p:cNvSpPr>
+            <a:spLocks noGrp="1"/>
+          </p:cNvSpPr>
+          <p:nvPr>
+            <p:ph type="title"/>
+          </p:nvPr>
+        </p:nvSpPr>
+        <p:spPr/>
+        <p:txBody>
+          <a:bodyPr/>
+          <a:lstStyle/>
+          <a:p>
+            <a:r>
+              <a:rPr lang="en-US" dirty="0"/>
+              <a:t>Closed Loop Control - PID</a:t>
+            </a:r>
+          </a:p>
+        </p:txBody>
+      </p:sp>
+      <p:sp>
+        <p:nvSpPr>
+          <p:cNvPr id="3" name="Content Placeholder 2"/>
+          <p:cNvSpPr>
+            <a:spLocks noGrp="1"/>
+          </p:cNvSpPr>
+          <p:nvPr>
+            <p:ph idx="1"/>
+          </p:nvPr>
+        </p:nvSpPr>
+        <p:spPr/>
+        <p:txBody>
+          <a:bodyPr/>
+          <a:lstStyle/>
+          <a:p>
+            <a:r>
+              <a:rPr lang="en-US" dirty="0"/>
+              <a:t>PID stand for:</a:t>
+            </a:r>
+          </a:p>
+          <a:p>
+            <a:pPr lvl="1"/>
+            <a:r>
+              <a:rPr lang="en-US" dirty="0"/>
+              <a:t>Proportional</a:t>
+            </a:r>
+          </a:p>
+          <a:p>
+            <a:pPr lvl="1"/>
+            <a:r>
+              <a:rPr lang="en-US" dirty="0"/>
+              <a:t>Integral</a:t>
+            </a:r>
+          </a:p>
+          <a:p>
+            <a:pPr lvl="1"/>
+            <a:r>
+              <a:rPr lang="en-US" dirty="0"/>
+              <a:t>Derivative</a:t>
+            </a:r>
+          </a:p>
+          <a:p>
+            <a:endParaRPr lang="en-US" dirty="0"/>
+          </a:p>
+        </p:txBody>
+      </p:sp>
+      <p:sp>
+        <p:nvSpPr>
+          <p:cNvPr id="7" name="TextBox 6">
+            <a:extLst>
+              <a:ext uri="{FF2B5EF4-FFF2-40B4-BE49-F238E27FC236}">
+                <a16:creationId xmlns:a16="http://schemas.microsoft.com/office/drawing/2014/main" id="{5CA42ABF-5A3C-4C56-BAFB-0E1D030F5CD9}"/>
+              </a:ext>
+            </a:extLst>
+          </p:cNvPr>
+          <p:cNvSpPr txBox="1"/>
+          <p:nvPr/>
+        </p:nvSpPr>
+        <p:spPr>
+          <a:xfrm>
+            <a:off x="2209800" y="4267200"/>
+            <a:ext cx="7162800" cy="646331"/>
+          </a:xfrm>
+          <a:prstGeom prst="rect">
+            <a:avLst/>
+          </a:prstGeom>
+          <a:noFill/>
+        </p:spPr>
+        <p:txBody>
+          <a:bodyPr wrap="square" rtlCol="0">
+            <a:spAutoFit/>
+          </a:bodyPr>
+          <a:lstStyle/>
+          <a:p>
+            <a:r>
+              <a:rPr lang="en-US" sz="3600" dirty="0"/>
+              <a:t>Output = </a:t>
+            </a:r>
+            <a:r>
+              <a:rPr lang="en-US" sz="3600" dirty="0" err="1"/>
+              <a:t>K</a:t>
+            </a:r>
+            <a:r>
+              <a:rPr lang="en-US" sz="3600" baseline="-25000" dirty="0" err="1"/>
+              <a:t>p</a:t>
+            </a:r>
+            <a:r>
+              <a:rPr lang="en-US" sz="3600" baseline="-25000" dirty="0"/>
+              <a:t> </a:t>
+            </a:r>
+            <a:r>
+              <a:rPr lang="en-US" sz="3600" dirty="0"/>
+              <a:t>E(t) + K</a:t>
+            </a:r>
+            <a:r>
+              <a:rPr lang="en-US" sz="3600" baseline="-25000" dirty="0"/>
+              <a:t>i</a:t>
+            </a:r>
+            <a:r>
+              <a:rPr lang="en-US" sz="3600" dirty="0"/>
+              <a:t> ∫ E’(t)  + </a:t>
+            </a:r>
+            <a:r>
+              <a:rPr lang="en-US" sz="3600" dirty="0" err="1"/>
+              <a:t>K</a:t>
+            </a:r>
+            <a:r>
+              <a:rPr lang="en-US" sz="3600" baseline="-25000" dirty="0" err="1"/>
+              <a:t>d</a:t>
+            </a:r>
+            <a:r>
+              <a:rPr lang="en-US" sz="3600" dirty="0"/>
+              <a:t>  E’(t)</a:t>
+            </a:r>
+          </a:p>
+        </p:txBody>
+      </p:sp>
+    </p:spTree>
+    <p:extLst>
+      <p:ext uri="{BB962C8B-B14F-4D97-AF65-F5344CB8AC3E}">
+        <p14:creationId xmlns:p14="http://schemas.microsoft.com/office/powerpoint/2010/main" val="2379342816"/>
+      </p:ext>
+    </p:extLst>
+  </p:cSld>
+  <p:clrMapOvr>
+    <a:masterClrMapping/>
+  </p:clrMapOvr>
+  <mc:AlternateContent xmlns:mc="http://schemas.openxmlformats.org/markup-compatibility/2006" xmlns:p14="http://schemas.microsoft.com/office/powerpoint/2010/main">
+    <mc:Choice Requires="p14">
+      <p:transition spd="med" p14:dur="700">
+        <p:fade/>
+      </p:transition>
+    </mc:Choice>
+    <mc:Fallback xmlns="">
+      <p:transition spd="med">
+        <p:fade/>
+      </p:transition>
+    </mc:Fallback>
+  </mc:AlternateContent>
+</p:sld>
+</file>
+
+<file path=ppt/slides/slide37.xml><?xml version="1.0" encoding="utf-8"?>
+<p:sld xmlns:a="http://schemas.openxmlformats.org/drawingml/2006/main" xmlns:r="http://schemas.openxmlformats.org/officeDocument/2006/relationships" xmlns:p="http://schemas.openxmlformats.org/presentationml/2006/main">
+  <p:cSld>
+    <p:spTree>
+      <p:nvGrpSpPr>
+        <p:cNvPr id="1" name=""/>
+        <p:cNvGrpSpPr/>
+        <p:nvPr/>
+      </p:nvGrpSpPr>
+      <p:grpSpPr>
+        <a:xfrm>
+          <a:off x="0" y="0"/>
+          <a:ext cx="0" cy="0"/>
+          <a:chOff x="0" y="0"/>
+          <a:chExt cx="0" cy="0"/>
+        </a:xfrm>
+      </p:grpSpPr>
+      <p:sp>
+        <p:nvSpPr>
+          <p:cNvPr id="2" name="Title 1"/>
+          <p:cNvSpPr>
+            <a:spLocks noGrp="1"/>
+          </p:cNvSpPr>
+          <p:nvPr>
+            <p:ph type="title"/>
+          </p:nvPr>
+        </p:nvSpPr>
+        <p:spPr/>
+        <p:txBody>
+          <a:bodyPr/>
+          <a:lstStyle/>
+          <a:p>
+            <a:r>
+              <a:rPr lang="en-US" dirty="0"/>
+              <a:t>PID</a:t>
+            </a:r>
+          </a:p>
+        </p:txBody>
+      </p:sp>
+      <p:sp>
+        <p:nvSpPr>
+          <p:cNvPr id="3" name="Content Placeholder 2"/>
+          <p:cNvSpPr>
+            <a:spLocks noGrp="1"/>
+          </p:cNvSpPr>
+          <p:nvPr>
+            <p:ph idx="1"/>
+          </p:nvPr>
+        </p:nvSpPr>
+        <p:spPr/>
+        <p:txBody>
+          <a:bodyPr/>
+          <a:lstStyle/>
+          <a:p>
+            <a:r>
+              <a:rPr lang="en-US" dirty="0"/>
+              <a:t>Proportional</a:t>
+            </a:r>
+          </a:p>
+        </p:txBody>
+      </p:sp>
+    </p:spTree>
+    <p:extLst>
+      <p:ext uri="{BB962C8B-B14F-4D97-AF65-F5344CB8AC3E}">
+        <p14:creationId xmlns:p14="http://schemas.microsoft.com/office/powerpoint/2010/main" val="4042213302"/>
+      </p:ext>
+    </p:extLst>
+  </p:cSld>
+  <p:clrMapOvr>
+    <a:masterClrMapping/>
+  </p:clrMapOvr>
+  <mc:AlternateContent xmlns:mc="http://schemas.openxmlformats.org/markup-compatibility/2006" xmlns:p14="http://schemas.microsoft.com/office/powerpoint/2010/main">
+    <mc:Choice Requires="p14">
+      <p:transition spd="med" p14:dur="700">
+        <p:fade/>
+      </p:transition>
+    </mc:Choice>
+    <mc:Fallback xmlns="">
+      <p:transition spd="med">
+        <p:fade/>
+      </p:transition>
+    </mc:Fallback>
+  </mc:AlternateContent>
+</p:sld>
+</file>
+
+<file path=ppt/slides/slide38.xml><?xml version="1.0" encoding="utf-8"?>
+<p:sld xmlns:a="http://schemas.openxmlformats.org/drawingml/2006/main" xmlns:r="http://schemas.openxmlformats.org/officeDocument/2006/relationships" xmlns:p="http://schemas.openxmlformats.org/presentationml/2006/main">
+  <p:cSld>
+    <p:spTree>
+      <p:nvGrpSpPr>
+        <p:cNvPr id="1" name=""/>
+        <p:cNvGrpSpPr/>
+        <p:nvPr/>
+      </p:nvGrpSpPr>
+      <p:grpSpPr>
+        <a:xfrm>
+          <a:off x="0" y="0"/>
+          <a:ext cx="0" cy="0"/>
+          <a:chOff x="0" y="0"/>
+          <a:chExt cx="0" cy="0"/>
+        </a:xfrm>
+      </p:grpSpPr>
+      <p:sp>
+        <p:nvSpPr>
+          <p:cNvPr id="2" name="Title 1"/>
+          <p:cNvSpPr>
+            <a:spLocks noGrp="1"/>
+          </p:cNvSpPr>
+          <p:nvPr>
+            <p:ph type="title"/>
+          </p:nvPr>
+        </p:nvSpPr>
+        <p:spPr/>
+        <p:txBody>
+          <a:bodyPr/>
+          <a:lstStyle/>
+          <a:p>
+            <a:r>
+              <a:rPr lang="en-US" dirty="0"/>
+              <a:t>PID</a:t>
+            </a:r>
+          </a:p>
+        </p:txBody>
+      </p:sp>
+      <p:sp>
+        <p:nvSpPr>
+          <p:cNvPr id="3" name="Content Placeholder 2"/>
+          <p:cNvSpPr>
+            <a:spLocks noGrp="1"/>
+          </p:cNvSpPr>
+          <p:nvPr>
+            <p:ph idx="1"/>
+          </p:nvPr>
+        </p:nvSpPr>
+        <p:spPr/>
+        <p:txBody>
+          <a:bodyPr/>
+          <a:lstStyle/>
+          <a:p>
+            <a:r>
+              <a:rPr lang="en-US" dirty="0"/>
+              <a:t>Proportional</a:t>
+            </a:r>
+          </a:p>
+          <a:p>
+            <a:pPr lvl="1"/>
+            <a:r>
+              <a:rPr lang="en-US" dirty="0"/>
+              <a:t>Constant multiplied by error (offset)</a:t>
+            </a:r>
+          </a:p>
+          <a:p>
+            <a:pPr lvl="1"/>
+            <a:r>
+              <a:rPr lang="en-US" dirty="0"/>
+              <a:t>The larger this is, the faster the robot approaches the setpoint (smaller rise time)</a:t>
+            </a:r>
+          </a:p>
+          <a:p>
+            <a:pPr lvl="1"/>
+            <a:r>
+              <a:rPr lang="en-US" dirty="0"/>
+              <a:t>If too large, the robot will overshoot the target consistently</a:t>
+            </a:r>
+          </a:p>
+        </p:txBody>
+      </p:sp>
+    </p:spTree>
+    <p:extLst>
+      <p:ext uri="{BB962C8B-B14F-4D97-AF65-F5344CB8AC3E}">
+        <p14:creationId xmlns:p14="http://schemas.microsoft.com/office/powerpoint/2010/main" val="51239204"/>
+      </p:ext>
+    </p:extLst>
+  </p:cSld>
+  <p:clrMapOvr>
+    <a:masterClrMapping/>
+  </p:clrMapOvr>
+  <mc:AlternateContent xmlns:mc="http://schemas.openxmlformats.org/markup-compatibility/2006" xmlns:p14="http://schemas.microsoft.com/office/powerpoint/2010/main">
+    <mc:Choice Requires="p14">
+      <p:transition spd="med" p14:dur="700">
+        <p:fade/>
+      </p:transition>
+    </mc:Choice>
+    <mc:Fallback xmlns="">
+      <p:transition spd="med">
+        <p:fade/>
+      </p:transition>
+    </mc:Fallback>
+  </mc:AlternateContent>
+</p:sld>
+</file>
+
+<file path=ppt/slides/slide39.xml><?xml version="1.0" encoding="utf-8"?>
+<p:sld xmlns:a="http://schemas.openxmlformats.org/drawingml/2006/main" xmlns:r="http://schemas.openxmlformats.org/officeDocument/2006/relationships" xmlns:p="http://schemas.openxmlformats.org/presentationml/2006/main">
+  <p:cSld>
+    <p:spTree>
+      <p:nvGrpSpPr>
+        <p:cNvPr id="1" name=""/>
+        <p:cNvGrpSpPr/>
+        <p:nvPr/>
+      </p:nvGrpSpPr>
+      <p:grpSpPr>
+        <a:xfrm>
+          <a:off x="0" y="0"/>
+          <a:ext cx="0" cy="0"/>
+          <a:chOff x="0" y="0"/>
+          <a:chExt cx="0" cy="0"/>
+        </a:xfrm>
+      </p:grpSpPr>
+      <p:sp>
+        <p:nvSpPr>
+          <p:cNvPr id="2" name="Title 1"/>
+          <p:cNvSpPr>
+            <a:spLocks noGrp="1"/>
+          </p:cNvSpPr>
+          <p:nvPr>
+            <p:ph type="title"/>
+          </p:nvPr>
+        </p:nvSpPr>
+        <p:spPr/>
+        <p:txBody>
+          <a:bodyPr/>
+          <a:lstStyle/>
+          <a:p>
+            <a:r>
+              <a:rPr lang="en-US" dirty="0"/>
+              <a:t>PID</a:t>
+            </a:r>
+          </a:p>
+        </p:txBody>
+      </p:sp>
+      <p:sp>
+        <p:nvSpPr>
+          <p:cNvPr id="3" name="Content Placeholder 2"/>
+          <p:cNvSpPr>
+            <a:spLocks noGrp="1"/>
+          </p:cNvSpPr>
+          <p:nvPr>
+            <p:ph idx="1"/>
+          </p:nvPr>
+        </p:nvSpPr>
+        <p:spPr/>
+        <p:txBody>
+          <a:bodyPr>
+            <a:normAutofit/>
+          </a:bodyPr>
+          <a:lstStyle/>
+          <a:p>
+            <a:r>
+              <a:rPr lang="en-US" dirty="0"/>
+              <a:t>Proportional</a:t>
+            </a:r>
+          </a:p>
+          <a:p>
+            <a:pPr lvl="1"/>
+            <a:r>
+              <a:rPr lang="en-US" dirty="0"/>
+              <a:t>Constant multiplied by error (offset)</a:t>
+            </a:r>
+          </a:p>
+          <a:p>
+            <a:pPr lvl="1"/>
+            <a:r>
+              <a:rPr lang="en-US" dirty="0"/>
+              <a:t>The larger this is, the faster the robot approaches the setpoint (smaller rise time)</a:t>
+            </a:r>
+          </a:p>
+          <a:p>
+            <a:r>
+              <a:rPr lang="en-US" dirty="0"/>
+              <a:t>Integral</a:t>
+            </a:r>
+          </a:p>
+          <a:p>
+            <a:pPr lvl="1"/>
+            <a:r>
+              <a:rPr lang="en-US" dirty="0"/>
+              <a:t>Constant multiplied by integral of all previous error values</a:t>
+            </a:r>
+          </a:p>
+          <a:p>
+            <a:pPr lvl="1"/>
+            <a:r>
+              <a:rPr lang="en-US" dirty="0"/>
+              <a:t>Used to eliminate steady state error (reducing offset after movement)</a:t>
+            </a:r>
+          </a:p>
+          <a:p>
+            <a:pPr lvl="1"/>
+            <a:r>
+              <a:rPr lang="en-US" dirty="0"/>
+              <a:t>If too large, robot will eventually (&gt; 5s) respond vehemently</a:t>
+            </a:r>
+          </a:p>
+        </p:txBody>
+      </p:sp>
+    </p:spTree>
+    <p:extLst>
+      <p:ext uri="{BB962C8B-B14F-4D97-AF65-F5344CB8AC3E}">
+        <p14:creationId xmlns:p14="http://schemas.microsoft.com/office/powerpoint/2010/main" val="806654585"/>
+      </p:ext>
+    </p:extLst>
+  </p:cSld>
+  <p:clrMapOvr>
+    <a:masterClrMapping/>
+  </p:clrMapOvr>
+  <mc:AlternateContent xmlns:mc="http://schemas.openxmlformats.org/markup-compatibility/2006" xmlns:p14="http://schemas.microsoft.com/office/powerpoint/2010/main">
+    <mc:Choice Requires="p14">
+      <p:transition spd="med" p14:dur="700">
+        <p:fade/>
+      </p:transition>
+    </mc:Choice>
+    <mc:Fallback xmlns="">
+      <p:transition spd="med">
+        <p:fade/>
+      </p:transition>
+    </mc:Fallback>
+  </mc:AlternateContent>
+</p:sld>
+</file>
+
 <file path=ppt/slides/slide4.xml><?xml version="1.0" encoding="utf-8"?>
 <p:sld xmlns:a="http://schemas.openxmlformats.org/drawingml/2006/main" xmlns:r="http://schemas.openxmlformats.org/officeDocument/2006/relationships" xmlns:p="http://schemas.openxmlformats.org/presentationml/2006/main">
   <p:cSld>
@@ -7908,6 +15989,613 @@
     <p:extLst>
       <p:ext uri="{BB962C8B-B14F-4D97-AF65-F5344CB8AC3E}">
         <p14:creationId xmlns:p14="http://schemas.microsoft.com/office/powerpoint/2010/main" val="2548071453"/>
+      </p:ext>
+    </p:extLst>
+  </p:cSld>
+  <p:clrMapOvr>
+    <a:masterClrMapping/>
+  </p:clrMapOvr>
+  <mc:AlternateContent xmlns:mc="http://schemas.openxmlformats.org/markup-compatibility/2006" xmlns:p14="http://schemas.microsoft.com/office/powerpoint/2010/main">
+    <mc:Choice Requires="p14">
+      <p:transition spd="med" p14:dur="700">
+        <p:fade/>
+      </p:transition>
+    </mc:Choice>
+    <mc:Fallback xmlns="">
+      <p:transition spd="med">
+        <p:fade/>
+      </p:transition>
+    </mc:Fallback>
+  </mc:AlternateContent>
+</p:sld>
+</file>
+
+<file path=ppt/slides/slide40.xml><?xml version="1.0" encoding="utf-8"?>
+<p:sld xmlns:a="http://schemas.openxmlformats.org/drawingml/2006/main" xmlns:r="http://schemas.openxmlformats.org/officeDocument/2006/relationships" xmlns:p="http://schemas.openxmlformats.org/presentationml/2006/main">
+  <p:cSld>
+    <p:spTree>
+      <p:nvGrpSpPr>
+        <p:cNvPr id="1" name=""/>
+        <p:cNvGrpSpPr/>
+        <p:nvPr/>
+      </p:nvGrpSpPr>
+      <p:grpSpPr>
+        <a:xfrm>
+          <a:off x="0" y="0"/>
+          <a:ext cx="0" cy="0"/>
+          <a:chOff x="0" y="0"/>
+          <a:chExt cx="0" cy="0"/>
+        </a:xfrm>
+      </p:grpSpPr>
+      <p:sp>
+        <p:nvSpPr>
+          <p:cNvPr id="2" name="Title 1"/>
+          <p:cNvSpPr>
+            <a:spLocks noGrp="1"/>
+          </p:cNvSpPr>
+          <p:nvPr>
+            <p:ph type="title"/>
+          </p:nvPr>
+        </p:nvSpPr>
+        <p:spPr/>
+        <p:txBody>
+          <a:bodyPr/>
+          <a:lstStyle/>
+          <a:p>
+            <a:r>
+              <a:rPr lang="en-US" dirty="0"/>
+              <a:t>PID</a:t>
+            </a:r>
+          </a:p>
+        </p:txBody>
+      </p:sp>
+      <p:sp>
+        <p:nvSpPr>
+          <p:cNvPr id="3" name="Content Placeholder 2"/>
+          <p:cNvSpPr>
+            <a:spLocks noGrp="1"/>
+          </p:cNvSpPr>
+          <p:nvPr>
+            <p:ph idx="1"/>
+          </p:nvPr>
+        </p:nvSpPr>
+        <p:spPr>
+          <a:xfrm>
+            <a:off x="609600" y="1600201"/>
+            <a:ext cx="10972800" cy="5029199"/>
+          </a:xfrm>
+        </p:spPr>
+        <p:txBody>
+          <a:bodyPr>
+            <a:noAutofit/>
+          </a:bodyPr>
+          <a:lstStyle/>
+          <a:p>
+            <a:r>
+              <a:rPr lang="en-US" dirty="0"/>
+              <a:t>Proportional</a:t>
+            </a:r>
+          </a:p>
+          <a:p>
+            <a:pPr lvl="1"/>
+            <a:r>
+              <a:rPr lang="en-US" dirty="0"/>
+              <a:t>Constant multiplied by error (offset)</a:t>
+            </a:r>
+          </a:p>
+          <a:p>
+            <a:pPr lvl="1"/>
+            <a:r>
+              <a:rPr lang="en-US" dirty="0"/>
+              <a:t>The larger this is, the faster the robot approaches the </a:t>
+            </a:r>
+            <a:r>
+              <a:rPr lang="en-US" dirty="0" err="1"/>
+              <a:t>setpoint</a:t>
+            </a:r>
+            <a:r>
+              <a:rPr lang="en-US" dirty="0"/>
+              <a:t> (smaller rise time)</a:t>
+            </a:r>
+          </a:p>
+          <a:p>
+            <a:r>
+              <a:rPr lang="en-US" dirty="0"/>
+              <a:t>Integral</a:t>
+            </a:r>
+          </a:p>
+          <a:p>
+            <a:pPr lvl="1"/>
+            <a:r>
+              <a:rPr lang="en-US" dirty="0"/>
+              <a:t>Constant multiplied by integral of all previous error values</a:t>
+            </a:r>
+          </a:p>
+          <a:p>
+            <a:pPr lvl="1"/>
+            <a:r>
+              <a:rPr lang="en-US" dirty="0"/>
+              <a:t>Used to eliminate steady state error (reducing offset after movement)</a:t>
+            </a:r>
+          </a:p>
+          <a:p>
+            <a:r>
+              <a:rPr lang="en-US" dirty="0"/>
+              <a:t>Differential</a:t>
+            </a:r>
+          </a:p>
+          <a:p>
+            <a:pPr lvl="1"/>
+            <a:r>
+              <a:rPr lang="en-US" dirty="0"/>
+              <a:t>The larger this is, the less overshoot and settling time (less bounce)</a:t>
+            </a:r>
+          </a:p>
+          <a:p>
+            <a:pPr lvl="1"/>
+            <a:r>
+              <a:rPr lang="en-US" dirty="0"/>
+              <a:t>If too large, </a:t>
+            </a:r>
+          </a:p>
+          <a:p>
+            <a:pPr lvl="1"/>
+            <a:endParaRPr lang="en-US" dirty="0"/>
+          </a:p>
+          <a:p>
+            <a:pPr marL="457200" lvl="1" indent="0">
+              <a:buNone/>
+            </a:pPr>
+            <a:endParaRPr lang="en-US" dirty="0"/>
+          </a:p>
+        </p:txBody>
+      </p:sp>
+    </p:spTree>
+    <p:extLst>
+      <p:ext uri="{BB962C8B-B14F-4D97-AF65-F5344CB8AC3E}">
+        <p14:creationId xmlns:p14="http://schemas.microsoft.com/office/powerpoint/2010/main" val="509704731"/>
+      </p:ext>
+    </p:extLst>
+  </p:cSld>
+  <p:clrMapOvr>
+    <a:masterClrMapping/>
+  </p:clrMapOvr>
+  <mc:AlternateContent xmlns:mc="http://schemas.openxmlformats.org/markup-compatibility/2006" xmlns:p14="http://schemas.microsoft.com/office/powerpoint/2010/main">
+    <mc:Choice Requires="p14">
+      <p:transition spd="med" p14:dur="700">
+        <p:fade/>
+      </p:transition>
+    </mc:Choice>
+    <mc:Fallback xmlns="">
+      <p:transition spd="med">
+        <p:fade/>
+      </p:transition>
+    </mc:Fallback>
+  </mc:AlternateContent>
+</p:sld>
+</file>
+
+<file path=ppt/slides/slide41.xml><?xml version="1.0" encoding="utf-8"?>
+<p:sld xmlns:a="http://schemas.openxmlformats.org/drawingml/2006/main" xmlns:r="http://schemas.openxmlformats.org/officeDocument/2006/relationships" xmlns:p="http://schemas.openxmlformats.org/presentationml/2006/main">
+  <p:cSld>
+    <p:spTree>
+      <p:nvGrpSpPr>
+        <p:cNvPr id="1" name=""/>
+        <p:cNvGrpSpPr/>
+        <p:nvPr/>
+      </p:nvGrpSpPr>
+      <p:grpSpPr>
+        <a:xfrm>
+          <a:off x="0" y="0"/>
+          <a:ext cx="0" cy="0"/>
+          <a:chOff x="0" y="0"/>
+          <a:chExt cx="0" cy="0"/>
+        </a:xfrm>
+      </p:grpSpPr>
+      <p:sp>
+        <p:nvSpPr>
+          <p:cNvPr id="2" name="Title 1"/>
+          <p:cNvSpPr>
+            <a:spLocks noGrp="1"/>
+          </p:cNvSpPr>
+          <p:nvPr>
+            <p:ph type="title"/>
+          </p:nvPr>
+        </p:nvSpPr>
+        <p:spPr/>
+        <p:txBody>
+          <a:bodyPr/>
+          <a:lstStyle/>
+          <a:p>
+            <a:r>
+              <a:rPr lang="en-US" dirty="0"/>
+              <a:t>PID</a:t>
+            </a:r>
+          </a:p>
+        </p:txBody>
+      </p:sp>
+      <p:sp>
+        <p:nvSpPr>
+          <p:cNvPr id="3" name="Content Placeholder 2"/>
+          <p:cNvSpPr>
+            <a:spLocks noGrp="1"/>
+          </p:cNvSpPr>
+          <p:nvPr>
+            <p:ph idx="1"/>
+          </p:nvPr>
+        </p:nvSpPr>
+        <p:spPr/>
+        <p:txBody>
+          <a:bodyPr/>
+          <a:lstStyle/>
+          <a:p>
+            <a:r>
+              <a:rPr lang="en-US" dirty="0"/>
+              <a:t>Tuning</a:t>
+            </a:r>
+          </a:p>
+        </p:txBody>
+      </p:sp>
+    </p:spTree>
+    <p:extLst>
+      <p:ext uri="{BB962C8B-B14F-4D97-AF65-F5344CB8AC3E}">
+        <p14:creationId xmlns:p14="http://schemas.microsoft.com/office/powerpoint/2010/main" val="3408026442"/>
+      </p:ext>
+    </p:extLst>
+  </p:cSld>
+  <p:clrMapOvr>
+    <a:masterClrMapping/>
+  </p:clrMapOvr>
+  <mc:AlternateContent xmlns:mc="http://schemas.openxmlformats.org/markup-compatibility/2006" xmlns:p14="http://schemas.microsoft.com/office/powerpoint/2010/main">
+    <mc:Choice Requires="p14">
+      <p:transition spd="med" p14:dur="700">
+        <p:fade/>
+      </p:transition>
+    </mc:Choice>
+    <mc:Fallback xmlns="">
+      <p:transition spd="med">
+        <p:fade/>
+      </p:transition>
+    </mc:Fallback>
+  </mc:AlternateContent>
+</p:sld>
+</file>
+
+<file path=ppt/slides/slide42.xml><?xml version="1.0" encoding="utf-8"?>
+<p:sld xmlns:a="http://schemas.openxmlformats.org/drawingml/2006/main" xmlns:r="http://schemas.openxmlformats.org/officeDocument/2006/relationships" xmlns:p="http://schemas.openxmlformats.org/presentationml/2006/main">
+  <p:cSld>
+    <p:spTree>
+      <p:nvGrpSpPr>
+        <p:cNvPr id="1" name=""/>
+        <p:cNvGrpSpPr/>
+        <p:nvPr/>
+      </p:nvGrpSpPr>
+      <p:grpSpPr>
+        <a:xfrm>
+          <a:off x="0" y="0"/>
+          <a:ext cx="0" cy="0"/>
+          <a:chOff x="0" y="0"/>
+          <a:chExt cx="0" cy="0"/>
+        </a:xfrm>
+      </p:grpSpPr>
+      <p:sp>
+        <p:nvSpPr>
+          <p:cNvPr id="2" name="Title 1"/>
+          <p:cNvSpPr>
+            <a:spLocks noGrp="1"/>
+          </p:cNvSpPr>
+          <p:nvPr>
+            <p:ph type="title"/>
+          </p:nvPr>
+        </p:nvSpPr>
+        <p:spPr/>
+        <p:txBody>
+          <a:bodyPr/>
+          <a:lstStyle/>
+          <a:p>
+            <a:r>
+              <a:rPr lang="en-US" dirty="0"/>
+              <a:t>PID</a:t>
+            </a:r>
+          </a:p>
+        </p:txBody>
+      </p:sp>
+      <p:sp>
+        <p:nvSpPr>
+          <p:cNvPr id="3" name="Content Placeholder 2"/>
+          <p:cNvSpPr>
+            <a:spLocks noGrp="1"/>
+          </p:cNvSpPr>
+          <p:nvPr>
+            <p:ph idx="1"/>
+          </p:nvPr>
+        </p:nvSpPr>
+        <p:spPr/>
+        <p:txBody>
+          <a:bodyPr/>
+          <a:lstStyle/>
+          <a:p>
+            <a:r>
+              <a:rPr lang="en-US" dirty="0"/>
+              <a:t>Tuning</a:t>
+            </a:r>
+          </a:p>
+          <a:p>
+            <a:pPr lvl="1"/>
+            <a:r>
+              <a:rPr lang="en-US" dirty="0"/>
+              <a:t>Several methods available</a:t>
+            </a:r>
+          </a:p>
+          <a:p>
+            <a:pPr lvl="2"/>
+            <a:r>
+              <a:rPr lang="en-US" b="1" dirty="0"/>
+              <a:t>Ziegler–Nichols*</a:t>
+            </a:r>
+          </a:p>
+          <a:p>
+            <a:pPr lvl="2"/>
+            <a:r>
+              <a:rPr lang="en-US" b="1" dirty="0" err="1"/>
+              <a:t>Tyreus</a:t>
+            </a:r>
+            <a:r>
+              <a:rPr lang="en-US" b="1" dirty="0"/>
+              <a:t> </a:t>
+            </a:r>
+            <a:r>
+              <a:rPr lang="en-US" b="1" dirty="0" err="1"/>
+              <a:t>Luyben</a:t>
+            </a:r>
+            <a:endParaRPr lang="en-US" b="1" dirty="0"/>
+          </a:p>
+          <a:p>
+            <a:pPr lvl="2"/>
+            <a:r>
+              <a:rPr lang="en-US" b="1" dirty="0"/>
+              <a:t>Cohen–Coon</a:t>
+            </a:r>
+          </a:p>
+          <a:p>
+            <a:pPr lvl="2"/>
+            <a:r>
+              <a:rPr lang="en-US" b="1" dirty="0" err="1"/>
+              <a:t>Åström-Hägglund</a:t>
+            </a:r>
+            <a:endParaRPr lang="en-US" b="1" dirty="0"/>
+          </a:p>
+          <a:p>
+            <a:pPr lvl="2"/>
+            <a:r>
+              <a:rPr lang="en-US" b="1" dirty="0"/>
+              <a:t>Manual Tuning* </a:t>
+            </a:r>
+            <a:endParaRPr lang="en-US" dirty="0"/>
+          </a:p>
+        </p:txBody>
+      </p:sp>
+    </p:spTree>
+    <p:extLst>
+      <p:ext uri="{BB962C8B-B14F-4D97-AF65-F5344CB8AC3E}">
+        <p14:creationId xmlns:p14="http://schemas.microsoft.com/office/powerpoint/2010/main" val="3000258402"/>
+      </p:ext>
+    </p:extLst>
+  </p:cSld>
+  <p:clrMapOvr>
+    <a:masterClrMapping/>
+  </p:clrMapOvr>
+  <mc:AlternateContent xmlns:mc="http://schemas.openxmlformats.org/markup-compatibility/2006" xmlns:p14="http://schemas.microsoft.com/office/powerpoint/2010/main">
+    <mc:Choice Requires="p14">
+      <p:transition spd="med" p14:dur="700">
+        <p:fade/>
+      </p:transition>
+    </mc:Choice>
+    <mc:Fallback xmlns="">
+      <p:transition spd="med">
+        <p:fade/>
+      </p:transition>
+    </mc:Fallback>
+  </mc:AlternateContent>
+</p:sld>
+</file>
+
+<file path=ppt/slides/slide43.xml><?xml version="1.0" encoding="utf-8"?>
+<p:sld xmlns:a="http://schemas.openxmlformats.org/drawingml/2006/main" xmlns:r="http://schemas.openxmlformats.org/officeDocument/2006/relationships" xmlns:p="http://schemas.openxmlformats.org/presentationml/2006/main">
+  <p:cSld>
+    <p:spTree>
+      <p:nvGrpSpPr>
+        <p:cNvPr id="1" name=""/>
+        <p:cNvGrpSpPr/>
+        <p:nvPr/>
+      </p:nvGrpSpPr>
+      <p:grpSpPr>
+        <a:xfrm>
+          <a:off x="0" y="0"/>
+          <a:ext cx="0" cy="0"/>
+          <a:chOff x="0" y="0"/>
+          <a:chExt cx="0" cy="0"/>
+        </a:xfrm>
+      </p:grpSpPr>
+      <p:sp>
+        <p:nvSpPr>
+          <p:cNvPr id="2" name="Title 1">
+            <a:extLst>
+              <a:ext uri="{FF2B5EF4-FFF2-40B4-BE49-F238E27FC236}">
+                <a16:creationId xmlns:a16="http://schemas.microsoft.com/office/drawing/2014/main" id="{D84C2E09-7478-4D7A-B253-B22BE4142684}"/>
+              </a:ext>
+            </a:extLst>
+          </p:cNvPr>
+          <p:cNvSpPr>
+            <a:spLocks noGrp="1"/>
+          </p:cNvSpPr>
+          <p:nvPr>
+            <p:ph type="title"/>
+          </p:nvPr>
+        </p:nvSpPr>
+        <p:spPr/>
+        <p:txBody>
+          <a:bodyPr/>
+          <a:lstStyle/>
+          <a:p>
+            <a:r>
+              <a:rPr lang="en-US" dirty="0"/>
+              <a:t>PID</a:t>
+            </a:r>
+          </a:p>
+        </p:txBody>
+      </p:sp>
+      <p:sp>
+        <p:nvSpPr>
+          <p:cNvPr id="3" name="Content Placeholder 2">
+            <a:extLst>
+              <a:ext uri="{FF2B5EF4-FFF2-40B4-BE49-F238E27FC236}">
+                <a16:creationId xmlns:a16="http://schemas.microsoft.com/office/drawing/2014/main" id="{41E91050-5049-4C4D-B99B-D5589078E460}"/>
+              </a:ext>
+            </a:extLst>
+          </p:cNvPr>
+          <p:cNvSpPr>
+            <a:spLocks noGrp="1"/>
+          </p:cNvSpPr>
+          <p:nvPr>
+            <p:ph idx="1"/>
+          </p:nvPr>
+        </p:nvSpPr>
+        <p:spPr/>
+        <p:txBody>
+          <a:bodyPr/>
+          <a:lstStyle/>
+          <a:p>
+            <a:r>
+              <a:rPr lang="en-US" dirty="0"/>
+              <a:t>Example code</a:t>
+            </a:r>
+          </a:p>
+        </p:txBody>
+      </p:sp>
+      <p:pic>
+        <p:nvPicPr>
+          <p:cNvPr id="5" name="Picture 4">
+            <a:extLst>
+              <a:ext uri="{FF2B5EF4-FFF2-40B4-BE49-F238E27FC236}">
+                <a16:creationId xmlns:a16="http://schemas.microsoft.com/office/drawing/2014/main" id="{C89ABEE7-0CCF-4562-BF4E-129F854A05D6}"/>
+              </a:ext>
+            </a:extLst>
+          </p:cNvPr>
+          <p:cNvPicPr>
+            <a:picLocks noChangeAspect="1"/>
+          </p:cNvPicPr>
+          <p:nvPr/>
+        </p:nvPicPr>
+        <p:blipFill>
+          <a:blip r:embed="rId3">
+            <a:extLst>
+              <a:ext uri="{28A0092B-C50C-407E-A947-70E740481C1C}">
+                <a14:useLocalDpi xmlns:a14="http://schemas.microsoft.com/office/drawing/2010/main" val="0"/>
+              </a:ext>
+            </a:extLst>
+          </a:blip>
+          <a:stretch>
+            <a:fillRect/>
+          </a:stretch>
+        </p:blipFill>
+        <p:spPr>
+          <a:xfrm>
+            <a:off x="2362200" y="2341959"/>
+            <a:ext cx="6781800" cy="4203303"/>
+          </a:xfrm>
+          <a:prstGeom prst="rect">
+            <a:avLst/>
+          </a:prstGeom>
+        </p:spPr>
+      </p:pic>
+    </p:spTree>
+    <p:extLst>
+      <p:ext uri="{BB962C8B-B14F-4D97-AF65-F5344CB8AC3E}">
+        <p14:creationId xmlns:p14="http://schemas.microsoft.com/office/powerpoint/2010/main" val="2415021192"/>
+      </p:ext>
+    </p:extLst>
+  </p:cSld>
+  <p:clrMapOvr>
+    <a:masterClrMapping/>
+  </p:clrMapOvr>
+  <mc:AlternateContent xmlns:mc="http://schemas.openxmlformats.org/markup-compatibility/2006" xmlns:p14="http://schemas.microsoft.com/office/powerpoint/2010/main">
+    <mc:Choice Requires="p14">
+      <p:transition spd="med" p14:dur="700">
+        <p:fade/>
+      </p:transition>
+    </mc:Choice>
+    <mc:Fallback xmlns="">
+      <p:transition spd="med">
+        <p:fade/>
+      </p:transition>
+    </mc:Fallback>
+  </mc:AlternateContent>
+</p:sld>
+</file>
+
+<file path=ppt/slides/slide44.xml><?xml version="1.0" encoding="utf-8"?>
+<p:sld xmlns:a="http://schemas.openxmlformats.org/drawingml/2006/main" xmlns:r="http://schemas.openxmlformats.org/officeDocument/2006/relationships" xmlns:p="http://schemas.openxmlformats.org/presentationml/2006/main">
+  <p:cSld>
+    <p:spTree>
+      <p:nvGrpSpPr>
+        <p:cNvPr id="1" name=""/>
+        <p:cNvGrpSpPr/>
+        <p:nvPr/>
+      </p:nvGrpSpPr>
+      <p:grpSpPr>
+        <a:xfrm>
+          <a:off x="0" y="0"/>
+          <a:ext cx="0" cy="0"/>
+          <a:chOff x="0" y="0"/>
+          <a:chExt cx="0" cy="0"/>
+        </a:xfrm>
+      </p:grpSpPr>
+      <p:sp>
+        <p:nvSpPr>
+          <p:cNvPr id="2" name="Title 1"/>
+          <p:cNvSpPr>
+            <a:spLocks noGrp="1"/>
+          </p:cNvSpPr>
+          <p:nvPr>
+            <p:ph type="title"/>
+          </p:nvPr>
+        </p:nvSpPr>
+        <p:spPr/>
+        <p:txBody>
+          <a:bodyPr/>
+          <a:lstStyle/>
+          <a:p>
+            <a:r>
+              <a:rPr lang="en-US" dirty="0"/>
+              <a:t>Questions</a:t>
+            </a:r>
+          </a:p>
+        </p:txBody>
+      </p:sp>
+      <p:sp>
+        <p:nvSpPr>
+          <p:cNvPr id="3" name="Content Placeholder 2"/>
+          <p:cNvSpPr>
+            <a:spLocks noGrp="1"/>
+          </p:cNvSpPr>
+          <p:nvPr>
+            <p:ph idx="1"/>
+          </p:nvPr>
+        </p:nvSpPr>
+        <p:spPr/>
+        <p:txBody>
+          <a:bodyPr/>
+          <a:lstStyle/>
+          <a:p>
+            <a:endParaRPr lang="en-US"/>
+          </a:p>
+        </p:txBody>
+      </p:sp>
+    </p:spTree>
+    <p:extLst>
+      <p:ext uri="{BB962C8B-B14F-4D97-AF65-F5344CB8AC3E}">
+        <p14:creationId xmlns:p14="http://schemas.microsoft.com/office/powerpoint/2010/main" val="3698870906"/>
       </p:ext>
     </p:extLst>
   </p:cSld>
@@ -8702,7 +17390,34 @@
       </a:bgFillStyleLst>
     </a:fmtScheme>
   </a:themeElements>
-  <a:objectDefaults/>
+  <a:objectDefaults>
+    <a:lnDef>
+      <a:spPr>
+        <a:ln w="28575">
+          <a:solidFill>
+            <a:srgbClr val="C00000"/>
+          </a:solidFill>
+          <a:tailEnd type="triangle"/>
+        </a:ln>
+      </a:spPr>
+      <a:bodyPr/>
+      <a:lstStyle/>
+      <a:style>
+        <a:lnRef idx="1">
+          <a:schemeClr val="accent1"/>
+        </a:lnRef>
+        <a:fillRef idx="0">
+          <a:schemeClr val="accent1"/>
+        </a:fillRef>
+        <a:effectRef idx="0">
+          <a:schemeClr val="accent1"/>
+        </a:effectRef>
+        <a:fontRef idx="minor">
+          <a:schemeClr val="tx1"/>
+        </a:fontRef>
+      </a:style>
+    </a:lnDef>
+  </a:objectDefaults>
   <a:extraClrSchemeLst/>
 </a:theme>
 </file>
